--- a/draftPresenation.pptx
+++ b/draftPresenation.pptx
@@ -9,15 +9,27 @@
     <p:sldId id="257" r:id="rId3"/>
     <p:sldId id="258" r:id="rId4"/>
     <p:sldId id="259" r:id="rId5"/>
-    <p:sldId id="260" r:id="rId6"/>
-    <p:sldId id="261" r:id="rId7"/>
-    <p:sldId id="262" r:id="rId8"/>
-    <p:sldId id="263" r:id="rId9"/>
-    <p:sldId id="264" r:id="rId10"/>
-    <p:sldId id="265" r:id="rId11"/>
-    <p:sldId id="266" r:id="rId12"/>
-    <p:sldId id="268" r:id="rId13"/>
-    <p:sldId id="269" r:id="rId14"/>
+    <p:sldId id="264" r:id="rId6"/>
+    <p:sldId id="270" r:id="rId7"/>
+    <p:sldId id="271" r:id="rId8"/>
+    <p:sldId id="272" r:id="rId9"/>
+    <p:sldId id="273" r:id="rId10"/>
+    <p:sldId id="274" r:id="rId11"/>
+    <p:sldId id="275" r:id="rId12"/>
+    <p:sldId id="276" r:id="rId13"/>
+    <p:sldId id="277" r:id="rId14"/>
+    <p:sldId id="278" r:id="rId15"/>
+    <p:sldId id="279" r:id="rId16"/>
+    <p:sldId id="280" r:id="rId17"/>
+    <p:sldId id="281" r:id="rId18"/>
+    <p:sldId id="265" r:id="rId19"/>
+    <p:sldId id="266" r:id="rId20"/>
+    <p:sldId id="268" r:id="rId21"/>
+    <p:sldId id="269" r:id="rId22"/>
+    <p:sldId id="260" r:id="rId23"/>
+    <p:sldId id="261" r:id="rId24"/>
+    <p:sldId id="262" r:id="rId25"/>
+    <p:sldId id="263" r:id="rId26"/>
   </p:sldIdLst>
   <p:sldSz cx="9144000" cy="6858000" type="screen4x3"/>
   <p:notesSz cx="6858000" cy="9144000"/>
@@ -300,6 +312,7 @@
           <a:p>
             <a:fld id="{795F659F-72D3-4520-BE4B-6AB55E0BA10A}" type="datetimeFigureOut">
               <a:rPr lang="en-GB" smtClean="0"/>
+              <a:pPr/>
               <a:t>21/06/2013</a:t>
             </a:fld>
             <a:endParaRPr lang="en-GB"/>
@@ -342,6 +355,7 @@
           <a:p>
             <a:fld id="{8AA1A606-4E20-4C0D-9666-890F6F8C4829}" type="slidenum">
               <a:rPr lang="en-GB" smtClean="0"/>
+              <a:pPr/>
               <a:t>‹#›</a:t>
             </a:fld>
             <a:endParaRPr lang="en-GB"/>
@@ -465,6 +479,7 @@
           <a:p>
             <a:fld id="{795F659F-72D3-4520-BE4B-6AB55E0BA10A}" type="datetimeFigureOut">
               <a:rPr lang="en-GB" smtClean="0"/>
+              <a:pPr/>
               <a:t>21/06/2013</a:t>
             </a:fld>
             <a:endParaRPr lang="en-GB"/>
@@ -507,6 +522,7 @@
           <a:p>
             <a:fld id="{8AA1A606-4E20-4C0D-9666-890F6F8C4829}" type="slidenum">
               <a:rPr lang="en-GB" smtClean="0"/>
+              <a:pPr/>
               <a:t>‹#›</a:t>
             </a:fld>
             <a:endParaRPr lang="en-GB"/>
@@ -640,6 +656,7 @@
           <a:p>
             <a:fld id="{795F659F-72D3-4520-BE4B-6AB55E0BA10A}" type="datetimeFigureOut">
               <a:rPr lang="en-GB" smtClean="0"/>
+              <a:pPr/>
               <a:t>21/06/2013</a:t>
             </a:fld>
             <a:endParaRPr lang="en-GB"/>
@@ -682,6 +699,7 @@
           <a:p>
             <a:fld id="{8AA1A606-4E20-4C0D-9666-890F6F8C4829}" type="slidenum">
               <a:rPr lang="en-GB" smtClean="0"/>
+              <a:pPr/>
               <a:t>‹#›</a:t>
             </a:fld>
             <a:endParaRPr lang="en-GB"/>
@@ -805,6 +823,7 @@
           <a:p>
             <a:fld id="{795F659F-72D3-4520-BE4B-6AB55E0BA10A}" type="datetimeFigureOut">
               <a:rPr lang="en-GB" smtClean="0"/>
+              <a:pPr/>
               <a:t>21/06/2013</a:t>
             </a:fld>
             <a:endParaRPr lang="en-GB"/>
@@ -847,6 +866,7 @@
           <a:p>
             <a:fld id="{8AA1A606-4E20-4C0D-9666-890F6F8C4829}" type="slidenum">
               <a:rPr lang="en-GB" smtClean="0"/>
+              <a:pPr/>
               <a:t>‹#›</a:t>
             </a:fld>
             <a:endParaRPr lang="en-GB"/>
@@ -1046,6 +1066,7 @@
           <a:p>
             <a:fld id="{795F659F-72D3-4520-BE4B-6AB55E0BA10A}" type="datetimeFigureOut">
               <a:rPr lang="en-GB" smtClean="0"/>
+              <a:pPr/>
               <a:t>21/06/2013</a:t>
             </a:fld>
             <a:endParaRPr lang="en-GB"/>
@@ -1088,6 +1109,7 @@
           <a:p>
             <a:fld id="{8AA1A606-4E20-4C0D-9666-890F6F8C4829}" type="slidenum">
               <a:rPr lang="en-GB" smtClean="0"/>
+              <a:pPr/>
               <a:t>‹#›</a:t>
             </a:fld>
             <a:endParaRPr lang="en-GB"/>
@@ -1329,6 +1351,7 @@
           <a:p>
             <a:fld id="{795F659F-72D3-4520-BE4B-6AB55E0BA10A}" type="datetimeFigureOut">
               <a:rPr lang="en-GB" smtClean="0"/>
+              <a:pPr/>
               <a:t>21/06/2013</a:t>
             </a:fld>
             <a:endParaRPr lang="en-GB"/>
@@ -1371,6 +1394,7 @@
           <a:p>
             <a:fld id="{8AA1A606-4E20-4C0D-9666-890F6F8C4829}" type="slidenum">
               <a:rPr lang="en-GB" smtClean="0"/>
+              <a:pPr/>
               <a:t>‹#›</a:t>
             </a:fld>
             <a:endParaRPr lang="en-GB"/>
@@ -1746,6 +1770,7 @@
           <a:p>
             <a:fld id="{795F659F-72D3-4520-BE4B-6AB55E0BA10A}" type="datetimeFigureOut">
               <a:rPr lang="en-GB" smtClean="0"/>
+              <a:pPr/>
               <a:t>21/06/2013</a:t>
             </a:fld>
             <a:endParaRPr lang="en-GB"/>
@@ -1788,6 +1813,7 @@
           <a:p>
             <a:fld id="{8AA1A606-4E20-4C0D-9666-890F6F8C4829}" type="slidenum">
               <a:rPr lang="en-GB" smtClean="0"/>
+              <a:pPr/>
               <a:t>‹#›</a:t>
             </a:fld>
             <a:endParaRPr lang="en-GB"/>
@@ -1859,6 +1885,7 @@
           <a:p>
             <a:fld id="{795F659F-72D3-4520-BE4B-6AB55E0BA10A}" type="datetimeFigureOut">
               <a:rPr lang="en-GB" smtClean="0"/>
+              <a:pPr/>
               <a:t>21/06/2013</a:t>
             </a:fld>
             <a:endParaRPr lang="en-GB"/>
@@ -1901,6 +1928,7 @@
           <a:p>
             <a:fld id="{8AA1A606-4E20-4C0D-9666-890F6F8C4829}" type="slidenum">
               <a:rPr lang="en-GB" smtClean="0"/>
+              <a:pPr/>
               <a:t>‹#›</a:t>
             </a:fld>
             <a:endParaRPr lang="en-GB"/>
@@ -1949,6 +1977,7 @@
           <a:p>
             <a:fld id="{795F659F-72D3-4520-BE4B-6AB55E0BA10A}" type="datetimeFigureOut">
               <a:rPr lang="en-GB" smtClean="0"/>
+              <a:pPr/>
               <a:t>21/06/2013</a:t>
             </a:fld>
             <a:endParaRPr lang="en-GB"/>
@@ -1991,6 +2020,7 @@
           <a:p>
             <a:fld id="{8AA1A606-4E20-4C0D-9666-890F6F8C4829}" type="slidenum">
               <a:rPr lang="en-GB" smtClean="0"/>
+              <a:pPr/>
               <a:t>‹#›</a:t>
             </a:fld>
             <a:endParaRPr lang="en-GB"/>
@@ -2221,6 +2251,7 @@
           <a:p>
             <a:fld id="{795F659F-72D3-4520-BE4B-6AB55E0BA10A}" type="datetimeFigureOut">
               <a:rPr lang="en-GB" smtClean="0"/>
+              <a:pPr/>
               <a:t>21/06/2013</a:t>
             </a:fld>
             <a:endParaRPr lang="en-GB"/>
@@ -2263,6 +2294,7 @@
           <a:p>
             <a:fld id="{8AA1A606-4E20-4C0D-9666-890F6F8C4829}" type="slidenum">
               <a:rPr lang="en-GB" smtClean="0"/>
+              <a:pPr/>
               <a:t>‹#›</a:t>
             </a:fld>
             <a:endParaRPr lang="en-GB"/>
@@ -2469,6 +2501,7 @@
           <a:p>
             <a:fld id="{795F659F-72D3-4520-BE4B-6AB55E0BA10A}" type="datetimeFigureOut">
               <a:rPr lang="en-GB" smtClean="0"/>
+              <a:pPr/>
               <a:t>21/06/2013</a:t>
             </a:fld>
             <a:endParaRPr lang="en-GB"/>
@@ -2511,6 +2544,7 @@
           <a:p>
             <a:fld id="{8AA1A606-4E20-4C0D-9666-890F6F8C4829}" type="slidenum">
               <a:rPr lang="en-GB" smtClean="0"/>
+              <a:pPr/>
               <a:t>‹#›</a:t>
             </a:fld>
             <a:endParaRPr lang="en-GB"/>
@@ -2677,6 +2711,7 @@
           <a:p>
             <a:fld id="{795F659F-72D3-4520-BE4B-6AB55E0BA10A}" type="datetimeFigureOut">
               <a:rPr lang="en-GB" smtClean="0"/>
+              <a:pPr/>
               <a:t>21/06/2013</a:t>
             </a:fld>
             <a:endParaRPr lang="en-GB"/>
@@ -2755,6 +2790,7 @@
           <a:p>
             <a:fld id="{8AA1A606-4E20-4C0D-9666-890F6F8C4829}" type="slidenum">
               <a:rPr lang="en-GB" smtClean="0"/>
+              <a:pPr/>
               <a:t>‹#›</a:t>
             </a:fld>
             <a:endParaRPr lang="en-GB"/>
@@ -3130,13 +3166,18 @@
         </p:nvSpPr>
         <p:spPr/>
         <p:txBody>
-          <a:bodyPr/>
-          <a:lstStyle/>
-          <a:p>
-            <a:r>
-              <a:rPr lang="en-GB" dirty="0" smtClean="0"/>
-              <a:t>Type equality constraints</a:t>
-            </a:r>
+          <a:bodyPr>
+            <a:normAutofit fontScale="90000"/>
+          </a:bodyPr>
+          <a:lstStyle/>
+          <a:p>
+            <a:r>
+              <a:rPr lang="en-GB" dirty="0" smtClean="0"/>
+              <a:t>Path dependent types</a:t>
+            </a:r>
+            <a:br>
+              <a:rPr lang="en-GB" dirty="0" smtClean="0"/>
+            </a:br>
             <a:endParaRPr lang="en-GB" dirty="0"/>
           </a:p>
         </p:txBody>
@@ -3153,46 +3194,350 @@
         </p:nvSpPr>
         <p:spPr/>
         <p:txBody>
-          <a:bodyPr/>
-          <a:lstStyle/>
-          <a:p>
-            <a:r>
-              <a:rPr lang="en-GB" dirty="0" smtClean="0"/>
-              <a:t>CLI already supports generics (parametric polymorphism)</a:t>
-            </a:r>
-          </a:p>
-          <a:p>
-            <a:r>
-              <a:rPr lang="en-GB" dirty="0" smtClean="0"/>
-              <a:t>The combination of generics and type equality constraints is sufficient to express GADTs</a:t>
-            </a:r>
-          </a:p>
-          <a:p>
-            <a:r>
-              <a:rPr lang="en-GB" dirty="0" smtClean="0"/>
-              <a:t>Type equality constraints allow us to add constraints </a:t>
-            </a:r>
-            <a:r>
-              <a:rPr lang="en-GB" dirty="0" smtClean="0"/>
-              <a:t>to methods </a:t>
-            </a:r>
-            <a:r>
-              <a:rPr lang="en-GB" dirty="0" smtClean="0"/>
-              <a:t>of the form T=U</a:t>
+          <a:bodyPr>
+            <a:normAutofit fontScale="47500" lnSpcReduction="20000"/>
+          </a:bodyPr>
+          <a:lstStyle/>
+          <a:p>
+            <a:pPr>
+              <a:buNone/>
+            </a:pPr>
+            <a:r>
+              <a:rPr lang="en-GB" dirty="0" smtClean="0"/>
+              <a:t>case </a:t>
+            </a:r>
+            <a:r>
+              <a:rPr lang="en-GB" dirty="0" smtClean="0"/>
+              <a:t>class Board(length </a:t>
+            </a:r>
+            <a:r>
+              <a:rPr lang="en-GB" dirty="0" smtClean="0"/>
+              <a:t>: </a:t>
+            </a:r>
+            <a:r>
+              <a:rPr lang="en-GB" dirty="0" err="1" smtClean="0"/>
+              <a:t>Int</a:t>
+            </a:r>
+            <a:r>
+              <a:rPr lang="en-GB" dirty="0" smtClean="0"/>
+              <a:t>, </a:t>
+            </a:r>
+            <a:r>
+              <a:rPr lang="en-GB" dirty="0" smtClean="0"/>
+              <a:t>height : </a:t>
+            </a:r>
+            <a:r>
+              <a:rPr lang="en-GB" dirty="0" err="1" smtClean="0"/>
+              <a:t>Int</a:t>
+            </a:r>
+            <a:r>
+              <a:rPr lang="en-GB" dirty="0" smtClean="0"/>
+              <a:t>)</a:t>
+            </a:r>
+            <a:endParaRPr lang="en-GB" dirty="0" smtClean="0"/>
+          </a:p>
+          <a:p>
+            <a:pPr>
+              <a:buNone/>
+            </a:pPr>
+            <a:r>
+              <a:rPr lang="en-GB" dirty="0" smtClean="0"/>
+              <a:t>{</a:t>
+            </a:r>
+          </a:p>
+          <a:p>
+            <a:pPr>
+              <a:buNone/>
+            </a:pPr>
+            <a:r>
+              <a:rPr lang="en-GB" dirty="0" smtClean="0"/>
+              <a:t>	case </a:t>
+            </a:r>
+            <a:r>
+              <a:rPr lang="en-GB" dirty="0" smtClean="0"/>
+              <a:t>class</a:t>
+            </a:r>
+            <a:r>
+              <a:rPr lang="en-GB" dirty="0" smtClean="0"/>
+              <a:t> Coordinate(x </a:t>
+            </a:r>
+            <a:r>
+              <a:rPr lang="en-GB" dirty="0" smtClean="0"/>
+              <a:t>: </a:t>
+            </a:r>
+            <a:r>
+              <a:rPr lang="en-GB" dirty="0" err="1" smtClean="0"/>
+              <a:t>Int</a:t>
+            </a:r>
+            <a:r>
+              <a:rPr lang="en-GB" dirty="0" smtClean="0"/>
+              <a:t>, </a:t>
+            </a:r>
+            <a:r>
+              <a:rPr lang="en-GB" dirty="0" smtClean="0"/>
+              <a:t>y : </a:t>
+            </a:r>
+            <a:r>
+              <a:rPr lang="en-GB" dirty="0" err="1" smtClean="0"/>
+              <a:t>Int</a:t>
+            </a:r>
+            <a:r>
+              <a:rPr lang="en-GB" dirty="0" smtClean="0"/>
+              <a:t>)</a:t>
+            </a:r>
+            <a:endParaRPr lang="en-GB" dirty="0" smtClean="0"/>
+          </a:p>
+          <a:p>
+            <a:pPr>
+              <a:buNone/>
+            </a:pPr>
+            <a:r>
+              <a:rPr lang="en-GB" dirty="0" smtClean="0"/>
+              <a:t>	{</a:t>
+            </a:r>
+            <a:endParaRPr lang="en-GB" dirty="0" smtClean="0"/>
+          </a:p>
+          <a:p>
+            <a:pPr>
+              <a:buNone/>
+            </a:pPr>
+            <a:r>
+              <a:rPr lang="pt-BR" dirty="0" smtClean="0"/>
+              <a:t>		require </a:t>
+            </a:r>
+            <a:r>
+              <a:rPr lang="pt-BR" dirty="0" smtClean="0"/>
+              <a:t>(0 &lt;= x &amp;&amp; x &lt; length &amp;&amp; 0 &lt;= y &amp;&amp; y &lt; height )</a:t>
+            </a:r>
+          </a:p>
+          <a:p>
+            <a:pPr>
+              <a:buNone/>
+            </a:pPr>
+            <a:r>
+              <a:rPr lang="en-GB" dirty="0" smtClean="0"/>
+              <a:t>	}</a:t>
+            </a:r>
+          </a:p>
+          <a:p>
+            <a:pPr>
+              <a:buNone/>
+            </a:pPr>
+            <a:r>
+              <a:rPr lang="en-GB" dirty="0" smtClean="0"/>
+              <a:t>	</a:t>
+            </a:r>
+            <a:r>
+              <a:rPr lang="en-GB" dirty="0" err="1" smtClean="0"/>
+              <a:t>val</a:t>
+            </a:r>
+            <a:r>
+              <a:rPr lang="en-GB" dirty="0" smtClean="0"/>
+              <a:t> </a:t>
+            </a:r>
+            <a:r>
+              <a:rPr lang="en-GB" dirty="0" smtClean="0"/>
+              <a:t>occupied </a:t>
+            </a:r>
+            <a:r>
+              <a:rPr lang="en-GB" dirty="0" smtClean="0"/>
+              <a:t>= </a:t>
+            </a:r>
+            <a:r>
+              <a:rPr lang="en-GB" dirty="0" err="1" smtClean="0"/>
+              <a:t>scala.collection.mutable.Set</a:t>
+            </a:r>
+            <a:r>
+              <a:rPr lang="en-GB" dirty="0" smtClean="0"/>
+              <a:t>[Coordinate]( </a:t>
+            </a:r>
+            <a:r>
+              <a:rPr lang="en-GB" dirty="0" smtClean="0"/>
+              <a:t>)</a:t>
+            </a:r>
+          </a:p>
+          <a:p>
+            <a:pPr>
+              <a:buNone/>
+            </a:pPr>
+            <a:r>
+              <a:rPr lang="en-GB" dirty="0" smtClean="0"/>
+              <a:t>}</a:t>
+            </a:r>
+          </a:p>
+          <a:p>
+            <a:pPr>
+              <a:buNone/>
+            </a:pPr>
+            <a:endParaRPr lang="en-GB" dirty="0" smtClean="0"/>
+          </a:p>
+          <a:p>
+            <a:pPr>
+              <a:buNone/>
+            </a:pPr>
+            <a:r>
+              <a:rPr lang="en-GB" dirty="0" err="1" smtClean="0"/>
+              <a:t>val</a:t>
+            </a:r>
+            <a:r>
+              <a:rPr lang="en-GB" dirty="0" smtClean="0"/>
+              <a:t> b1 = </a:t>
+            </a:r>
+            <a:r>
+              <a:rPr lang="en-GB" dirty="0" smtClean="0"/>
+              <a:t>Board(20, </a:t>
+            </a:r>
+            <a:r>
+              <a:rPr lang="en-GB" dirty="0" smtClean="0"/>
+              <a:t>20)</a:t>
+            </a:r>
+          </a:p>
+          <a:p>
+            <a:pPr>
+              <a:buNone/>
+            </a:pPr>
+            <a:r>
+              <a:rPr lang="en-GB" dirty="0" err="1" smtClean="0"/>
+              <a:t>val</a:t>
+            </a:r>
+            <a:r>
+              <a:rPr lang="en-GB" dirty="0" smtClean="0"/>
+              <a:t> b2 = </a:t>
+            </a:r>
+            <a:r>
+              <a:rPr lang="en-GB" dirty="0" smtClean="0"/>
+              <a:t>Board(30, </a:t>
+            </a:r>
+            <a:r>
+              <a:rPr lang="en-GB" dirty="0" smtClean="0"/>
+              <a:t>30)</a:t>
+            </a:r>
+          </a:p>
+          <a:p>
+            <a:pPr>
+              <a:buNone/>
+            </a:pPr>
+            <a:r>
+              <a:rPr lang="en-GB" dirty="0" err="1" smtClean="0"/>
+              <a:t>var</a:t>
+            </a:r>
+            <a:r>
+              <a:rPr lang="en-GB" dirty="0" smtClean="0"/>
+              <a:t> b3 = b1</a:t>
+            </a:r>
+          </a:p>
+          <a:p>
+            <a:pPr>
+              <a:buNone/>
+            </a:pPr>
+            <a:r>
+              <a:rPr lang="en-GB" dirty="0" err="1" smtClean="0"/>
+              <a:t>val</a:t>
+            </a:r>
+            <a:r>
+              <a:rPr lang="en-GB" dirty="0" smtClean="0"/>
+              <a:t> c1 = </a:t>
+            </a:r>
+            <a:r>
+              <a:rPr lang="en-GB" dirty="0" smtClean="0"/>
+              <a:t>b1.Coordinate(15, </a:t>
+            </a:r>
+            <a:r>
+              <a:rPr lang="en-GB" dirty="0" smtClean="0"/>
+              <a:t>15)</a:t>
+            </a:r>
+          </a:p>
+          <a:p>
+            <a:pPr>
+              <a:buNone/>
+            </a:pPr>
+            <a:r>
+              <a:rPr lang="en-GB" dirty="0" err="1" smtClean="0"/>
+              <a:t>val</a:t>
+            </a:r>
+            <a:r>
+              <a:rPr lang="en-GB" dirty="0" smtClean="0"/>
+              <a:t> c2 = </a:t>
+            </a:r>
+            <a:r>
+              <a:rPr lang="en-GB" dirty="0" smtClean="0"/>
+              <a:t>b2.Coordinate(25, </a:t>
+            </a:r>
+            <a:r>
+              <a:rPr lang="en-GB" dirty="0" smtClean="0"/>
+              <a:t>25)</a:t>
+            </a:r>
+          </a:p>
+          <a:p>
+            <a:pPr>
+              <a:buNone/>
+            </a:pPr>
+            <a:r>
+              <a:rPr lang="en-GB" dirty="0" smtClean="0"/>
+              <a:t>b</a:t>
+            </a:r>
+            <a:r>
+              <a:rPr lang="en-GB" dirty="0" smtClean="0"/>
+              <a:t>1.occupied </a:t>
+            </a:r>
+            <a:r>
+              <a:rPr lang="en-GB" dirty="0" smtClean="0"/>
+              <a:t>+= c1</a:t>
+            </a:r>
+          </a:p>
+          <a:p>
+            <a:pPr>
+              <a:buNone/>
+            </a:pPr>
+            <a:r>
+              <a:rPr lang="en-GB" dirty="0" smtClean="0"/>
+              <a:t>b</a:t>
+            </a:r>
+            <a:r>
+              <a:rPr lang="en-GB" dirty="0" smtClean="0"/>
+              <a:t>2.occupied </a:t>
+            </a:r>
+            <a:r>
+              <a:rPr lang="en-GB" dirty="0" smtClean="0"/>
+              <a:t>+= c2</a:t>
+            </a:r>
+          </a:p>
+          <a:p>
+            <a:pPr>
+              <a:buNone/>
+            </a:pPr>
+            <a:r>
+              <a:rPr lang="en-GB" dirty="0" smtClean="0"/>
+              <a:t>b3. </a:t>
+            </a:r>
+            <a:r>
+              <a:rPr lang="en-GB" dirty="0" smtClean="0"/>
+              <a:t>occupied += c1</a:t>
+            </a:r>
+          </a:p>
+          <a:p>
+            <a:pPr>
+              <a:buNone/>
+            </a:pPr>
+            <a:r>
+              <a:rPr lang="pt-BR" dirty="0" smtClean="0"/>
+              <a:t>/ / Next </a:t>
+            </a:r>
+            <a:r>
+              <a:rPr lang="pt-BR" dirty="0" smtClean="0"/>
+              <a:t>line doesn’t compile</a:t>
+            </a:r>
+            <a:endParaRPr lang="pt-BR" dirty="0" smtClean="0"/>
+          </a:p>
+          <a:p>
+            <a:pPr>
+              <a:buNone/>
+            </a:pPr>
+            <a:r>
+              <a:rPr lang="en-GB" dirty="0" smtClean="0"/>
+              <a:t>b1 . occupied += c2</a:t>
             </a:r>
             <a:endParaRPr lang="en-GB" dirty="0"/>
-          </a:p>
-          <a:p>
-            <a:r>
-              <a:rPr lang="en-GB" dirty="0" smtClean="0"/>
-              <a:t>T and U are any valid type reference</a:t>
-            </a:r>
-          </a:p>
-          <a:p>
-            <a:r>
-              <a:rPr lang="en-GB" dirty="0" smtClean="0"/>
-              <a:t>Can have multiple constraints</a:t>
-            </a:r>
           </a:p>
         </p:txBody>
       </p:sp>
@@ -3233,14 +3578,12 @@
         </p:nvSpPr>
         <p:spPr/>
         <p:txBody>
-          <a:bodyPr>
-            <a:normAutofit/>
-          </a:bodyPr>
-          <a:lstStyle/>
-          <a:p>
-            <a:r>
-              <a:rPr lang="en-GB" dirty="0" smtClean="0"/>
-              <a:t>Type equality constraints</a:t>
+          <a:bodyPr/>
+          <a:lstStyle/>
+          <a:p>
+            <a:r>
+              <a:rPr lang="en-GB" dirty="0" smtClean="0"/>
+              <a:t>Background research</a:t>
             </a:r>
             <a:endParaRPr lang="en-GB" dirty="0"/>
           </a:p>
@@ -3258,283 +3601,40 @@
         </p:nvSpPr>
         <p:spPr/>
         <p:txBody>
-          <a:bodyPr>
-            <a:normAutofit fontScale="47500" lnSpcReduction="20000"/>
-          </a:bodyPr>
-          <a:lstStyle/>
-          <a:p>
-            <a:r>
-              <a:rPr lang="en-GB" dirty="0" smtClean="0"/>
-              <a:t>Once a method has a constraint T=U and variables of type T can be treated as U and vice versa</a:t>
-            </a:r>
-          </a:p>
-          <a:p>
-            <a:pPr>
-              <a:buNone/>
-            </a:pPr>
-            <a:r>
-              <a:rPr lang="pt-BR" dirty="0" smtClean="0"/>
-              <a:t>public abstract class List&lt;T</a:t>
-            </a:r>
-            <a:r>
-              <a:rPr lang="pt-BR" dirty="0"/>
-              <a:t>&gt; {</a:t>
-            </a:r>
-          </a:p>
-          <a:p>
-            <a:pPr>
-              <a:buNone/>
-            </a:pPr>
-            <a:r>
-              <a:rPr lang="fr-FR" dirty="0" smtClean="0"/>
-              <a:t>	public abstract List&lt;T</a:t>
-            </a:r>
-            <a:r>
-              <a:rPr lang="fr-FR" dirty="0"/>
-              <a:t>&gt; Append( Li s t &lt;T&gt; l i s t ) ;</a:t>
-            </a:r>
-          </a:p>
-          <a:p>
-            <a:pPr>
-              <a:buNone/>
-            </a:pPr>
-            <a:r>
-              <a:rPr lang="fr-FR" dirty="0" smtClean="0"/>
-              <a:t>	public abstract List&lt;U</a:t>
-            </a:r>
-            <a:r>
-              <a:rPr lang="fr-FR" dirty="0"/>
-              <a:t>&gt; </a:t>
-            </a:r>
-            <a:r>
-              <a:rPr lang="fr-FR" dirty="0" err="1" smtClean="0"/>
-              <a:t>Flatten</a:t>
-            </a:r>
-            <a:r>
-              <a:rPr lang="fr-FR" dirty="0" smtClean="0"/>
-              <a:t> </a:t>
-            </a:r>
-            <a:r>
-              <a:rPr lang="fr-FR" dirty="0"/>
-              <a:t>&lt;U&gt;( ) </a:t>
-            </a:r>
-            <a:r>
-              <a:rPr lang="fr-FR" dirty="0" err="1"/>
-              <a:t>where</a:t>
-            </a:r>
-            <a:r>
-              <a:rPr lang="fr-FR" dirty="0"/>
-              <a:t> T=Li s t &lt;U&gt;;</a:t>
-            </a:r>
-          </a:p>
-          <a:p>
-            <a:pPr>
-              <a:buNone/>
-            </a:pPr>
-            <a:r>
-              <a:rPr lang="en-GB" dirty="0"/>
-              <a:t>}</a:t>
-            </a:r>
-          </a:p>
-          <a:p>
-            <a:pPr>
-              <a:buNone/>
-            </a:pPr>
-            <a:r>
-              <a:rPr lang="pt-BR" dirty="0" smtClean="0"/>
-              <a:t>public class </a:t>
-            </a:r>
-            <a:r>
-              <a:rPr lang="en-GB" dirty="0" smtClean="0"/>
-              <a:t>Nil&lt;T</a:t>
-            </a:r>
-            <a:r>
-              <a:rPr lang="en-GB" dirty="0"/>
-              <a:t>&gt; : </a:t>
-            </a:r>
-            <a:r>
-              <a:rPr lang="en-GB" dirty="0" smtClean="0"/>
-              <a:t>List </a:t>
-            </a:r>
-            <a:r>
-              <a:rPr lang="en-GB" dirty="0"/>
-              <a:t>&lt;T&gt; </a:t>
-            </a:r>
-            <a:r>
-              <a:rPr lang="en-GB" dirty="0" smtClean="0"/>
-              <a:t>{</a:t>
-            </a:r>
-          </a:p>
-          <a:p>
-            <a:pPr>
-              <a:buNone/>
-            </a:pPr>
-            <a:r>
-              <a:rPr lang="pt-BR" dirty="0" smtClean="0"/>
-              <a:t>	public</a:t>
-            </a:r>
-            <a:r>
-              <a:rPr lang="en-GB" dirty="0" smtClean="0"/>
-              <a:t> override List&lt;U</a:t>
-            </a:r>
-            <a:r>
-              <a:rPr lang="en-GB" dirty="0"/>
-              <a:t>&gt; </a:t>
-            </a:r>
-            <a:r>
-              <a:rPr lang="fr-FR" dirty="0" err="1" smtClean="0"/>
-              <a:t>Flatten</a:t>
-            </a:r>
-            <a:r>
-              <a:rPr lang="en-GB" dirty="0" smtClean="0"/>
-              <a:t>&lt;U&gt;() {</a:t>
-            </a:r>
-          </a:p>
-          <a:p>
-            <a:pPr>
-              <a:buNone/>
-            </a:pPr>
-            <a:r>
-              <a:rPr lang="en-GB" dirty="0" smtClean="0"/>
-              <a:t>		return </a:t>
-            </a:r>
-            <a:r>
-              <a:rPr lang="en-GB" dirty="0"/>
-              <a:t>new </a:t>
-            </a:r>
-            <a:r>
-              <a:rPr lang="en-GB" dirty="0" smtClean="0"/>
-              <a:t>Nil&lt;U&gt;;</a:t>
-            </a:r>
-          </a:p>
-          <a:p>
-            <a:pPr>
-              <a:buNone/>
-            </a:pPr>
-            <a:r>
-              <a:rPr lang="en-GB" dirty="0" smtClean="0"/>
-              <a:t>	}</a:t>
+          <a:bodyPr/>
+          <a:lstStyle/>
+          <a:p>
+            <a:r>
+              <a:rPr lang="en-GB" dirty="0" smtClean="0"/>
+              <a:t>C++ templates</a:t>
+            </a:r>
+          </a:p>
+          <a:p>
+            <a:r>
+              <a:rPr lang="en-GB" dirty="0" smtClean="0"/>
+              <a:t>F</a:t>
+            </a:r>
+            <a:r>
+              <a:rPr lang="en-GB" dirty="0" smtClean="0"/>
+              <a:t># units of measure</a:t>
+            </a:r>
+          </a:p>
+          <a:p>
+            <a:r>
+              <a:rPr lang="en-GB" dirty="0" smtClean="0"/>
+              <a:t>Path dependent types</a:t>
+            </a:r>
+          </a:p>
+          <a:p>
+            <a:r>
+              <a:rPr lang="en-GB" dirty="0" smtClean="0"/>
+              <a:t>Virtual </a:t>
+            </a:r>
+            <a:r>
+              <a:rPr lang="en-GB" dirty="0" smtClean="0"/>
+              <a:t>types</a:t>
             </a:r>
             <a:endParaRPr lang="en-GB" dirty="0"/>
-          </a:p>
-          <a:p>
-            <a:pPr>
-              <a:buNone/>
-            </a:pPr>
-            <a:r>
-              <a:rPr lang="en-GB" dirty="0"/>
-              <a:t>}</a:t>
-            </a:r>
-          </a:p>
-          <a:p>
-            <a:pPr>
-              <a:buNone/>
-            </a:pPr>
-            <a:r>
-              <a:rPr lang="pt-BR" dirty="0" smtClean="0"/>
-              <a:t>public class </a:t>
-            </a:r>
-            <a:r>
-              <a:rPr lang="en-GB" dirty="0" smtClean="0"/>
-              <a:t>Cons&lt;T</a:t>
-            </a:r>
-            <a:r>
-              <a:rPr lang="en-GB" dirty="0"/>
-              <a:t>&gt; : </a:t>
-            </a:r>
-            <a:r>
-              <a:rPr lang="en-GB" dirty="0" smtClean="0"/>
-              <a:t>List&lt;T</a:t>
-            </a:r>
-            <a:r>
-              <a:rPr lang="en-GB" dirty="0"/>
-              <a:t>&gt; {</a:t>
-            </a:r>
-          </a:p>
-          <a:p>
-            <a:pPr>
-              <a:buNone/>
-            </a:pPr>
-            <a:r>
-              <a:rPr lang="en-GB" dirty="0"/>
-              <a:t>T head ; </a:t>
-            </a:r>
-            <a:r>
-              <a:rPr lang="en-GB" dirty="0" smtClean="0"/>
-              <a:t>List&lt;T</a:t>
-            </a:r>
-            <a:r>
-              <a:rPr lang="en-GB" dirty="0"/>
-              <a:t>&gt; </a:t>
-            </a:r>
-            <a:r>
-              <a:rPr lang="en-GB" dirty="0" smtClean="0"/>
-              <a:t>tail ;</a:t>
-            </a:r>
-          </a:p>
-          <a:p>
-            <a:pPr>
-              <a:buNone/>
-            </a:pPr>
-            <a:r>
-              <a:rPr lang="pt-BR" dirty="0" smtClean="0"/>
-              <a:t>	public</a:t>
-            </a:r>
-            <a:r>
-              <a:rPr lang="en-GB" dirty="0" smtClean="0"/>
-              <a:t> override List&lt;U&gt; </a:t>
-            </a:r>
-            <a:r>
-              <a:rPr lang="fr-FR" dirty="0" err="1" smtClean="0"/>
-              <a:t>Flatten</a:t>
-            </a:r>
-            <a:r>
-              <a:rPr lang="en-GB" dirty="0" smtClean="0"/>
-              <a:t>&lt;U&gt;() {</a:t>
-            </a:r>
-          </a:p>
-          <a:p>
-            <a:pPr>
-              <a:buNone/>
-            </a:pPr>
-            <a:r>
-              <a:rPr lang="en-GB" dirty="0" smtClean="0"/>
-              <a:t>		return </a:t>
-            </a:r>
-            <a:r>
-              <a:rPr lang="en-GB" dirty="0" err="1" smtClean="0"/>
-              <a:t>this.head.Append</a:t>
-            </a:r>
-            <a:r>
-              <a:rPr lang="en-GB" dirty="0" smtClean="0"/>
-              <a:t>(</a:t>
-            </a:r>
-            <a:r>
-              <a:rPr lang="en-GB" dirty="0" err="1" smtClean="0"/>
-              <a:t>this.tail.Flatten</a:t>
-            </a:r>
-            <a:r>
-              <a:rPr lang="en-GB" dirty="0" smtClean="0"/>
-              <a:t>());</a:t>
-            </a:r>
-          </a:p>
-          <a:p>
-            <a:pPr>
-              <a:buNone/>
-            </a:pPr>
-            <a:r>
-              <a:rPr lang="en-GB" dirty="0" smtClean="0"/>
-              <a:t>	}</a:t>
-            </a:r>
-          </a:p>
-          <a:p>
-            <a:pPr>
-              <a:buNone/>
-            </a:pPr>
-            <a:r>
-              <a:rPr lang="en-GB" dirty="0"/>
-              <a:t>}</a:t>
-            </a:r>
           </a:p>
         </p:txBody>
       </p:sp>
@@ -3575,12 +3675,18 @@
         </p:nvSpPr>
         <p:spPr/>
         <p:txBody>
-          <a:bodyPr/>
-          <a:lstStyle/>
-          <a:p>
-            <a:r>
-              <a:rPr lang="en-GB" dirty="0" smtClean="0"/>
-              <a:t>Demo</a:t>
+          <a:bodyPr>
+            <a:normAutofit/>
+          </a:bodyPr>
+          <a:lstStyle/>
+          <a:p>
+            <a:r>
+              <a:rPr lang="en-GB" dirty="0" smtClean="0"/>
+              <a:t>Virtual </a:t>
+            </a:r>
+            <a:r>
+              <a:rPr lang="en-GB" dirty="0" smtClean="0"/>
+              <a:t>types</a:t>
             </a:r>
             <a:endParaRPr lang="en-GB" dirty="0"/>
           </a:p>
@@ -3588,19 +3694,166 @@
       </p:sp>
       <p:sp>
         <p:nvSpPr>
-          <p:cNvPr id="3" name="Text Placeholder 2"/>
-          <p:cNvSpPr>
-            <a:spLocks noGrp="1"/>
-          </p:cNvSpPr>
-          <p:nvPr>
-            <p:ph type="body" idx="1"/>
-          </p:nvPr>
-        </p:nvSpPr>
-        <p:spPr/>
-        <p:txBody>
-          <a:bodyPr/>
-          <a:lstStyle/>
-          <a:p>
+          <p:cNvPr id="3" name="Content Placeholder 2"/>
+          <p:cNvSpPr>
+            <a:spLocks noGrp="1"/>
+          </p:cNvSpPr>
+          <p:nvPr>
+            <p:ph idx="1"/>
+          </p:nvPr>
+        </p:nvSpPr>
+        <p:spPr/>
+        <p:txBody>
+          <a:bodyPr>
+            <a:normAutofit fontScale="85000" lnSpcReduction="20000"/>
+          </a:bodyPr>
+          <a:lstStyle/>
+          <a:p>
+            <a:pPr>
+              <a:buNone/>
+            </a:pPr>
+            <a:r>
+              <a:rPr lang="pt-BR" dirty="0" smtClean="0"/>
+              <a:t>class </a:t>
+            </a:r>
+            <a:r>
+              <a:rPr lang="pt-BR" dirty="0" smtClean="0"/>
+              <a:t>A</a:t>
+            </a:r>
+          </a:p>
+          <a:p>
+            <a:pPr>
+              <a:buNone/>
+            </a:pPr>
+            <a:r>
+              <a:rPr lang="en-GB" dirty="0" smtClean="0"/>
+              <a:t>{</a:t>
+            </a:r>
+          </a:p>
+          <a:p>
+            <a:pPr>
+              <a:buNone/>
+            </a:pPr>
+            <a:r>
+              <a:rPr lang="en-GB" dirty="0" smtClean="0"/>
+              <a:t>	type </a:t>
+            </a:r>
+            <a:r>
+              <a:rPr lang="en-GB" dirty="0" smtClean="0"/>
+              <a:t>T</a:t>
+            </a:r>
+          </a:p>
+          <a:p>
+            <a:pPr>
+              <a:buNone/>
+            </a:pPr>
+            <a:r>
+              <a:rPr lang="fr-FR" dirty="0" smtClean="0"/>
+              <a:t>	abstract </a:t>
+            </a:r>
+            <a:r>
+              <a:rPr lang="fr-FR" dirty="0" smtClean="0"/>
+              <a:t>T </a:t>
+            </a:r>
+            <a:r>
+              <a:rPr lang="fr-FR" dirty="0" err="1" smtClean="0"/>
+              <a:t>foo</a:t>
+            </a:r>
+            <a:r>
+              <a:rPr lang="fr-FR" dirty="0" smtClean="0"/>
+              <a:t>() </a:t>
+            </a:r>
+            <a:r>
+              <a:rPr lang="fr-FR" dirty="0" smtClean="0"/>
+              <a:t>;</a:t>
+            </a:r>
+          </a:p>
+          <a:p>
+            <a:pPr>
+              <a:buNone/>
+            </a:pPr>
+            <a:r>
+              <a:rPr lang="en-GB" dirty="0" smtClean="0"/>
+              <a:t>}</a:t>
+            </a:r>
+          </a:p>
+          <a:p>
+            <a:pPr>
+              <a:buNone/>
+            </a:pPr>
+            <a:r>
+              <a:rPr lang="en-GB" dirty="0" smtClean="0"/>
+              <a:t>class </a:t>
+            </a:r>
+            <a:r>
+              <a:rPr lang="en-GB" dirty="0" smtClean="0"/>
+              <a:t>B</a:t>
+            </a:r>
+          </a:p>
+          <a:p>
+            <a:pPr>
+              <a:buNone/>
+            </a:pPr>
+            <a:r>
+              <a:rPr lang="en-GB" dirty="0" smtClean="0"/>
+              <a:t>{</a:t>
+            </a:r>
+          </a:p>
+          <a:p>
+            <a:pPr>
+              <a:buNone/>
+            </a:pPr>
+            <a:r>
+              <a:rPr lang="nl-NL" dirty="0" smtClean="0"/>
+              <a:t>	override </a:t>
+            </a:r>
+            <a:r>
+              <a:rPr lang="nl-NL" dirty="0" smtClean="0"/>
+              <a:t>type T = </a:t>
+            </a:r>
+            <a:r>
+              <a:rPr lang="nl-NL" dirty="0" smtClean="0"/>
+              <a:t>String</a:t>
+            </a:r>
+            <a:endParaRPr lang="nl-NL" dirty="0" smtClean="0"/>
+          </a:p>
+          <a:p>
+            <a:pPr>
+              <a:buNone/>
+            </a:pPr>
+            <a:r>
+              <a:rPr lang="pt-BR" dirty="0" smtClean="0"/>
+              <a:t>	override </a:t>
+            </a:r>
+            <a:r>
+              <a:rPr lang="pt-BR" dirty="0" smtClean="0"/>
+              <a:t>T </a:t>
+            </a:r>
+            <a:r>
+              <a:rPr lang="pt-BR" dirty="0" smtClean="0"/>
+              <a:t>foo() { </a:t>
+            </a:r>
+            <a:r>
+              <a:rPr lang="pt-BR" dirty="0" smtClean="0"/>
+              <a:t>return </a:t>
+            </a:r>
+            <a:r>
+              <a:rPr lang="pt-BR" dirty="0" smtClean="0"/>
+              <a:t>“string”; </a:t>
+            </a:r>
+            <a:r>
+              <a:rPr lang="pt-BR" dirty="0" smtClean="0"/>
+              <a:t>}</a:t>
+            </a:r>
+          </a:p>
+          <a:p>
+            <a:pPr>
+              <a:buNone/>
+            </a:pPr>
+            <a:r>
+              <a:rPr lang="en-GB" dirty="0" smtClean="0"/>
+              <a:t>}</a:t>
+            </a:r>
             <a:endParaRPr lang="en-GB" dirty="0"/>
           </a:p>
         </p:txBody>
@@ -3647,7 +3900,7 @@
           <a:p>
             <a:r>
               <a:rPr lang="en-GB" dirty="0" smtClean="0"/>
-              <a:t>Values as type parameters</a:t>
+              <a:t>Background research</a:t>
             </a:r>
             <a:endParaRPr lang="en-GB" dirty="0"/>
           </a:p>
@@ -3668,7 +3921,1530 @@
           <a:bodyPr/>
           <a:lstStyle/>
           <a:p>
-            <a:endParaRPr lang="en-GB"/>
+            <a:r>
+              <a:rPr lang="en-GB" dirty="0" smtClean="0"/>
+              <a:t>C++ templates</a:t>
+            </a:r>
+          </a:p>
+          <a:p>
+            <a:r>
+              <a:rPr lang="en-GB" dirty="0" smtClean="0"/>
+              <a:t>F</a:t>
+            </a:r>
+            <a:r>
+              <a:rPr lang="en-GB" dirty="0" smtClean="0"/>
+              <a:t># units of measure</a:t>
+            </a:r>
+          </a:p>
+          <a:p>
+            <a:r>
+              <a:rPr lang="en-GB" dirty="0" smtClean="0"/>
+              <a:t>Path dependent types</a:t>
+            </a:r>
+          </a:p>
+          <a:p>
+            <a:r>
+              <a:rPr lang="en-GB" dirty="0" smtClean="0"/>
+              <a:t>Virtual types</a:t>
+            </a:r>
+          </a:p>
+          <a:p>
+            <a:r>
+              <a:rPr lang="en-GB" dirty="0" smtClean="0"/>
+              <a:t>First class </a:t>
+            </a:r>
+            <a:r>
+              <a:rPr lang="en-GB" dirty="0" smtClean="0"/>
+              <a:t>types</a:t>
+            </a:r>
+            <a:endParaRPr lang="en-GB" dirty="0"/>
+          </a:p>
+        </p:txBody>
+      </p:sp>
+    </p:spTree>
+  </p:cSld>
+  <p:clrMapOvr>
+    <a:masterClrMapping/>
+  </p:clrMapOvr>
+</p:sld>
+</file>
+
+<file path=ppt/slides/slide14.xml><?xml version="1.0" encoding="utf-8"?>
+<p:sld xmlns:a="http://schemas.openxmlformats.org/drawingml/2006/main" xmlns:r="http://schemas.openxmlformats.org/officeDocument/2006/relationships" xmlns:p="http://schemas.openxmlformats.org/presentationml/2006/main">
+  <p:cSld>
+    <p:spTree>
+      <p:nvGrpSpPr>
+        <p:cNvPr id="1" name=""/>
+        <p:cNvGrpSpPr/>
+        <p:nvPr/>
+      </p:nvGrpSpPr>
+      <p:grpSpPr>
+        <a:xfrm>
+          <a:off x="0" y="0"/>
+          <a:ext cx="0" cy="0"/>
+          <a:chOff x="0" y="0"/>
+          <a:chExt cx="0" cy="0"/>
+        </a:xfrm>
+      </p:grpSpPr>
+      <p:sp>
+        <p:nvSpPr>
+          <p:cNvPr id="2" name="Title 1"/>
+          <p:cNvSpPr>
+            <a:spLocks noGrp="1"/>
+          </p:cNvSpPr>
+          <p:nvPr>
+            <p:ph type="title"/>
+          </p:nvPr>
+        </p:nvSpPr>
+        <p:spPr/>
+        <p:txBody>
+          <a:bodyPr>
+            <a:normAutofit/>
+          </a:bodyPr>
+          <a:lstStyle/>
+          <a:p>
+            <a:r>
+              <a:rPr lang="en-GB" dirty="0" smtClean="0"/>
+              <a:t>First class </a:t>
+            </a:r>
+            <a:r>
+              <a:rPr lang="en-GB" dirty="0" smtClean="0"/>
+              <a:t>types</a:t>
+            </a:r>
+            <a:endParaRPr lang="en-GB" dirty="0"/>
+          </a:p>
+        </p:txBody>
+      </p:sp>
+      <p:sp>
+        <p:nvSpPr>
+          <p:cNvPr id="3" name="Content Placeholder 2"/>
+          <p:cNvSpPr>
+            <a:spLocks noGrp="1"/>
+          </p:cNvSpPr>
+          <p:nvPr>
+            <p:ph idx="1"/>
+          </p:nvPr>
+        </p:nvSpPr>
+        <p:spPr/>
+        <p:txBody>
+          <a:bodyPr>
+            <a:normAutofit fontScale="55000" lnSpcReduction="20000"/>
+          </a:bodyPr>
+          <a:lstStyle/>
+          <a:p>
+            <a:pPr>
+              <a:buNone/>
+            </a:pPr>
+            <a:r>
+              <a:rPr lang="en-GB" dirty="0" err="1" smtClean="0"/>
+              <a:t>PrintfType</a:t>
+            </a:r>
+            <a:r>
+              <a:rPr lang="en-GB" dirty="0" smtClean="0"/>
+              <a:t> </a:t>
+            </a:r>
+            <a:r>
+              <a:rPr lang="en-GB" dirty="0" smtClean="0"/>
+              <a:t>:: String -&gt; #</a:t>
+            </a:r>
+          </a:p>
+          <a:p>
+            <a:pPr>
+              <a:buNone/>
+            </a:pPr>
+            <a:r>
+              <a:rPr lang="en-GB" dirty="0" err="1" smtClean="0"/>
+              <a:t>PrintfType</a:t>
+            </a:r>
+            <a:r>
+              <a:rPr lang="en-GB" dirty="0" smtClean="0"/>
+              <a:t> "" = String</a:t>
+            </a:r>
+          </a:p>
+          <a:p>
+            <a:pPr>
+              <a:buNone/>
+            </a:pPr>
+            <a:r>
+              <a:rPr lang="en-GB" dirty="0" err="1" smtClean="0"/>
+              <a:t>PrintfType</a:t>
+            </a:r>
+            <a:r>
+              <a:rPr lang="en-GB" dirty="0" smtClean="0"/>
+              <a:t> ('%':'</a:t>
+            </a:r>
+            <a:r>
+              <a:rPr lang="en-GB" dirty="0" err="1" smtClean="0"/>
+              <a:t>d':cs</a:t>
+            </a:r>
+            <a:r>
+              <a:rPr lang="en-GB" dirty="0" smtClean="0"/>
+              <a:t>) = </a:t>
+            </a:r>
+            <a:r>
+              <a:rPr lang="en-GB" dirty="0" err="1" smtClean="0"/>
+              <a:t>Int</a:t>
+            </a:r>
+            <a:r>
+              <a:rPr lang="en-GB" dirty="0" smtClean="0"/>
+              <a:t>    -&gt; </a:t>
+            </a:r>
+            <a:r>
+              <a:rPr lang="en-GB" dirty="0" err="1" smtClean="0"/>
+              <a:t>PrintfType</a:t>
+            </a:r>
+            <a:r>
+              <a:rPr lang="en-GB" dirty="0" smtClean="0"/>
+              <a:t> </a:t>
+            </a:r>
+            <a:r>
+              <a:rPr lang="en-GB" dirty="0" err="1" smtClean="0"/>
+              <a:t>cs</a:t>
+            </a:r>
+            <a:endParaRPr lang="en-GB" dirty="0" smtClean="0"/>
+          </a:p>
+          <a:p>
+            <a:pPr>
+              <a:buNone/>
+            </a:pPr>
+            <a:r>
+              <a:rPr lang="en-GB" dirty="0" err="1" smtClean="0"/>
+              <a:t>PrintfType</a:t>
+            </a:r>
+            <a:r>
+              <a:rPr lang="en-GB" dirty="0" smtClean="0"/>
+              <a:t> ('%':'</a:t>
+            </a:r>
+            <a:r>
+              <a:rPr lang="en-GB" dirty="0" err="1" smtClean="0"/>
+              <a:t>s':cs</a:t>
+            </a:r>
+            <a:r>
+              <a:rPr lang="en-GB" dirty="0" smtClean="0"/>
+              <a:t>) = </a:t>
+            </a:r>
+            <a:r>
+              <a:rPr lang="en-GB" dirty="0" err="1" smtClean="0"/>
+              <a:t>Stirng</a:t>
+            </a:r>
+            <a:r>
+              <a:rPr lang="en-GB" dirty="0" smtClean="0"/>
+              <a:t> -&gt; </a:t>
+            </a:r>
+            <a:r>
+              <a:rPr lang="en-GB" dirty="0" err="1" smtClean="0"/>
+              <a:t>PrintfType</a:t>
+            </a:r>
+            <a:r>
+              <a:rPr lang="en-GB" dirty="0" smtClean="0"/>
+              <a:t> </a:t>
+            </a:r>
+            <a:r>
+              <a:rPr lang="en-GB" dirty="0" err="1" smtClean="0"/>
+              <a:t>cs</a:t>
+            </a:r>
+            <a:endParaRPr lang="en-GB" dirty="0" smtClean="0"/>
+          </a:p>
+          <a:p>
+            <a:pPr>
+              <a:buNone/>
+            </a:pPr>
+            <a:r>
+              <a:rPr lang="en-GB" dirty="0" err="1" smtClean="0"/>
+              <a:t>PrintfType</a:t>
+            </a:r>
+            <a:r>
+              <a:rPr lang="en-GB" dirty="0" smtClean="0"/>
+              <a:t> ('%':_:</a:t>
+            </a:r>
+            <a:r>
+              <a:rPr lang="en-GB" dirty="0" err="1" smtClean="0"/>
+              <a:t>cs</a:t>
+            </a:r>
+            <a:r>
+              <a:rPr lang="en-GB" dirty="0" smtClean="0"/>
+              <a:t>)   =           </a:t>
+            </a:r>
+            <a:r>
+              <a:rPr lang="en-GB" dirty="0" err="1" smtClean="0"/>
+              <a:t>PrintfType</a:t>
+            </a:r>
+            <a:r>
+              <a:rPr lang="en-GB" dirty="0" smtClean="0"/>
+              <a:t> </a:t>
+            </a:r>
+            <a:r>
+              <a:rPr lang="en-GB" dirty="0" err="1" smtClean="0"/>
+              <a:t>cs</a:t>
+            </a:r>
+            <a:endParaRPr lang="en-GB" dirty="0" smtClean="0"/>
+          </a:p>
+          <a:p>
+            <a:pPr>
+              <a:buNone/>
+            </a:pPr>
+            <a:r>
+              <a:rPr lang="en-GB" dirty="0" err="1" smtClean="0"/>
+              <a:t>PrintfType</a:t>
+            </a:r>
+            <a:r>
+              <a:rPr lang="en-GB" dirty="0" smtClean="0"/>
+              <a:t> (_:</a:t>
+            </a:r>
+            <a:r>
+              <a:rPr lang="en-GB" dirty="0" err="1" smtClean="0"/>
+              <a:t>cs</a:t>
+            </a:r>
+            <a:r>
+              <a:rPr lang="en-GB" dirty="0" smtClean="0"/>
+              <a:t>)       =           </a:t>
+            </a:r>
+            <a:r>
+              <a:rPr lang="en-GB" dirty="0" err="1" smtClean="0"/>
+              <a:t>PrintfType</a:t>
+            </a:r>
+            <a:r>
+              <a:rPr lang="en-GB" dirty="0" smtClean="0"/>
+              <a:t> </a:t>
+            </a:r>
+            <a:r>
+              <a:rPr lang="en-GB" dirty="0" err="1" smtClean="0"/>
+              <a:t>cs</a:t>
+            </a:r>
+            <a:endParaRPr lang="en-GB" dirty="0" smtClean="0"/>
+          </a:p>
+          <a:p>
+            <a:pPr>
+              <a:buNone/>
+            </a:pPr>
+            <a:endParaRPr lang="en-GB" dirty="0" smtClean="0"/>
+          </a:p>
+          <a:p>
+            <a:pPr>
+              <a:buNone/>
+            </a:pPr>
+            <a:r>
+              <a:rPr lang="en-GB" dirty="0" err="1" smtClean="0"/>
+              <a:t>printf</a:t>
+            </a:r>
+            <a:r>
+              <a:rPr lang="en-GB" dirty="0" smtClean="0"/>
+              <a:t> :: (</a:t>
+            </a:r>
+            <a:r>
+              <a:rPr lang="en-GB" dirty="0" err="1" smtClean="0"/>
+              <a:t>fmt</a:t>
+            </a:r>
+            <a:r>
+              <a:rPr lang="en-GB" dirty="0" smtClean="0"/>
+              <a:t>::String) -&gt; </a:t>
+            </a:r>
+            <a:r>
+              <a:rPr lang="en-GB" dirty="0" err="1" smtClean="0"/>
+              <a:t>PrintfType</a:t>
+            </a:r>
+            <a:r>
+              <a:rPr lang="en-GB" dirty="0" smtClean="0"/>
+              <a:t> </a:t>
+            </a:r>
+            <a:r>
+              <a:rPr lang="en-GB" dirty="0" err="1" smtClean="0"/>
+              <a:t>fmt</a:t>
+            </a:r>
+            <a:endParaRPr lang="en-GB" dirty="0" smtClean="0"/>
+          </a:p>
+          <a:p>
+            <a:pPr>
+              <a:buNone/>
+            </a:pPr>
+            <a:r>
+              <a:rPr lang="en-GB" dirty="0" err="1" smtClean="0"/>
+              <a:t>printf</a:t>
+            </a:r>
+            <a:r>
+              <a:rPr lang="en-GB" dirty="0" smtClean="0"/>
+              <a:t> </a:t>
+            </a:r>
+            <a:r>
+              <a:rPr lang="en-GB" dirty="0" err="1" smtClean="0"/>
+              <a:t>fmt</a:t>
+            </a:r>
+            <a:r>
+              <a:rPr lang="en-GB" dirty="0" smtClean="0"/>
+              <a:t> = pr </a:t>
+            </a:r>
+            <a:r>
+              <a:rPr lang="en-GB" dirty="0" err="1" smtClean="0"/>
+              <a:t>fmt</a:t>
+            </a:r>
+            <a:r>
+              <a:rPr lang="en-GB" dirty="0" smtClean="0"/>
+              <a:t> ""</a:t>
+            </a:r>
+          </a:p>
+          <a:p>
+            <a:pPr>
+              <a:buNone/>
+            </a:pPr>
+            <a:endParaRPr lang="en-GB" dirty="0" smtClean="0"/>
+          </a:p>
+          <a:p>
+            <a:pPr>
+              <a:buNone/>
+            </a:pPr>
+            <a:r>
+              <a:rPr lang="en-GB" dirty="0" smtClean="0"/>
+              <a:t>pr :: (</a:t>
+            </a:r>
+            <a:r>
+              <a:rPr lang="en-GB" dirty="0" err="1" smtClean="0"/>
+              <a:t>fmt</a:t>
+            </a:r>
+            <a:r>
+              <a:rPr lang="en-GB" dirty="0" smtClean="0"/>
+              <a:t>::String) -&gt; String -&gt; </a:t>
+            </a:r>
+            <a:r>
+              <a:rPr lang="en-GB" dirty="0" err="1" smtClean="0"/>
+              <a:t>PrintfType</a:t>
+            </a:r>
+            <a:r>
+              <a:rPr lang="en-GB" dirty="0" smtClean="0"/>
+              <a:t> </a:t>
+            </a:r>
+            <a:r>
+              <a:rPr lang="en-GB" dirty="0" err="1" smtClean="0"/>
+              <a:t>fmt</a:t>
+            </a:r>
+            <a:endParaRPr lang="en-GB" dirty="0" smtClean="0"/>
+          </a:p>
+          <a:p>
+            <a:pPr>
+              <a:buNone/>
+            </a:pPr>
+            <a:r>
+              <a:rPr lang="en-GB" dirty="0" smtClean="0"/>
+              <a:t>pr "" res = res</a:t>
+            </a:r>
+          </a:p>
+          <a:p>
+            <a:pPr>
+              <a:buNone/>
+            </a:pPr>
+            <a:r>
+              <a:rPr lang="en-GB" dirty="0" smtClean="0"/>
+              <a:t>pr ('%':'</a:t>
+            </a:r>
+            <a:r>
+              <a:rPr lang="en-GB" dirty="0" err="1" smtClean="0"/>
+              <a:t>d':cs</a:t>
+            </a:r>
+            <a:r>
+              <a:rPr lang="en-GB" dirty="0" smtClean="0"/>
+              <a:t>) res = \(</a:t>
+            </a:r>
+            <a:r>
+              <a:rPr lang="en-GB" dirty="0" err="1" smtClean="0"/>
+              <a:t>i</a:t>
+            </a:r>
+            <a:r>
+              <a:rPr lang="en-GB" dirty="0" smtClean="0"/>
+              <a:t>::</a:t>
+            </a:r>
+            <a:r>
+              <a:rPr lang="en-GB" dirty="0" err="1" smtClean="0"/>
+              <a:t>Int</a:t>
+            </a:r>
+            <a:r>
+              <a:rPr lang="en-GB" dirty="0" smtClean="0"/>
+              <a:t>) -&gt; pr </a:t>
+            </a:r>
+            <a:r>
+              <a:rPr lang="en-GB" dirty="0" err="1" smtClean="0"/>
+              <a:t>cs</a:t>
+            </a:r>
+            <a:r>
+              <a:rPr lang="en-GB" dirty="0" smtClean="0"/>
+              <a:t> (res ++ show </a:t>
+            </a:r>
+            <a:r>
+              <a:rPr lang="en-GB" dirty="0" err="1" smtClean="0"/>
+              <a:t>i</a:t>
+            </a:r>
+            <a:r>
+              <a:rPr lang="en-GB" dirty="0" smtClean="0"/>
+              <a:t>)</a:t>
+            </a:r>
+          </a:p>
+          <a:p>
+            <a:pPr>
+              <a:buNone/>
+            </a:pPr>
+            <a:r>
+              <a:rPr lang="en-GB" dirty="0" smtClean="0"/>
+              <a:t>pr ('%':'</a:t>
+            </a:r>
+            <a:r>
+              <a:rPr lang="en-GB" dirty="0" err="1" smtClean="0"/>
+              <a:t>s':cs</a:t>
+            </a:r>
+            <a:r>
+              <a:rPr lang="en-GB" dirty="0" smtClean="0"/>
+              <a:t>) res = \(s::String) -&gt; pr </a:t>
+            </a:r>
+            <a:r>
+              <a:rPr lang="en-GB" dirty="0" err="1" smtClean="0"/>
+              <a:t>cs</a:t>
+            </a:r>
+            <a:r>
+              <a:rPr lang="en-GB" dirty="0" smtClean="0"/>
+              <a:t> (res ++ s)</a:t>
+            </a:r>
+          </a:p>
+          <a:p>
+            <a:pPr>
+              <a:buNone/>
+            </a:pPr>
+            <a:r>
+              <a:rPr lang="en-GB" dirty="0" smtClean="0"/>
+              <a:t>pr ('%':c:cs) res   = pr </a:t>
+            </a:r>
+            <a:r>
+              <a:rPr lang="en-GB" dirty="0" err="1" smtClean="0"/>
+              <a:t>cs</a:t>
+            </a:r>
+            <a:r>
+              <a:rPr lang="en-GB" dirty="0" smtClean="0"/>
+              <a:t> (res ++ [c])</a:t>
+            </a:r>
+          </a:p>
+          <a:p>
+            <a:pPr>
+              <a:buNone/>
+            </a:pPr>
+            <a:r>
+              <a:rPr lang="en-GB" dirty="0" smtClean="0"/>
+              <a:t>pr (c:cs) res       = pr </a:t>
+            </a:r>
+            <a:r>
+              <a:rPr lang="en-GB" dirty="0" err="1" smtClean="0"/>
+              <a:t>css</a:t>
+            </a:r>
+            <a:r>
+              <a:rPr lang="en-GB" dirty="0" smtClean="0"/>
+              <a:t> (res ++ [c])</a:t>
+            </a:r>
+            <a:endParaRPr lang="en-GB" dirty="0"/>
+          </a:p>
+        </p:txBody>
+      </p:sp>
+    </p:spTree>
+  </p:cSld>
+  <p:clrMapOvr>
+    <a:masterClrMapping/>
+  </p:clrMapOvr>
+</p:sld>
+</file>
+
+<file path=ppt/slides/slide15.xml><?xml version="1.0" encoding="utf-8"?>
+<p:sld xmlns:a="http://schemas.openxmlformats.org/drawingml/2006/main" xmlns:r="http://schemas.openxmlformats.org/officeDocument/2006/relationships" xmlns:p="http://schemas.openxmlformats.org/presentationml/2006/main">
+  <p:cSld>
+    <p:spTree>
+      <p:nvGrpSpPr>
+        <p:cNvPr id="1" name=""/>
+        <p:cNvGrpSpPr/>
+        <p:nvPr/>
+      </p:nvGrpSpPr>
+      <p:grpSpPr>
+        <a:xfrm>
+          <a:off x="0" y="0"/>
+          <a:ext cx="0" cy="0"/>
+          <a:chOff x="0" y="0"/>
+          <a:chExt cx="0" cy="0"/>
+        </a:xfrm>
+      </p:grpSpPr>
+      <p:sp>
+        <p:nvSpPr>
+          <p:cNvPr id="2" name="Title 1"/>
+          <p:cNvSpPr>
+            <a:spLocks noGrp="1"/>
+          </p:cNvSpPr>
+          <p:nvPr>
+            <p:ph type="title"/>
+          </p:nvPr>
+        </p:nvSpPr>
+        <p:spPr/>
+        <p:txBody>
+          <a:bodyPr/>
+          <a:lstStyle/>
+          <a:p>
+            <a:r>
+              <a:rPr lang="en-GB" dirty="0" smtClean="0"/>
+              <a:t>Background research</a:t>
+            </a:r>
+            <a:endParaRPr lang="en-GB" dirty="0"/>
+          </a:p>
+        </p:txBody>
+      </p:sp>
+      <p:sp>
+        <p:nvSpPr>
+          <p:cNvPr id="3" name="Content Placeholder 2"/>
+          <p:cNvSpPr>
+            <a:spLocks noGrp="1"/>
+          </p:cNvSpPr>
+          <p:nvPr>
+            <p:ph idx="1"/>
+          </p:nvPr>
+        </p:nvSpPr>
+        <p:spPr/>
+        <p:txBody>
+          <a:bodyPr/>
+          <a:lstStyle/>
+          <a:p>
+            <a:r>
+              <a:rPr lang="en-GB" dirty="0" smtClean="0"/>
+              <a:t>C++ templates</a:t>
+            </a:r>
+          </a:p>
+          <a:p>
+            <a:r>
+              <a:rPr lang="en-GB" dirty="0" smtClean="0"/>
+              <a:t>F</a:t>
+            </a:r>
+            <a:r>
+              <a:rPr lang="en-GB" dirty="0" smtClean="0"/>
+              <a:t># units of measure</a:t>
+            </a:r>
+          </a:p>
+          <a:p>
+            <a:r>
+              <a:rPr lang="en-GB" dirty="0" smtClean="0"/>
+              <a:t>Path dependent types</a:t>
+            </a:r>
+          </a:p>
+          <a:p>
+            <a:r>
+              <a:rPr lang="en-GB" dirty="0" smtClean="0"/>
+              <a:t>Virtual types</a:t>
+            </a:r>
+          </a:p>
+          <a:p>
+            <a:r>
+              <a:rPr lang="en-GB" dirty="0" smtClean="0"/>
+              <a:t>First class types</a:t>
+            </a:r>
+          </a:p>
+          <a:p>
+            <a:r>
+              <a:rPr lang="en-GB" dirty="0" smtClean="0"/>
+              <a:t>Generalized Algebraic Data Types</a:t>
+            </a:r>
+            <a:endParaRPr lang="en-GB" dirty="0"/>
+          </a:p>
+        </p:txBody>
+      </p:sp>
+    </p:spTree>
+  </p:cSld>
+  <p:clrMapOvr>
+    <a:masterClrMapping/>
+  </p:clrMapOvr>
+</p:sld>
+</file>
+
+<file path=ppt/slides/slide16.xml><?xml version="1.0" encoding="utf-8"?>
+<p:sld xmlns:a="http://schemas.openxmlformats.org/drawingml/2006/main" xmlns:r="http://schemas.openxmlformats.org/officeDocument/2006/relationships" xmlns:p="http://schemas.openxmlformats.org/presentationml/2006/main">
+  <p:cSld>
+    <p:spTree>
+      <p:nvGrpSpPr>
+        <p:cNvPr id="1" name=""/>
+        <p:cNvGrpSpPr/>
+        <p:nvPr/>
+      </p:nvGrpSpPr>
+      <p:grpSpPr>
+        <a:xfrm>
+          <a:off x="0" y="0"/>
+          <a:ext cx="0" cy="0"/>
+          <a:chOff x="0" y="0"/>
+          <a:chExt cx="0" cy="0"/>
+        </a:xfrm>
+      </p:grpSpPr>
+      <p:sp>
+        <p:nvSpPr>
+          <p:cNvPr id="2" name="Title 1"/>
+          <p:cNvSpPr>
+            <a:spLocks noGrp="1"/>
+          </p:cNvSpPr>
+          <p:nvPr>
+            <p:ph type="title"/>
+          </p:nvPr>
+        </p:nvSpPr>
+        <p:spPr/>
+        <p:txBody>
+          <a:bodyPr>
+            <a:normAutofit/>
+          </a:bodyPr>
+          <a:lstStyle/>
+          <a:p>
+            <a:r>
+              <a:rPr lang="en-GB" dirty="0" smtClean="0"/>
+              <a:t>Generalized Algebraic Data </a:t>
+            </a:r>
+            <a:r>
+              <a:rPr lang="en-GB" dirty="0" smtClean="0"/>
+              <a:t>Types</a:t>
+            </a:r>
+            <a:endParaRPr lang="en-GB" dirty="0"/>
+          </a:p>
+        </p:txBody>
+      </p:sp>
+      <p:sp>
+        <p:nvSpPr>
+          <p:cNvPr id="3" name="Content Placeholder 2"/>
+          <p:cNvSpPr>
+            <a:spLocks noGrp="1"/>
+          </p:cNvSpPr>
+          <p:nvPr>
+            <p:ph idx="1"/>
+          </p:nvPr>
+        </p:nvSpPr>
+        <p:spPr/>
+        <p:txBody>
+          <a:bodyPr>
+            <a:normAutofit lnSpcReduction="10000"/>
+          </a:bodyPr>
+          <a:lstStyle/>
+          <a:p>
+            <a:pPr>
+              <a:buNone/>
+            </a:pPr>
+            <a:r>
+              <a:rPr lang="en-GB" dirty="0" smtClean="0"/>
+              <a:t>data Exp t where</a:t>
+            </a:r>
+          </a:p>
+          <a:p>
+            <a:pPr>
+              <a:buNone/>
+            </a:pPr>
+            <a:r>
+              <a:rPr lang="en-GB" dirty="0" smtClean="0"/>
+              <a:t>	Lit </a:t>
+            </a:r>
+            <a:r>
+              <a:rPr lang="en-GB" dirty="0" smtClean="0"/>
+              <a:t>:: </a:t>
+            </a:r>
+            <a:r>
+              <a:rPr lang="en-GB" dirty="0" err="1" smtClean="0"/>
+              <a:t>Int</a:t>
+            </a:r>
+            <a:r>
+              <a:rPr lang="en-GB" dirty="0" smtClean="0"/>
+              <a:t> -&gt; Exp </a:t>
+            </a:r>
+            <a:r>
+              <a:rPr lang="en-GB" dirty="0" err="1" smtClean="0"/>
+              <a:t>Int</a:t>
+            </a:r>
+            <a:endParaRPr lang="en-GB" dirty="0" smtClean="0"/>
+          </a:p>
+          <a:p>
+            <a:pPr>
+              <a:buNone/>
+            </a:pPr>
+            <a:r>
+              <a:rPr lang="en-GB" dirty="0" smtClean="0"/>
+              <a:t>	Plus </a:t>
+            </a:r>
+            <a:r>
+              <a:rPr lang="en-GB" dirty="0" smtClean="0"/>
+              <a:t>:: Exp </a:t>
+            </a:r>
+            <a:r>
+              <a:rPr lang="en-GB" dirty="0" err="1" smtClean="0"/>
+              <a:t>Int</a:t>
+            </a:r>
+            <a:r>
+              <a:rPr lang="en-GB" dirty="0" smtClean="0"/>
+              <a:t> -&gt; Exp </a:t>
+            </a:r>
+            <a:r>
+              <a:rPr lang="en-GB" dirty="0" err="1" smtClean="0"/>
+              <a:t>Int</a:t>
+            </a:r>
+            <a:r>
+              <a:rPr lang="en-GB" dirty="0" smtClean="0"/>
+              <a:t> -&gt; Exp </a:t>
+            </a:r>
+            <a:r>
+              <a:rPr lang="en-GB" dirty="0" err="1" smtClean="0"/>
+              <a:t>Int</a:t>
+            </a:r>
+            <a:endParaRPr lang="en-GB" dirty="0" smtClean="0"/>
+          </a:p>
+          <a:p>
+            <a:pPr>
+              <a:buNone/>
+            </a:pPr>
+            <a:r>
+              <a:rPr lang="en-GB" dirty="0" smtClean="0"/>
+              <a:t>	Equals </a:t>
+            </a:r>
+            <a:r>
+              <a:rPr lang="en-GB" dirty="0" smtClean="0"/>
+              <a:t>:: Exp </a:t>
+            </a:r>
+            <a:r>
+              <a:rPr lang="en-GB" dirty="0" err="1" smtClean="0"/>
+              <a:t>Int</a:t>
+            </a:r>
+            <a:r>
+              <a:rPr lang="en-GB" dirty="0" smtClean="0"/>
+              <a:t> -&gt; Exp </a:t>
+            </a:r>
+            <a:r>
+              <a:rPr lang="en-GB" dirty="0" err="1" smtClean="0"/>
+              <a:t>Int</a:t>
+            </a:r>
+            <a:r>
+              <a:rPr lang="en-GB" dirty="0" smtClean="0"/>
+              <a:t> -&gt; Exp </a:t>
+            </a:r>
+            <a:r>
+              <a:rPr lang="en-GB" dirty="0" err="1" smtClean="0"/>
+              <a:t>Bool</a:t>
+            </a:r>
+            <a:endParaRPr lang="en-GB" dirty="0" smtClean="0"/>
+          </a:p>
+          <a:p>
+            <a:pPr>
+              <a:buNone/>
+            </a:pPr>
+            <a:r>
+              <a:rPr lang="en-GB" dirty="0" smtClean="0"/>
+              <a:t>	</a:t>
+            </a:r>
+            <a:r>
+              <a:rPr lang="en-GB" dirty="0" err="1" smtClean="0"/>
+              <a:t>Cond</a:t>
+            </a:r>
+            <a:r>
+              <a:rPr lang="en-GB" dirty="0" smtClean="0"/>
+              <a:t> </a:t>
+            </a:r>
+            <a:r>
+              <a:rPr lang="en-GB" dirty="0" smtClean="0"/>
+              <a:t>:: Exp </a:t>
+            </a:r>
+            <a:r>
+              <a:rPr lang="en-GB" dirty="0" err="1" smtClean="0"/>
+              <a:t>Bool</a:t>
+            </a:r>
+            <a:r>
+              <a:rPr lang="en-GB" dirty="0" smtClean="0"/>
+              <a:t> -&gt; Exp a -&gt; Exp a -&gt; Exp </a:t>
+            </a:r>
+            <a:r>
+              <a:rPr lang="en-GB" dirty="0" smtClean="0"/>
+              <a:t>a</a:t>
+            </a:r>
+          </a:p>
+          <a:p>
+            <a:pPr>
+              <a:buNone/>
+            </a:pPr>
+            <a:endParaRPr lang="en-GB" dirty="0" smtClean="0"/>
+          </a:p>
+          <a:p>
+            <a:pPr>
+              <a:buNone/>
+            </a:pPr>
+            <a:r>
+              <a:rPr lang="it-IT" dirty="0" smtClean="0">
+                <a:solidFill>
+                  <a:srgbClr val="00B050"/>
+                </a:solidFill>
+              </a:rPr>
+              <a:t>Cond </a:t>
+            </a:r>
+            <a:r>
+              <a:rPr lang="it-IT" dirty="0" smtClean="0">
+                <a:solidFill>
+                  <a:srgbClr val="00B050"/>
+                </a:solidFill>
+              </a:rPr>
+              <a:t>(Equals (Li </a:t>
+            </a:r>
+            <a:r>
+              <a:rPr lang="it-IT" dirty="0" smtClean="0">
+                <a:solidFill>
+                  <a:srgbClr val="00B050"/>
+                </a:solidFill>
+              </a:rPr>
+              <a:t>t 3) </a:t>
+            </a:r>
+            <a:r>
+              <a:rPr lang="it-IT" dirty="0" smtClean="0">
+                <a:solidFill>
+                  <a:srgbClr val="00B050"/>
+                </a:solidFill>
+              </a:rPr>
+              <a:t>(Li </a:t>
+            </a:r>
+            <a:r>
+              <a:rPr lang="it-IT" dirty="0" smtClean="0">
+                <a:solidFill>
+                  <a:srgbClr val="00B050"/>
+                </a:solidFill>
+              </a:rPr>
+              <a:t>t </a:t>
+            </a:r>
+            <a:r>
+              <a:rPr lang="it-IT" dirty="0" smtClean="0">
+                <a:solidFill>
+                  <a:srgbClr val="00B050"/>
+                </a:solidFill>
+              </a:rPr>
+              <a:t>4)) (Li </a:t>
+            </a:r>
+            <a:r>
+              <a:rPr lang="it-IT" dirty="0" smtClean="0">
+                <a:solidFill>
+                  <a:srgbClr val="00B050"/>
+                </a:solidFill>
+              </a:rPr>
+              <a:t>t 1) </a:t>
+            </a:r>
+            <a:r>
+              <a:rPr lang="it-IT" dirty="0" smtClean="0">
+                <a:solidFill>
+                  <a:srgbClr val="00B050"/>
+                </a:solidFill>
+              </a:rPr>
+              <a:t>(Li </a:t>
+            </a:r>
+            <a:r>
+              <a:rPr lang="it-IT" dirty="0" smtClean="0">
+                <a:solidFill>
+                  <a:srgbClr val="00B050"/>
+                </a:solidFill>
+              </a:rPr>
+              <a:t>t 2</a:t>
+            </a:r>
+            <a:r>
+              <a:rPr lang="it-IT" dirty="0" smtClean="0">
+                <a:solidFill>
+                  <a:srgbClr val="00B050"/>
+                </a:solidFill>
+              </a:rPr>
+              <a:t>)</a:t>
+            </a:r>
+          </a:p>
+          <a:p>
+            <a:pPr>
+              <a:buNone/>
+            </a:pPr>
+            <a:r>
+              <a:rPr lang="it-IT" dirty="0" smtClean="0">
+                <a:solidFill>
+                  <a:srgbClr val="FF0000"/>
+                </a:solidFill>
+              </a:rPr>
+              <a:t>Cond </a:t>
+            </a:r>
+            <a:r>
+              <a:rPr lang="it-IT" dirty="0" smtClean="0">
+                <a:solidFill>
+                  <a:srgbClr val="FF0000"/>
+                </a:solidFill>
+              </a:rPr>
+              <a:t>(Li </a:t>
+            </a:r>
+            <a:r>
+              <a:rPr lang="it-IT" dirty="0" smtClean="0">
+                <a:solidFill>
+                  <a:srgbClr val="FF0000"/>
+                </a:solidFill>
+              </a:rPr>
+              <a:t>t 1) </a:t>
+            </a:r>
+            <a:r>
+              <a:rPr lang="it-IT" dirty="0" smtClean="0">
+                <a:solidFill>
+                  <a:srgbClr val="FF0000"/>
+                </a:solidFill>
+              </a:rPr>
+              <a:t>(Li </a:t>
+            </a:r>
+            <a:r>
+              <a:rPr lang="it-IT" dirty="0" smtClean="0">
+                <a:solidFill>
+                  <a:srgbClr val="FF0000"/>
+                </a:solidFill>
+              </a:rPr>
+              <a:t>t 2) </a:t>
+            </a:r>
+            <a:r>
+              <a:rPr lang="it-IT" dirty="0" smtClean="0">
+                <a:solidFill>
+                  <a:srgbClr val="FF0000"/>
+                </a:solidFill>
+              </a:rPr>
+              <a:t>(Equals (Li </a:t>
+            </a:r>
+            <a:r>
+              <a:rPr lang="it-IT" dirty="0" smtClean="0">
+                <a:solidFill>
+                  <a:srgbClr val="FF0000"/>
+                </a:solidFill>
+              </a:rPr>
+              <a:t>t 3) </a:t>
+            </a:r>
+            <a:r>
+              <a:rPr lang="it-IT" dirty="0" smtClean="0">
+                <a:solidFill>
+                  <a:srgbClr val="FF0000"/>
+                </a:solidFill>
+              </a:rPr>
+              <a:t>(Li </a:t>
+            </a:r>
+            <a:r>
+              <a:rPr lang="it-IT" dirty="0" smtClean="0">
+                <a:solidFill>
+                  <a:srgbClr val="FF0000"/>
+                </a:solidFill>
+              </a:rPr>
+              <a:t>t </a:t>
+            </a:r>
+            <a:r>
+              <a:rPr lang="it-IT" dirty="0" smtClean="0">
+                <a:solidFill>
+                  <a:srgbClr val="FF0000"/>
+                </a:solidFill>
+              </a:rPr>
+              <a:t>4))</a:t>
+            </a:r>
+            <a:endParaRPr lang="en-GB" dirty="0">
+              <a:solidFill>
+                <a:srgbClr val="FF0000"/>
+              </a:solidFill>
+            </a:endParaRPr>
+          </a:p>
+        </p:txBody>
+      </p:sp>
+    </p:spTree>
+  </p:cSld>
+  <p:clrMapOvr>
+    <a:masterClrMapping/>
+  </p:clrMapOvr>
+</p:sld>
+</file>
+
+<file path=ppt/slides/slide17.xml><?xml version="1.0" encoding="utf-8"?>
+<p:sld xmlns:a="http://schemas.openxmlformats.org/drawingml/2006/main" xmlns:r="http://schemas.openxmlformats.org/officeDocument/2006/relationships" xmlns:p="http://schemas.openxmlformats.org/presentationml/2006/main">
+  <p:cSld>
+    <p:spTree>
+      <p:nvGrpSpPr>
+        <p:cNvPr id="1" name=""/>
+        <p:cNvGrpSpPr/>
+        <p:nvPr/>
+      </p:nvGrpSpPr>
+      <p:grpSpPr>
+        <a:xfrm>
+          <a:off x="0" y="0"/>
+          <a:ext cx="0" cy="0"/>
+          <a:chOff x="0" y="0"/>
+          <a:chExt cx="0" cy="0"/>
+        </a:xfrm>
+      </p:grpSpPr>
+      <p:sp>
+        <p:nvSpPr>
+          <p:cNvPr id="2" name="Title 1"/>
+          <p:cNvSpPr>
+            <a:spLocks noGrp="1"/>
+          </p:cNvSpPr>
+          <p:nvPr>
+            <p:ph type="title"/>
+          </p:nvPr>
+        </p:nvSpPr>
+        <p:spPr/>
+        <p:txBody>
+          <a:bodyPr/>
+          <a:lstStyle/>
+          <a:p>
+            <a:r>
+              <a:rPr lang="en-GB" dirty="0" smtClean="0"/>
+              <a:t>GADTs via type equality</a:t>
+            </a:r>
+            <a:endParaRPr lang="en-GB" dirty="0"/>
+          </a:p>
+        </p:txBody>
+      </p:sp>
+      <p:sp>
+        <p:nvSpPr>
+          <p:cNvPr id="3" name="Content Placeholder 2"/>
+          <p:cNvSpPr>
+            <a:spLocks noGrp="1"/>
+          </p:cNvSpPr>
+          <p:nvPr>
+            <p:ph idx="1"/>
+          </p:nvPr>
+        </p:nvSpPr>
+        <p:spPr/>
+        <p:txBody>
+          <a:bodyPr/>
+          <a:lstStyle/>
+          <a:p>
+            <a:r>
+              <a:rPr lang="en-GB" dirty="0" smtClean="0"/>
+              <a:t>GADTs </a:t>
+            </a:r>
+            <a:r>
+              <a:rPr lang="en-GB" smtClean="0"/>
+              <a:t>are equivalent </a:t>
+            </a:r>
+            <a:r>
+              <a:rPr lang="en-GB" dirty="0" smtClean="0"/>
+              <a:t>to generics and type equality constraints</a:t>
+            </a:r>
+            <a:endParaRPr lang="en-GB" dirty="0"/>
+          </a:p>
+        </p:txBody>
+      </p:sp>
+    </p:spTree>
+  </p:cSld>
+  <p:clrMapOvr>
+    <a:masterClrMapping/>
+  </p:clrMapOvr>
+</p:sld>
+</file>
+
+<file path=ppt/slides/slide18.xml><?xml version="1.0" encoding="utf-8"?>
+<p:sld xmlns:a="http://schemas.openxmlformats.org/drawingml/2006/main" xmlns:r="http://schemas.openxmlformats.org/officeDocument/2006/relationships" xmlns:p="http://schemas.openxmlformats.org/presentationml/2006/main">
+  <p:cSld>
+    <p:spTree>
+      <p:nvGrpSpPr>
+        <p:cNvPr id="1" name=""/>
+        <p:cNvGrpSpPr/>
+        <p:nvPr/>
+      </p:nvGrpSpPr>
+      <p:grpSpPr>
+        <a:xfrm>
+          <a:off x="0" y="0"/>
+          <a:ext cx="0" cy="0"/>
+          <a:chOff x="0" y="0"/>
+          <a:chExt cx="0" cy="0"/>
+        </a:xfrm>
+      </p:grpSpPr>
+      <p:sp>
+        <p:nvSpPr>
+          <p:cNvPr id="2" name="Title 1"/>
+          <p:cNvSpPr>
+            <a:spLocks noGrp="1"/>
+          </p:cNvSpPr>
+          <p:nvPr>
+            <p:ph type="title"/>
+          </p:nvPr>
+        </p:nvSpPr>
+        <p:spPr/>
+        <p:txBody>
+          <a:bodyPr/>
+          <a:lstStyle/>
+          <a:p>
+            <a:r>
+              <a:rPr lang="en-GB" dirty="0" smtClean="0"/>
+              <a:t>Type equality constraints</a:t>
+            </a:r>
+            <a:endParaRPr lang="en-GB" dirty="0"/>
+          </a:p>
+        </p:txBody>
+      </p:sp>
+      <p:sp>
+        <p:nvSpPr>
+          <p:cNvPr id="3" name="Content Placeholder 2"/>
+          <p:cNvSpPr>
+            <a:spLocks noGrp="1"/>
+          </p:cNvSpPr>
+          <p:nvPr>
+            <p:ph idx="1"/>
+          </p:nvPr>
+        </p:nvSpPr>
+        <p:spPr/>
+        <p:txBody>
+          <a:bodyPr/>
+          <a:lstStyle/>
+          <a:p>
+            <a:r>
+              <a:rPr lang="en-GB" dirty="0" smtClean="0"/>
+              <a:t>CLI already supports generics (parametric polymorphism)</a:t>
+            </a:r>
+          </a:p>
+          <a:p>
+            <a:r>
+              <a:rPr lang="en-GB" dirty="0" smtClean="0"/>
+              <a:t>The combination of generics and type equality constraints is sufficient to express GADTs</a:t>
+            </a:r>
+          </a:p>
+          <a:p>
+            <a:r>
+              <a:rPr lang="en-GB" dirty="0" smtClean="0"/>
+              <a:t>Type equality constraints allow us to add constraints to methods of the form T=U</a:t>
+            </a:r>
+            <a:endParaRPr lang="en-GB" dirty="0"/>
+          </a:p>
+          <a:p>
+            <a:r>
+              <a:rPr lang="en-GB" dirty="0" smtClean="0"/>
+              <a:t>T and U are any valid type reference</a:t>
+            </a:r>
+          </a:p>
+          <a:p>
+            <a:r>
+              <a:rPr lang="en-GB" dirty="0" smtClean="0"/>
+              <a:t>Can have multiple constraints</a:t>
+            </a:r>
+          </a:p>
+        </p:txBody>
+      </p:sp>
+    </p:spTree>
+  </p:cSld>
+  <p:clrMapOvr>
+    <a:masterClrMapping/>
+  </p:clrMapOvr>
+</p:sld>
+</file>
+
+<file path=ppt/slides/slide19.xml><?xml version="1.0" encoding="utf-8"?>
+<p:sld xmlns:a="http://schemas.openxmlformats.org/drawingml/2006/main" xmlns:r="http://schemas.openxmlformats.org/officeDocument/2006/relationships" xmlns:p="http://schemas.openxmlformats.org/presentationml/2006/main">
+  <p:cSld>
+    <p:spTree>
+      <p:nvGrpSpPr>
+        <p:cNvPr id="1" name=""/>
+        <p:cNvGrpSpPr/>
+        <p:nvPr/>
+      </p:nvGrpSpPr>
+      <p:grpSpPr>
+        <a:xfrm>
+          <a:off x="0" y="0"/>
+          <a:ext cx="0" cy="0"/>
+          <a:chOff x="0" y="0"/>
+          <a:chExt cx="0" cy="0"/>
+        </a:xfrm>
+      </p:grpSpPr>
+      <p:sp>
+        <p:nvSpPr>
+          <p:cNvPr id="2" name="Title 1"/>
+          <p:cNvSpPr>
+            <a:spLocks noGrp="1"/>
+          </p:cNvSpPr>
+          <p:nvPr>
+            <p:ph type="title"/>
+          </p:nvPr>
+        </p:nvSpPr>
+        <p:spPr/>
+        <p:txBody>
+          <a:bodyPr>
+            <a:normAutofit/>
+          </a:bodyPr>
+          <a:lstStyle/>
+          <a:p>
+            <a:r>
+              <a:rPr lang="en-GB" dirty="0" smtClean="0"/>
+              <a:t>Type equality constraints</a:t>
+            </a:r>
+            <a:endParaRPr lang="en-GB" dirty="0"/>
+          </a:p>
+        </p:txBody>
+      </p:sp>
+      <p:sp>
+        <p:nvSpPr>
+          <p:cNvPr id="3" name="Content Placeholder 2"/>
+          <p:cNvSpPr>
+            <a:spLocks noGrp="1"/>
+          </p:cNvSpPr>
+          <p:nvPr>
+            <p:ph idx="1"/>
+          </p:nvPr>
+        </p:nvSpPr>
+        <p:spPr/>
+        <p:txBody>
+          <a:bodyPr>
+            <a:normAutofit fontScale="47500" lnSpcReduction="20000"/>
+          </a:bodyPr>
+          <a:lstStyle/>
+          <a:p>
+            <a:r>
+              <a:rPr lang="en-GB" dirty="0" smtClean="0"/>
+              <a:t>Once a method has a constraint T=U and variables of type T can be treated as U and vice versa</a:t>
+            </a:r>
+          </a:p>
+          <a:p>
+            <a:pPr>
+              <a:buNone/>
+            </a:pPr>
+            <a:r>
+              <a:rPr lang="pt-BR" dirty="0" smtClean="0"/>
+              <a:t>public abstract class List&lt;T</a:t>
+            </a:r>
+            <a:r>
+              <a:rPr lang="pt-BR" dirty="0"/>
+              <a:t>&gt; {</a:t>
+            </a:r>
+          </a:p>
+          <a:p>
+            <a:pPr>
+              <a:buNone/>
+            </a:pPr>
+            <a:r>
+              <a:rPr lang="fr-FR" dirty="0" smtClean="0"/>
+              <a:t>	public abstract List&lt;T</a:t>
+            </a:r>
+            <a:r>
+              <a:rPr lang="fr-FR" dirty="0"/>
+              <a:t>&gt; Append( Li s t &lt;T&gt; l i s t ) ;</a:t>
+            </a:r>
+          </a:p>
+          <a:p>
+            <a:pPr>
+              <a:buNone/>
+            </a:pPr>
+            <a:r>
+              <a:rPr lang="fr-FR" dirty="0" smtClean="0"/>
+              <a:t>	public abstract List&lt;U</a:t>
+            </a:r>
+            <a:r>
+              <a:rPr lang="fr-FR" dirty="0"/>
+              <a:t>&gt; </a:t>
+            </a:r>
+            <a:r>
+              <a:rPr lang="fr-FR" dirty="0" err="1" smtClean="0"/>
+              <a:t>Flatten</a:t>
+            </a:r>
+            <a:r>
+              <a:rPr lang="fr-FR" dirty="0" smtClean="0"/>
+              <a:t> </a:t>
+            </a:r>
+            <a:r>
+              <a:rPr lang="fr-FR" dirty="0"/>
+              <a:t>&lt;U&gt;( ) </a:t>
+            </a:r>
+            <a:r>
+              <a:rPr lang="fr-FR" dirty="0" err="1"/>
+              <a:t>where</a:t>
+            </a:r>
+            <a:r>
+              <a:rPr lang="fr-FR" dirty="0"/>
+              <a:t> T=Li s t &lt;U&gt;;</a:t>
+            </a:r>
+          </a:p>
+          <a:p>
+            <a:pPr>
+              <a:buNone/>
+            </a:pPr>
+            <a:r>
+              <a:rPr lang="en-GB" dirty="0"/>
+              <a:t>}</a:t>
+            </a:r>
+          </a:p>
+          <a:p>
+            <a:pPr>
+              <a:buNone/>
+            </a:pPr>
+            <a:r>
+              <a:rPr lang="pt-BR" dirty="0" smtClean="0"/>
+              <a:t>public class </a:t>
+            </a:r>
+            <a:r>
+              <a:rPr lang="en-GB" dirty="0" smtClean="0"/>
+              <a:t>Nil&lt;T</a:t>
+            </a:r>
+            <a:r>
+              <a:rPr lang="en-GB" dirty="0"/>
+              <a:t>&gt; : </a:t>
+            </a:r>
+            <a:r>
+              <a:rPr lang="en-GB" dirty="0" smtClean="0"/>
+              <a:t>List </a:t>
+            </a:r>
+            <a:r>
+              <a:rPr lang="en-GB" dirty="0"/>
+              <a:t>&lt;T&gt; </a:t>
+            </a:r>
+            <a:r>
+              <a:rPr lang="en-GB" dirty="0" smtClean="0"/>
+              <a:t>{</a:t>
+            </a:r>
+          </a:p>
+          <a:p>
+            <a:pPr>
+              <a:buNone/>
+            </a:pPr>
+            <a:r>
+              <a:rPr lang="pt-BR" dirty="0" smtClean="0"/>
+              <a:t>	public</a:t>
+            </a:r>
+            <a:r>
+              <a:rPr lang="en-GB" dirty="0" smtClean="0"/>
+              <a:t> override List&lt;U</a:t>
+            </a:r>
+            <a:r>
+              <a:rPr lang="en-GB" dirty="0"/>
+              <a:t>&gt; </a:t>
+            </a:r>
+            <a:r>
+              <a:rPr lang="fr-FR" dirty="0" err="1" smtClean="0"/>
+              <a:t>Flatten</a:t>
+            </a:r>
+            <a:r>
+              <a:rPr lang="en-GB" dirty="0" smtClean="0"/>
+              <a:t>&lt;U&gt;() {</a:t>
+            </a:r>
+          </a:p>
+          <a:p>
+            <a:pPr>
+              <a:buNone/>
+            </a:pPr>
+            <a:r>
+              <a:rPr lang="en-GB" dirty="0" smtClean="0"/>
+              <a:t>		return </a:t>
+            </a:r>
+            <a:r>
+              <a:rPr lang="en-GB" dirty="0"/>
+              <a:t>new </a:t>
+            </a:r>
+            <a:r>
+              <a:rPr lang="en-GB" dirty="0" smtClean="0"/>
+              <a:t>Nil&lt;U&gt;;</a:t>
+            </a:r>
+          </a:p>
+          <a:p>
+            <a:pPr>
+              <a:buNone/>
+            </a:pPr>
+            <a:r>
+              <a:rPr lang="en-GB" dirty="0" smtClean="0"/>
+              <a:t>	}</a:t>
+            </a:r>
+            <a:endParaRPr lang="en-GB" dirty="0"/>
+          </a:p>
+          <a:p>
+            <a:pPr>
+              <a:buNone/>
+            </a:pPr>
+            <a:r>
+              <a:rPr lang="en-GB" dirty="0"/>
+              <a:t>}</a:t>
+            </a:r>
+          </a:p>
+          <a:p>
+            <a:pPr>
+              <a:buNone/>
+            </a:pPr>
+            <a:r>
+              <a:rPr lang="pt-BR" dirty="0" smtClean="0"/>
+              <a:t>public class </a:t>
+            </a:r>
+            <a:r>
+              <a:rPr lang="en-GB" dirty="0" smtClean="0"/>
+              <a:t>Cons&lt;T</a:t>
+            </a:r>
+            <a:r>
+              <a:rPr lang="en-GB" dirty="0"/>
+              <a:t>&gt; : </a:t>
+            </a:r>
+            <a:r>
+              <a:rPr lang="en-GB" dirty="0" smtClean="0"/>
+              <a:t>List&lt;T</a:t>
+            </a:r>
+            <a:r>
+              <a:rPr lang="en-GB" dirty="0"/>
+              <a:t>&gt; {</a:t>
+            </a:r>
+          </a:p>
+          <a:p>
+            <a:pPr>
+              <a:buNone/>
+            </a:pPr>
+            <a:r>
+              <a:rPr lang="en-GB" dirty="0"/>
+              <a:t>T head ; </a:t>
+            </a:r>
+            <a:r>
+              <a:rPr lang="en-GB" dirty="0" smtClean="0"/>
+              <a:t>List&lt;T</a:t>
+            </a:r>
+            <a:r>
+              <a:rPr lang="en-GB" dirty="0"/>
+              <a:t>&gt; </a:t>
+            </a:r>
+            <a:r>
+              <a:rPr lang="en-GB" dirty="0" smtClean="0"/>
+              <a:t>tail ;</a:t>
+            </a:r>
+          </a:p>
+          <a:p>
+            <a:pPr>
+              <a:buNone/>
+            </a:pPr>
+            <a:r>
+              <a:rPr lang="pt-BR" dirty="0" smtClean="0"/>
+              <a:t>	public</a:t>
+            </a:r>
+            <a:r>
+              <a:rPr lang="en-GB" dirty="0" smtClean="0"/>
+              <a:t> override List&lt;U&gt; </a:t>
+            </a:r>
+            <a:r>
+              <a:rPr lang="fr-FR" dirty="0" err="1" smtClean="0"/>
+              <a:t>Flatten</a:t>
+            </a:r>
+            <a:r>
+              <a:rPr lang="en-GB" dirty="0" smtClean="0"/>
+              <a:t>&lt;U&gt;() {</a:t>
+            </a:r>
+          </a:p>
+          <a:p>
+            <a:pPr>
+              <a:buNone/>
+            </a:pPr>
+            <a:r>
+              <a:rPr lang="en-GB" dirty="0" smtClean="0"/>
+              <a:t>		return </a:t>
+            </a:r>
+            <a:r>
+              <a:rPr lang="en-GB" dirty="0" err="1" smtClean="0"/>
+              <a:t>this.head.Append</a:t>
+            </a:r>
+            <a:r>
+              <a:rPr lang="en-GB" dirty="0" smtClean="0"/>
+              <a:t>(</a:t>
+            </a:r>
+            <a:r>
+              <a:rPr lang="en-GB" dirty="0" err="1" smtClean="0"/>
+              <a:t>this.tail.Flatten</a:t>
+            </a:r>
+            <a:r>
+              <a:rPr lang="en-GB" dirty="0" smtClean="0"/>
+              <a:t>());</a:t>
+            </a:r>
+          </a:p>
+          <a:p>
+            <a:pPr>
+              <a:buNone/>
+            </a:pPr>
+            <a:r>
+              <a:rPr lang="en-GB" dirty="0" smtClean="0"/>
+              <a:t>	}</a:t>
+            </a:r>
+          </a:p>
+          <a:p>
+            <a:pPr>
+              <a:buNone/>
+            </a:pPr>
+            <a:r>
+              <a:rPr lang="en-GB" dirty="0"/>
+              <a:t>}</a:t>
+            </a:r>
           </a:p>
         </p:txBody>
       </p:sp>
@@ -3783,6 +5559,1107 @@
 </p:sld>
 </file>
 
+<file path=ppt/slides/slide20.xml><?xml version="1.0" encoding="utf-8"?>
+<p:sld xmlns:a="http://schemas.openxmlformats.org/drawingml/2006/main" xmlns:r="http://schemas.openxmlformats.org/officeDocument/2006/relationships" xmlns:p="http://schemas.openxmlformats.org/presentationml/2006/main">
+  <p:cSld>
+    <p:spTree>
+      <p:nvGrpSpPr>
+        <p:cNvPr id="1" name=""/>
+        <p:cNvGrpSpPr/>
+        <p:nvPr/>
+      </p:nvGrpSpPr>
+      <p:grpSpPr>
+        <a:xfrm>
+          <a:off x="0" y="0"/>
+          <a:ext cx="0" cy="0"/>
+          <a:chOff x="0" y="0"/>
+          <a:chExt cx="0" cy="0"/>
+        </a:xfrm>
+      </p:grpSpPr>
+      <p:sp>
+        <p:nvSpPr>
+          <p:cNvPr id="2" name="Title 1"/>
+          <p:cNvSpPr>
+            <a:spLocks noGrp="1"/>
+          </p:cNvSpPr>
+          <p:nvPr>
+            <p:ph type="title"/>
+          </p:nvPr>
+        </p:nvSpPr>
+        <p:spPr/>
+        <p:txBody>
+          <a:bodyPr/>
+          <a:lstStyle/>
+          <a:p>
+            <a:r>
+              <a:rPr lang="en-GB" dirty="0" smtClean="0"/>
+              <a:t>Demo</a:t>
+            </a:r>
+            <a:endParaRPr lang="en-GB" dirty="0"/>
+          </a:p>
+        </p:txBody>
+      </p:sp>
+      <p:sp>
+        <p:nvSpPr>
+          <p:cNvPr id="3" name="Text Placeholder 2"/>
+          <p:cNvSpPr>
+            <a:spLocks noGrp="1"/>
+          </p:cNvSpPr>
+          <p:nvPr>
+            <p:ph type="body" idx="1"/>
+          </p:nvPr>
+        </p:nvSpPr>
+        <p:spPr/>
+        <p:txBody>
+          <a:bodyPr/>
+          <a:lstStyle/>
+          <a:p>
+            <a:endParaRPr lang="en-GB" dirty="0"/>
+          </a:p>
+        </p:txBody>
+      </p:sp>
+    </p:spTree>
+  </p:cSld>
+  <p:clrMapOvr>
+    <a:masterClrMapping/>
+  </p:clrMapOvr>
+</p:sld>
+</file>
+
+<file path=ppt/slides/slide21.xml><?xml version="1.0" encoding="utf-8"?>
+<p:sld xmlns:a="http://schemas.openxmlformats.org/drawingml/2006/main" xmlns:r="http://schemas.openxmlformats.org/officeDocument/2006/relationships" xmlns:p="http://schemas.openxmlformats.org/presentationml/2006/main">
+  <p:cSld>
+    <p:spTree>
+      <p:nvGrpSpPr>
+        <p:cNvPr id="1" name=""/>
+        <p:cNvGrpSpPr/>
+        <p:nvPr/>
+      </p:nvGrpSpPr>
+      <p:grpSpPr>
+        <a:xfrm>
+          <a:off x="0" y="0"/>
+          <a:ext cx="0" cy="0"/>
+          <a:chOff x="0" y="0"/>
+          <a:chExt cx="0" cy="0"/>
+        </a:xfrm>
+      </p:grpSpPr>
+      <p:sp>
+        <p:nvSpPr>
+          <p:cNvPr id="2" name="Title 1"/>
+          <p:cNvSpPr>
+            <a:spLocks noGrp="1"/>
+          </p:cNvSpPr>
+          <p:nvPr>
+            <p:ph type="title"/>
+          </p:nvPr>
+        </p:nvSpPr>
+        <p:spPr/>
+        <p:txBody>
+          <a:bodyPr/>
+          <a:lstStyle/>
+          <a:p>
+            <a:r>
+              <a:rPr lang="en-GB" dirty="0" smtClean="0"/>
+              <a:t>Values as type parameters</a:t>
+            </a:r>
+            <a:endParaRPr lang="en-GB" dirty="0"/>
+          </a:p>
+        </p:txBody>
+      </p:sp>
+      <p:sp>
+        <p:nvSpPr>
+          <p:cNvPr id="3" name="Content Placeholder 2"/>
+          <p:cNvSpPr>
+            <a:spLocks noGrp="1"/>
+          </p:cNvSpPr>
+          <p:nvPr>
+            <p:ph idx="1"/>
+          </p:nvPr>
+        </p:nvSpPr>
+        <p:spPr/>
+        <p:txBody>
+          <a:bodyPr/>
+          <a:lstStyle/>
+          <a:p>
+            <a:endParaRPr lang="en-GB"/>
+          </a:p>
+        </p:txBody>
+      </p:sp>
+    </p:spTree>
+  </p:cSld>
+  <p:clrMapOvr>
+    <a:masterClrMapping/>
+  </p:clrMapOvr>
+</p:sld>
+</file>
+
+<file path=ppt/slides/slide22.xml><?xml version="1.0" encoding="utf-8"?>
+<p:sld xmlns:a="http://schemas.openxmlformats.org/drawingml/2006/main" xmlns:r="http://schemas.openxmlformats.org/officeDocument/2006/relationships" xmlns:p="http://schemas.openxmlformats.org/presentationml/2006/main">
+  <p:cSld>
+    <p:spTree>
+      <p:nvGrpSpPr>
+        <p:cNvPr id="1" name=""/>
+        <p:cNvGrpSpPr/>
+        <p:nvPr/>
+      </p:nvGrpSpPr>
+      <p:grpSpPr>
+        <a:xfrm>
+          <a:off x="0" y="0"/>
+          <a:ext cx="0" cy="0"/>
+          <a:chOff x="0" y="0"/>
+          <a:chExt cx="0" cy="0"/>
+        </a:xfrm>
+      </p:grpSpPr>
+      <p:sp>
+        <p:nvSpPr>
+          <p:cNvPr id="2" name="Title 1"/>
+          <p:cNvSpPr>
+            <a:spLocks noGrp="1"/>
+          </p:cNvSpPr>
+          <p:nvPr>
+            <p:ph type="title"/>
+          </p:nvPr>
+        </p:nvSpPr>
+        <p:spPr/>
+        <p:txBody>
+          <a:bodyPr/>
+          <a:lstStyle/>
+          <a:p>
+            <a:r>
+              <a:rPr lang="en-GB" dirty="0" smtClean="0"/>
+              <a:t>Motivation</a:t>
+            </a:r>
+            <a:endParaRPr lang="en-GB" dirty="0"/>
+          </a:p>
+        </p:txBody>
+      </p:sp>
+      <p:sp>
+        <p:nvSpPr>
+          <p:cNvPr id="3" name="Content Placeholder 2"/>
+          <p:cNvSpPr>
+            <a:spLocks noGrp="1"/>
+          </p:cNvSpPr>
+          <p:nvPr>
+            <p:ph idx="1"/>
+          </p:nvPr>
+        </p:nvSpPr>
+        <p:spPr/>
+        <p:txBody>
+          <a:bodyPr/>
+          <a:lstStyle/>
+          <a:p>
+            <a:r>
+              <a:rPr lang="en-GB" dirty="0" smtClean="0"/>
+              <a:t>Physics and graphics work</a:t>
+            </a:r>
+          </a:p>
+          <a:p>
+            <a:r>
+              <a:rPr lang="en-GB" dirty="0" smtClean="0"/>
+              <a:t>Often working with small fixed size vectors and matrices</a:t>
+            </a:r>
+          </a:p>
+          <a:p>
+            <a:r>
+              <a:rPr lang="en-GB" dirty="0" smtClean="0"/>
+              <a:t>Want to be able to define the Vector type just once for any size</a:t>
+            </a:r>
+          </a:p>
+          <a:p>
+            <a:r>
+              <a:rPr lang="en-GB" dirty="0" smtClean="0"/>
+              <a:t>Currently not possible in an efficient way</a:t>
+            </a:r>
+          </a:p>
+          <a:p>
+            <a:r>
+              <a:rPr lang="en-GB" dirty="0" smtClean="0"/>
+              <a:t>Resorted to pragmatically generating 10s of different types</a:t>
+            </a:r>
+            <a:endParaRPr lang="en-GB" dirty="0"/>
+          </a:p>
+        </p:txBody>
+      </p:sp>
+    </p:spTree>
+  </p:cSld>
+  <p:clrMapOvr>
+    <a:masterClrMapping/>
+  </p:clrMapOvr>
+</p:sld>
+</file>
+
+<file path=ppt/slides/slide23.xml><?xml version="1.0" encoding="utf-8"?>
+<p:sld xmlns:a="http://schemas.openxmlformats.org/drawingml/2006/main" xmlns:r="http://schemas.openxmlformats.org/officeDocument/2006/relationships" xmlns:p="http://schemas.openxmlformats.org/presentationml/2006/main">
+  <p:cSld>
+    <p:spTree>
+      <p:nvGrpSpPr>
+        <p:cNvPr id="1" name=""/>
+        <p:cNvGrpSpPr/>
+        <p:nvPr/>
+      </p:nvGrpSpPr>
+      <p:grpSpPr>
+        <a:xfrm>
+          <a:off x="0" y="0"/>
+          <a:ext cx="0" cy="0"/>
+          <a:chOff x="0" y="0"/>
+          <a:chExt cx="0" cy="0"/>
+        </a:xfrm>
+      </p:grpSpPr>
+      <p:sp>
+        <p:nvSpPr>
+          <p:cNvPr id="2" name="Title 1"/>
+          <p:cNvSpPr>
+            <a:spLocks noGrp="1"/>
+          </p:cNvSpPr>
+          <p:nvPr>
+            <p:ph type="title"/>
+          </p:nvPr>
+        </p:nvSpPr>
+        <p:spPr/>
+        <p:txBody>
+          <a:bodyPr/>
+          <a:lstStyle/>
+          <a:p>
+            <a:r>
+              <a:rPr lang="en-GB" dirty="0" smtClean="0"/>
+              <a:t>Current state</a:t>
+            </a:r>
+            <a:endParaRPr lang="en-GB" dirty="0"/>
+          </a:p>
+        </p:txBody>
+      </p:sp>
+      <p:sp>
+        <p:nvSpPr>
+          <p:cNvPr id="3" name="Content Placeholder 2"/>
+          <p:cNvSpPr>
+            <a:spLocks noGrp="1"/>
+          </p:cNvSpPr>
+          <p:nvPr>
+            <p:ph idx="1"/>
+          </p:nvPr>
+        </p:nvSpPr>
+        <p:spPr/>
+        <p:txBody>
+          <a:bodyPr>
+            <a:normAutofit fontScale="55000" lnSpcReduction="20000"/>
+          </a:bodyPr>
+          <a:lstStyle/>
+          <a:p>
+            <a:pPr>
+              <a:buNone/>
+            </a:pPr>
+            <a:r>
+              <a:rPr lang="en-GB" dirty="0" err="1"/>
+              <a:t>WriteLine</a:t>
+            </a:r>
+            <a:r>
+              <a:rPr lang="en-GB" dirty="0"/>
+              <a:t>("/// &lt;summary&gt;");</a:t>
+            </a:r>
+          </a:p>
+          <a:p>
+            <a:pPr>
+              <a:buNone/>
+            </a:pPr>
+            <a:r>
+              <a:rPr lang="en-GB" dirty="0" err="1" smtClean="0"/>
+              <a:t>WriteLine</a:t>
+            </a:r>
+            <a:r>
+              <a:rPr lang="en-GB" dirty="0"/>
+              <a:t>("/// Calculates the dot product (inner product) of two vectors.");</a:t>
+            </a:r>
+          </a:p>
+          <a:p>
+            <a:pPr>
+              <a:buNone/>
+            </a:pPr>
+            <a:r>
+              <a:rPr lang="en-GB" dirty="0" err="1" smtClean="0"/>
+              <a:t>WriteLine</a:t>
+            </a:r>
+            <a:r>
+              <a:rPr lang="en-GB" dirty="0"/>
+              <a:t>("/// &lt;/summary&gt;");</a:t>
+            </a:r>
+          </a:p>
+          <a:p>
+            <a:pPr>
+              <a:buNone/>
+            </a:pPr>
+            <a:r>
+              <a:rPr lang="en-GB" dirty="0" err="1" smtClean="0"/>
+              <a:t>WriteLine</a:t>
+            </a:r>
+            <a:r>
+              <a:rPr lang="en-GB" dirty="0"/>
+              <a:t>("/// &lt;</a:t>
+            </a:r>
+            <a:r>
+              <a:rPr lang="en-GB" dirty="0" err="1"/>
+              <a:t>param</a:t>
+            </a:r>
+            <a:r>
+              <a:rPr lang="en-GB" dirty="0"/>
+              <a:t> name=\"left\"&gt;First source vector.&lt;/</a:t>
+            </a:r>
+            <a:r>
+              <a:rPr lang="en-GB" dirty="0" err="1"/>
+              <a:t>param</a:t>
+            </a:r>
+            <a:r>
+              <a:rPr lang="en-GB" dirty="0"/>
+              <a:t>&gt;");</a:t>
+            </a:r>
+          </a:p>
+          <a:p>
+            <a:pPr>
+              <a:buNone/>
+            </a:pPr>
+            <a:r>
+              <a:rPr lang="en-GB" dirty="0" err="1" smtClean="0"/>
+              <a:t>WriteLine</a:t>
+            </a:r>
+            <a:r>
+              <a:rPr lang="en-GB" dirty="0"/>
+              <a:t>("/// &lt;</a:t>
+            </a:r>
+            <a:r>
+              <a:rPr lang="en-GB" dirty="0" err="1"/>
+              <a:t>param</a:t>
+            </a:r>
+            <a:r>
+              <a:rPr lang="en-GB" dirty="0"/>
+              <a:t> name=\"right\"&gt;Second source vector.&lt;/</a:t>
+            </a:r>
+            <a:r>
+              <a:rPr lang="en-GB" dirty="0" err="1"/>
+              <a:t>param</a:t>
+            </a:r>
+            <a:r>
+              <a:rPr lang="en-GB" dirty="0"/>
+              <a:t>&gt;");</a:t>
+            </a:r>
+          </a:p>
+          <a:p>
+            <a:pPr>
+              <a:buNone/>
+            </a:pPr>
+            <a:r>
+              <a:rPr lang="en-GB" dirty="0" err="1" smtClean="0"/>
+              <a:t>WriteLine</a:t>
+            </a:r>
+            <a:r>
+              <a:rPr lang="en-GB" dirty="0"/>
+              <a:t>("/// &lt;returns&gt;The dot product of the two vectors.&lt;/returns&gt;");</a:t>
+            </a:r>
+          </a:p>
+          <a:p>
+            <a:pPr>
+              <a:buNone/>
+            </a:pPr>
+            <a:r>
+              <a:rPr lang="en-GB" dirty="0" smtClean="0"/>
+              <a:t>if </a:t>
+            </a:r>
+            <a:r>
+              <a:rPr lang="en-GB" dirty="0"/>
+              <a:t>(!</a:t>
+            </a:r>
+            <a:r>
+              <a:rPr lang="en-GB" dirty="0" err="1"/>
+              <a:t>Type.IsCLSCompliant</a:t>
+            </a:r>
+            <a:r>
+              <a:rPr lang="en-GB" dirty="0"/>
+              <a:t>) { </a:t>
+            </a:r>
+            <a:r>
+              <a:rPr lang="en-GB" dirty="0" err="1"/>
+              <a:t>WriteLine</a:t>
+            </a:r>
+            <a:r>
+              <a:rPr lang="en-GB" dirty="0"/>
+              <a:t>("[</a:t>
+            </a:r>
+            <a:r>
+              <a:rPr lang="en-GB" dirty="0" err="1"/>
+              <a:t>CLSCompliant</a:t>
+            </a:r>
+            <a:r>
+              <a:rPr lang="en-GB" dirty="0"/>
+              <a:t>(false)]"); }</a:t>
+            </a:r>
+          </a:p>
+          <a:p>
+            <a:pPr>
+              <a:buNone/>
+            </a:pPr>
+            <a:r>
+              <a:rPr lang="en-GB" dirty="0" err="1" smtClean="0"/>
+              <a:t>WriteLine</a:t>
+            </a:r>
+            <a:r>
+              <a:rPr lang="en-GB" dirty="0"/>
+              <a:t>("public static </a:t>
+            </a:r>
+            <a:r>
+              <a:rPr lang="en-GB" dirty="0" smtClean="0"/>
+              <a:t>float </a:t>
+            </a:r>
+            <a:r>
+              <a:rPr lang="en-GB" dirty="0"/>
+              <a:t>Dot</a:t>
+            </a:r>
+            <a:r>
+              <a:rPr lang="en-GB" dirty="0" smtClean="0"/>
+              <a:t>({0} </a:t>
+            </a:r>
+            <a:r>
+              <a:rPr lang="en-GB" dirty="0"/>
+              <a:t>left, </a:t>
+            </a:r>
+            <a:r>
+              <a:rPr lang="en-GB" dirty="0" smtClean="0"/>
+              <a:t>{0} right)“, </a:t>
+            </a:r>
+            <a:r>
+              <a:rPr lang="en-GB" dirty="0"/>
+              <a:t>Name);</a:t>
+            </a:r>
+          </a:p>
+          <a:p>
+            <a:pPr>
+              <a:buNone/>
+            </a:pPr>
+            <a:r>
+              <a:rPr lang="en-GB" dirty="0" err="1" smtClean="0"/>
+              <a:t>WriteLine</a:t>
+            </a:r>
+            <a:r>
+              <a:rPr lang="en-GB" dirty="0"/>
+              <a:t>("{");</a:t>
+            </a:r>
+          </a:p>
+          <a:p>
+            <a:pPr>
+              <a:buNone/>
+            </a:pPr>
+            <a:r>
+              <a:rPr lang="en-GB" dirty="0" smtClean="0"/>
+              <a:t>Indent</a:t>
+            </a:r>
+            <a:r>
+              <a:rPr lang="en-GB" dirty="0"/>
+              <a:t>();</a:t>
+            </a:r>
+          </a:p>
+          <a:p>
+            <a:pPr>
+              <a:buNone/>
+            </a:pPr>
+            <a:r>
+              <a:rPr lang="en-GB" dirty="0" err="1" smtClean="0"/>
+              <a:t>var</a:t>
+            </a:r>
+            <a:r>
+              <a:rPr lang="en-GB" dirty="0" smtClean="0"/>
+              <a:t> </a:t>
+            </a:r>
+            <a:r>
+              <a:rPr lang="en-GB" dirty="0" err="1"/>
+              <a:t>dotproduct</a:t>
+            </a:r>
+            <a:r>
+              <a:rPr lang="en-GB" dirty="0"/>
+              <a:t> = </a:t>
+            </a:r>
+            <a:r>
+              <a:rPr lang="en-GB" dirty="0" err="1"/>
+              <a:t>string.Join</a:t>
+            </a:r>
+            <a:r>
+              <a:rPr lang="en-GB" dirty="0"/>
+              <a:t>(" + ", </a:t>
+            </a:r>
+            <a:r>
+              <a:rPr lang="en-GB" dirty="0" err="1"/>
+              <a:t>Components.Select</a:t>
+            </a:r>
+            <a:r>
+              <a:rPr lang="en-GB" dirty="0"/>
+              <a:t>(component </a:t>
+            </a:r>
+            <a:r>
+              <a:rPr lang="en-GB" dirty="0" smtClean="0"/>
+              <a:t>=&gt; </a:t>
+            </a:r>
+            <a:r>
+              <a:rPr lang="en-GB" dirty="0" err="1" smtClean="0"/>
+              <a:t>string.Format</a:t>
+            </a:r>
+            <a:r>
+              <a:rPr lang="en-GB" dirty="0"/>
+              <a:t>("left.{0} * right.{0}", component)));</a:t>
+            </a:r>
+          </a:p>
+          <a:p>
+            <a:pPr>
+              <a:buNone/>
+            </a:pPr>
+            <a:r>
+              <a:rPr lang="en-GB" dirty="0" err="1" smtClean="0"/>
+              <a:t>WriteLine</a:t>
+            </a:r>
+            <a:r>
+              <a:rPr lang="en-GB" dirty="0"/>
+              <a:t>("return {0};", </a:t>
+            </a:r>
+            <a:r>
+              <a:rPr lang="en-GB" dirty="0" err="1"/>
+              <a:t>dotproduct</a:t>
+            </a:r>
+            <a:r>
+              <a:rPr lang="en-GB" dirty="0"/>
+              <a:t>);</a:t>
+            </a:r>
+          </a:p>
+          <a:p>
+            <a:pPr>
+              <a:buNone/>
+            </a:pPr>
+            <a:r>
+              <a:rPr lang="en-GB" dirty="0" err="1" smtClean="0"/>
+              <a:t>Dedent</a:t>
+            </a:r>
+            <a:r>
+              <a:rPr lang="en-GB" dirty="0"/>
+              <a:t>();</a:t>
+            </a:r>
+          </a:p>
+          <a:p>
+            <a:pPr>
+              <a:buNone/>
+            </a:pPr>
+            <a:r>
+              <a:rPr lang="en-GB" dirty="0" err="1" smtClean="0"/>
+              <a:t>WriteLine</a:t>
+            </a:r>
+            <a:r>
+              <a:rPr lang="en-GB" dirty="0"/>
+              <a:t>("}");</a:t>
+            </a:r>
+          </a:p>
+        </p:txBody>
+      </p:sp>
+    </p:spTree>
+  </p:cSld>
+  <p:clrMapOvr>
+    <a:masterClrMapping/>
+  </p:clrMapOvr>
+</p:sld>
+</file>
+
+<file path=ppt/slides/slide24.xml><?xml version="1.0" encoding="utf-8"?>
+<p:sld xmlns:a="http://schemas.openxmlformats.org/drawingml/2006/main" xmlns:r="http://schemas.openxmlformats.org/officeDocument/2006/relationships" xmlns:p="http://schemas.openxmlformats.org/presentationml/2006/main">
+  <p:cSld>
+    <p:spTree>
+      <p:nvGrpSpPr>
+        <p:cNvPr id="1" name=""/>
+        <p:cNvGrpSpPr/>
+        <p:nvPr/>
+      </p:nvGrpSpPr>
+      <p:grpSpPr>
+        <a:xfrm>
+          <a:off x="0" y="0"/>
+          <a:ext cx="0" cy="0"/>
+          <a:chOff x="0" y="0"/>
+          <a:chExt cx="0" cy="0"/>
+        </a:xfrm>
+      </p:grpSpPr>
+      <p:sp>
+        <p:nvSpPr>
+          <p:cNvPr id="2" name="Title 1"/>
+          <p:cNvSpPr>
+            <a:spLocks noGrp="1"/>
+          </p:cNvSpPr>
+          <p:nvPr>
+            <p:ph type="title"/>
+          </p:nvPr>
+        </p:nvSpPr>
+        <p:spPr/>
+        <p:txBody>
+          <a:bodyPr/>
+          <a:lstStyle/>
+          <a:p>
+            <a:r>
+              <a:rPr lang="en-GB" dirty="0" smtClean="0"/>
+              <a:t>What we want</a:t>
+            </a:r>
+            <a:endParaRPr lang="en-GB" dirty="0"/>
+          </a:p>
+        </p:txBody>
+      </p:sp>
+      <p:sp>
+        <p:nvSpPr>
+          <p:cNvPr id="3" name="Content Placeholder 2"/>
+          <p:cNvSpPr>
+            <a:spLocks noGrp="1"/>
+          </p:cNvSpPr>
+          <p:nvPr>
+            <p:ph idx="1"/>
+          </p:nvPr>
+        </p:nvSpPr>
+        <p:spPr/>
+        <p:txBody>
+          <a:bodyPr>
+            <a:normAutofit fontScale="62500" lnSpcReduction="20000"/>
+          </a:bodyPr>
+          <a:lstStyle/>
+          <a:p>
+            <a:pPr>
+              <a:buNone/>
+            </a:pPr>
+            <a:r>
+              <a:rPr lang="en-GB" dirty="0"/>
+              <a:t>/// &lt;summary&gt;</a:t>
+            </a:r>
+          </a:p>
+          <a:p>
+            <a:pPr>
+              <a:buNone/>
+            </a:pPr>
+            <a:r>
+              <a:rPr lang="en-GB" dirty="0"/>
+              <a:t>/// Calculates the dot product (inner product) of two vectors.</a:t>
+            </a:r>
+          </a:p>
+          <a:p>
+            <a:pPr>
+              <a:buNone/>
+            </a:pPr>
+            <a:r>
+              <a:rPr lang="en-GB" dirty="0"/>
+              <a:t>/// &lt;/summary&gt;</a:t>
+            </a:r>
+          </a:p>
+          <a:p>
+            <a:pPr>
+              <a:buNone/>
+            </a:pPr>
+            <a:r>
+              <a:rPr lang="en-GB" dirty="0"/>
+              <a:t>/// &lt;</a:t>
+            </a:r>
+            <a:r>
+              <a:rPr lang="en-GB" dirty="0" err="1"/>
+              <a:t>param</a:t>
+            </a:r>
+            <a:r>
+              <a:rPr lang="en-GB" dirty="0"/>
+              <a:t> name="left"&gt;First source vector.&lt;/</a:t>
+            </a:r>
+            <a:r>
+              <a:rPr lang="en-GB" dirty="0" err="1"/>
+              <a:t>param</a:t>
+            </a:r>
+            <a:r>
+              <a:rPr lang="en-GB" dirty="0"/>
+              <a:t>&gt;</a:t>
+            </a:r>
+          </a:p>
+          <a:p>
+            <a:pPr>
+              <a:buNone/>
+            </a:pPr>
+            <a:r>
+              <a:rPr lang="en-GB" dirty="0"/>
+              <a:t>/// &lt;</a:t>
+            </a:r>
+            <a:r>
+              <a:rPr lang="en-GB" dirty="0" err="1"/>
+              <a:t>param</a:t>
+            </a:r>
+            <a:r>
+              <a:rPr lang="en-GB" dirty="0"/>
+              <a:t> name="right"&gt;Second source vector.&lt;/</a:t>
+            </a:r>
+            <a:r>
+              <a:rPr lang="en-GB" dirty="0" err="1"/>
+              <a:t>param</a:t>
+            </a:r>
+            <a:r>
+              <a:rPr lang="en-GB" dirty="0"/>
+              <a:t>&gt;</a:t>
+            </a:r>
+          </a:p>
+          <a:p>
+            <a:pPr>
+              <a:buNone/>
+            </a:pPr>
+            <a:r>
+              <a:rPr lang="en-GB" dirty="0"/>
+              <a:t>/// &lt;returns&gt;The dot product of the two vectors.&lt;/</a:t>
+            </a:r>
+            <a:r>
+              <a:rPr lang="en-GB" dirty="0" smtClean="0"/>
+              <a:t>returns&gt;</a:t>
+            </a:r>
+          </a:p>
+          <a:p>
+            <a:pPr>
+              <a:buNone/>
+            </a:pPr>
+            <a:r>
+              <a:rPr lang="en-GB" dirty="0" smtClean="0"/>
+              <a:t>public </a:t>
+            </a:r>
+            <a:r>
+              <a:rPr lang="en-GB" dirty="0"/>
+              <a:t>static </a:t>
+            </a:r>
+            <a:r>
+              <a:rPr lang="en-GB" dirty="0" smtClean="0"/>
+              <a:t>float Dot&lt;</a:t>
+            </a:r>
+            <a:r>
+              <a:rPr lang="en-GB" dirty="0" err="1" smtClean="0"/>
+              <a:t>int</a:t>
+            </a:r>
+            <a:r>
+              <a:rPr lang="en-GB" dirty="0" smtClean="0"/>
+              <a:t> n&gt;(Vector&lt;n&gt; </a:t>
+            </a:r>
+            <a:r>
+              <a:rPr lang="en-GB" dirty="0"/>
+              <a:t>left, </a:t>
+            </a:r>
+            <a:r>
+              <a:rPr lang="en-GB" dirty="0" smtClean="0"/>
+              <a:t>Vector&lt;n&gt; </a:t>
+            </a:r>
+            <a:r>
+              <a:rPr lang="en-GB" dirty="0"/>
+              <a:t>right)</a:t>
+            </a:r>
+          </a:p>
+          <a:p>
+            <a:pPr>
+              <a:buNone/>
+            </a:pPr>
+            <a:r>
+              <a:rPr lang="en-GB" dirty="0"/>
+              <a:t>{</a:t>
+            </a:r>
+          </a:p>
+          <a:p>
+            <a:pPr lvl="1">
+              <a:buNone/>
+            </a:pPr>
+            <a:r>
+              <a:rPr lang="en-GB" dirty="0" err="1" smtClean="0"/>
+              <a:t>var</a:t>
+            </a:r>
+            <a:r>
+              <a:rPr lang="en-GB" dirty="0" smtClean="0"/>
+              <a:t> result = 0;</a:t>
+            </a:r>
+          </a:p>
+          <a:p>
+            <a:pPr lvl="1">
+              <a:buNone/>
+            </a:pPr>
+            <a:r>
+              <a:rPr lang="en-GB" dirty="0" smtClean="0"/>
+              <a:t>for(</a:t>
+            </a:r>
+            <a:r>
+              <a:rPr lang="en-GB" dirty="0" err="1" smtClean="0"/>
+              <a:t>int</a:t>
+            </a:r>
+            <a:r>
+              <a:rPr lang="en-GB" dirty="0" smtClean="0"/>
+              <a:t> </a:t>
+            </a:r>
+            <a:r>
+              <a:rPr lang="en-GB" dirty="0" err="1" smtClean="0"/>
+              <a:t>i</a:t>
+            </a:r>
+            <a:r>
+              <a:rPr lang="en-GB" dirty="0" smtClean="0"/>
+              <a:t>=0; </a:t>
+            </a:r>
+            <a:r>
+              <a:rPr lang="en-GB" dirty="0" err="1" smtClean="0"/>
+              <a:t>i</a:t>
+            </a:r>
+            <a:r>
+              <a:rPr lang="en-GB" dirty="0" smtClean="0"/>
+              <a:t>&lt;n; ++</a:t>
+            </a:r>
+            <a:r>
+              <a:rPr lang="en-GB" dirty="0" err="1" smtClean="0"/>
+              <a:t>i</a:t>
+            </a:r>
+            <a:r>
+              <a:rPr lang="en-GB" dirty="0" smtClean="0"/>
+              <a:t>)</a:t>
+            </a:r>
+          </a:p>
+          <a:p>
+            <a:pPr lvl="1">
+              <a:buNone/>
+            </a:pPr>
+            <a:r>
+              <a:rPr lang="en-GB" dirty="0" smtClean="0"/>
+              <a:t>{</a:t>
+            </a:r>
+          </a:p>
+          <a:p>
+            <a:pPr lvl="1">
+              <a:buNone/>
+            </a:pPr>
+            <a:r>
+              <a:rPr lang="en-GB" dirty="0"/>
+              <a:t>	</a:t>
+            </a:r>
+            <a:r>
+              <a:rPr lang="en-GB" dirty="0" smtClean="0"/>
+              <a:t>result += left[</a:t>
+            </a:r>
+            <a:r>
+              <a:rPr lang="en-GB" dirty="0" err="1" smtClean="0"/>
+              <a:t>i</a:t>
+            </a:r>
+            <a:r>
+              <a:rPr lang="en-GB" dirty="0" smtClean="0"/>
+              <a:t>] * right[</a:t>
+            </a:r>
+            <a:r>
+              <a:rPr lang="en-GB" dirty="0" err="1" smtClean="0"/>
+              <a:t>i</a:t>
+            </a:r>
+            <a:r>
+              <a:rPr lang="en-GB" dirty="0" smtClean="0"/>
+              <a:t>];</a:t>
+            </a:r>
+          </a:p>
+          <a:p>
+            <a:pPr lvl="1">
+              <a:buNone/>
+            </a:pPr>
+            <a:r>
+              <a:rPr lang="en-GB" dirty="0" smtClean="0"/>
+              <a:t>}</a:t>
+            </a:r>
+          </a:p>
+          <a:p>
+            <a:pPr lvl="1">
+              <a:buNone/>
+            </a:pPr>
+            <a:r>
+              <a:rPr lang="en-GB" dirty="0" smtClean="0"/>
+              <a:t>return result;</a:t>
+            </a:r>
+            <a:endParaRPr lang="en-GB" dirty="0"/>
+          </a:p>
+          <a:p>
+            <a:pPr>
+              <a:buNone/>
+            </a:pPr>
+            <a:r>
+              <a:rPr lang="en-GB" dirty="0"/>
+              <a:t>}</a:t>
+            </a:r>
+          </a:p>
+        </p:txBody>
+      </p:sp>
+    </p:spTree>
+  </p:cSld>
+  <p:clrMapOvr>
+    <a:masterClrMapping/>
+  </p:clrMapOvr>
+</p:sld>
+</file>
+
+<file path=ppt/slides/slide25.xml><?xml version="1.0" encoding="utf-8"?>
+<p:sld xmlns:a="http://schemas.openxmlformats.org/drawingml/2006/main" xmlns:r="http://schemas.openxmlformats.org/officeDocument/2006/relationships" xmlns:p="http://schemas.openxmlformats.org/presentationml/2006/main">
+  <p:cSld>
+    <p:spTree>
+      <p:nvGrpSpPr>
+        <p:cNvPr id="1" name=""/>
+        <p:cNvGrpSpPr/>
+        <p:nvPr/>
+      </p:nvGrpSpPr>
+      <p:grpSpPr>
+        <a:xfrm>
+          <a:off x="0" y="0"/>
+          <a:ext cx="0" cy="0"/>
+          <a:chOff x="0" y="0"/>
+          <a:chExt cx="0" cy="0"/>
+        </a:xfrm>
+      </p:grpSpPr>
+      <p:sp>
+        <p:nvSpPr>
+          <p:cNvPr id="2" name="Title 1"/>
+          <p:cNvSpPr>
+            <a:spLocks noGrp="1"/>
+          </p:cNvSpPr>
+          <p:nvPr>
+            <p:ph type="title"/>
+          </p:nvPr>
+        </p:nvSpPr>
+        <p:spPr/>
+        <p:txBody>
+          <a:bodyPr/>
+          <a:lstStyle/>
+          <a:p>
+            <a:r>
+              <a:rPr lang="en-GB" dirty="0" smtClean="0"/>
+              <a:t>Client code</a:t>
+            </a:r>
+            <a:endParaRPr lang="en-GB" dirty="0"/>
+          </a:p>
+        </p:txBody>
+      </p:sp>
+      <p:sp>
+        <p:nvSpPr>
+          <p:cNvPr id="3" name="Content Placeholder 2"/>
+          <p:cNvSpPr>
+            <a:spLocks noGrp="1"/>
+          </p:cNvSpPr>
+          <p:nvPr>
+            <p:ph idx="1"/>
+          </p:nvPr>
+        </p:nvSpPr>
+        <p:spPr/>
+        <p:txBody>
+          <a:bodyPr>
+            <a:normAutofit lnSpcReduction="10000"/>
+          </a:bodyPr>
+          <a:lstStyle/>
+          <a:p>
+            <a:r>
+              <a:rPr lang="en-GB" dirty="0" smtClean="0"/>
+              <a:t>Either way client code looks similar</a:t>
+            </a:r>
+          </a:p>
+          <a:p>
+            <a:pPr>
+              <a:buNone/>
+            </a:pPr>
+            <a:r>
+              <a:rPr lang="en-GB" dirty="0" err="1" smtClean="0"/>
+              <a:t>var</a:t>
+            </a:r>
+            <a:r>
+              <a:rPr lang="en-GB" dirty="0" smtClean="0"/>
+              <a:t> a = new Vector3(0, 1, 2);</a:t>
+            </a:r>
+          </a:p>
+          <a:p>
+            <a:pPr>
+              <a:buNone/>
+            </a:pPr>
+            <a:r>
+              <a:rPr lang="en-GB" dirty="0" err="1" smtClean="0"/>
+              <a:t>var</a:t>
+            </a:r>
+            <a:r>
+              <a:rPr lang="en-GB" dirty="0" smtClean="0"/>
+              <a:t> b = new Vector3(3, 4, 5);</a:t>
+            </a:r>
+          </a:p>
+          <a:p>
+            <a:pPr>
+              <a:buNone/>
+            </a:pPr>
+            <a:r>
+              <a:rPr lang="en-GB" dirty="0" err="1" smtClean="0"/>
+              <a:t>var</a:t>
+            </a:r>
+            <a:r>
+              <a:rPr lang="en-GB" dirty="0" smtClean="0"/>
+              <a:t> dot = </a:t>
+            </a:r>
+            <a:r>
+              <a:rPr lang="en-GB" dirty="0" err="1" smtClean="0"/>
+              <a:t>Vector.Dot</a:t>
+            </a:r>
+            <a:r>
+              <a:rPr lang="en-GB" dirty="0" smtClean="0"/>
+              <a:t>(a, b);</a:t>
+            </a:r>
+          </a:p>
+          <a:p>
+            <a:pPr>
+              <a:buNone/>
+            </a:pPr>
+            <a:endParaRPr lang="en-GB" dirty="0"/>
+          </a:p>
+          <a:p>
+            <a:pPr>
+              <a:buNone/>
+            </a:pPr>
+            <a:r>
+              <a:rPr lang="en-GB" dirty="0" err="1" smtClean="0"/>
+              <a:t>var</a:t>
+            </a:r>
+            <a:r>
+              <a:rPr lang="en-GB" dirty="0" smtClean="0"/>
+              <a:t> a = new Vector&lt;3&gt;(0, 1, 2);</a:t>
+            </a:r>
+          </a:p>
+          <a:p>
+            <a:pPr>
+              <a:buNone/>
+            </a:pPr>
+            <a:r>
+              <a:rPr lang="en-GB" dirty="0" err="1" smtClean="0"/>
+              <a:t>var</a:t>
+            </a:r>
+            <a:r>
+              <a:rPr lang="en-GB" dirty="0" smtClean="0"/>
+              <a:t> b = new Vector&lt;3&gt;(3, 4, 5);</a:t>
+            </a:r>
+          </a:p>
+          <a:p>
+            <a:pPr>
+              <a:buNone/>
+            </a:pPr>
+            <a:r>
+              <a:rPr lang="en-GB" dirty="0" err="1" smtClean="0"/>
+              <a:t>var</a:t>
+            </a:r>
+            <a:r>
+              <a:rPr lang="en-GB" dirty="0" smtClean="0"/>
+              <a:t> dot = </a:t>
+            </a:r>
+            <a:r>
+              <a:rPr lang="en-GB" dirty="0" err="1" smtClean="0"/>
+              <a:t>Vector.Dot</a:t>
+            </a:r>
+            <a:r>
+              <a:rPr lang="en-GB" dirty="0" smtClean="0"/>
+              <a:t>(a, b);</a:t>
+            </a:r>
+          </a:p>
+          <a:p>
+            <a:pPr>
+              <a:buNone/>
+            </a:pPr>
+            <a:endParaRPr lang="en-GB" dirty="0"/>
+          </a:p>
+        </p:txBody>
+      </p:sp>
+    </p:spTree>
+  </p:cSld>
+  <p:clrMapOvr>
+    <a:masterClrMapping/>
+  </p:clrMapOvr>
+</p:sld>
+</file>
+
 <file path=ppt/slides/slide3.xml><?xml version="1.0" encoding="utf-8"?>
 <p:sld xmlns:a="http://schemas.openxmlformats.org/drawingml/2006/main" xmlns:r="http://schemas.openxmlformats.org/officeDocument/2006/relationships" xmlns:p="http://schemas.openxmlformats.org/presentationml/2006/main">
   <p:cSld>
@@ -4018,7 +6895,7 @@
           <a:p>
             <a:r>
               <a:rPr lang="en-GB" dirty="0" smtClean="0"/>
-              <a:t>Motivation</a:t>
+              <a:t>Background research</a:t>
             </a:r>
             <a:endParaRPr lang="en-GB" dirty="0"/>
           </a:p>
@@ -4041,33 +6918,8 @@
           <a:p>
             <a:r>
               <a:rPr lang="en-GB" dirty="0" smtClean="0"/>
-              <a:t>Physics and graphics work</a:t>
-            </a:r>
-          </a:p>
-          <a:p>
-            <a:r>
-              <a:rPr lang="en-GB" dirty="0" smtClean="0"/>
-              <a:t>Often working with small fixed size vectors and matrices</a:t>
-            </a:r>
-          </a:p>
-          <a:p>
-            <a:r>
-              <a:rPr lang="en-GB" dirty="0" smtClean="0"/>
-              <a:t>Want to be able to define the Vector type just once for any size</a:t>
-            </a:r>
-          </a:p>
-          <a:p>
-            <a:r>
-              <a:rPr lang="en-GB" dirty="0" smtClean="0"/>
-              <a:t>Currently not possible in an efficient way</a:t>
-            </a:r>
-          </a:p>
-          <a:p>
-            <a:r>
-              <a:rPr lang="en-GB" dirty="0" smtClean="0"/>
-              <a:t>Resorted to pragmatically generating 10s of different types</a:t>
-            </a:r>
-            <a:endParaRPr lang="en-GB" dirty="0"/>
+              <a:t>C++ templates</a:t>
+            </a:r>
           </a:p>
         </p:txBody>
       </p:sp>
@@ -4113,7 +6965,7 @@
           <a:p>
             <a:r>
               <a:rPr lang="en-GB" dirty="0" smtClean="0"/>
-              <a:t>Current state</a:t>
+              <a:t>C++ templates</a:t>
             </a:r>
             <a:endParaRPr lang="en-GB" dirty="0"/>
           </a:p>
@@ -4131,315 +6983,83 @@
         </p:nvSpPr>
         <p:spPr/>
         <p:txBody>
-          <a:bodyPr>
-            <a:normAutofit fontScale="55000" lnSpcReduction="20000"/>
-          </a:bodyPr>
-          <a:lstStyle/>
-          <a:p>
-            <a:pPr>
-              <a:buNone/>
-            </a:pPr>
-            <a:r>
-              <a:rPr lang="en-GB" dirty="0" err="1"/>
-              <a:t>WriteLine</a:t>
-            </a:r>
-            <a:r>
-              <a:rPr lang="en-GB" dirty="0"/>
-              <a:t>("/// &lt;summary&gt;");</a:t>
-            </a:r>
-          </a:p>
-          <a:p>
-            <a:pPr>
-              <a:buNone/>
-            </a:pPr>
-            <a:r>
-              <a:rPr lang="en-GB" dirty="0" err="1" smtClean="0"/>
-              <a:t>WriteLine</a:t>
-            </a:r>
-            <a:r>
-              <a:rPr lang="en-GB" dirty="0"/>
-              <a:t>("/// Calculates the dot product (inner product) of two vectors.");</a:t>
-            </a:r>
-          </a:p>
-          <a:p>
-            <a:pPr>
-              <a:buNone/>
-            </a:pPr>
-            <a:r>
-              <a:rPr lang="en-GB" dirty="0" err="1" smtClean="0"/>
-              <a:t>WriteLine</a:t>
-            </a:r>
-            <a:r>
-              <a:rPr lang="en-GB" dirty="0"/>
-              <a:t>("/// &lt;/summary&gt;");</a:t>
-            </a:r>
-          </a:p>
-          <a:p>
-            <a:pPr>
-              <a:buNone/>
-            </a:pPr>
-            <a:r>
-              <a:rPr lang="en-GB" dirty="0" err="1" smtClean="0"/>
-              <a:t>WriteLine</a:t>
-            </a:r>
-            <a:r>
-              <a:rPr lang="en-GB" dirty="0"/>
-              <a:t>("/// &lt;</a:t>
-            </a:r>
-            <a:r>
-              <a:rPr lang="en-GB" dirty="0" err="1"/>
-              <a:t>param</a:t>
-            </a:r>
-            <a:r>
-              <a:rPr lang="en-GB" dirty="0"/>
-              <a:t> name=\"left\"&gt;First source vector.&lt;/</a:t>
-            </a:r>
-            <a:r>
-              <a:rPr lang="en-GB" dirty="0" err="1"/>
-              <a:t>param</a:t>
-            </a:r>
-            <a:r>
-              <a:rPr lang="en-GB" dirty="0"/>
-              <a:t>&gt;");</a:t>
-            </a:r>
-          </a:p>
-          <a:p>
-            <a:pPr>
-              <a:buNone/>
-            </a:pPr>
-            <a:r>
-              <a:rPr lang="en-GB" dirty="0" err="1" smtClean="0"/>
-              <a:t>WriteLine</a:t>
-            </a:r>
-            <a:r>
-              <a:rPr lang="en-GB" dirty="0"/>
-              <a:t>("/// &lt;</a:t>
-            </a:r>
-            <a:r>
-              <a:rPr lang="en-GB" dirty="0" err="1"/>
-              <a:t>param</a:t>
-            </a:r>
-            <a:r>
-              <a:rPr lang="en-GB" dirty="0"/>
-              <a:t> name=\"right\"&gt;Second source vector.&lt;/</a:t>
-            </a:r>
-            <a:r>
-              <a:rPr lang="en-GB" dirty="0" err="1"/>
-              <a:t>param</a:t>
-            </a:r>
-            <a:r>
-              <a:rPr lang="en-GB" dirty="0"/>
-              <a:t>&gt;");</a:t>
-            </a:r>
-          </a:p>
-          <a:p>
-            <a:pPr>
-              <a:buNone/>
-            </a:pPr>
-            <a:r>
-              <a:rPr lang="en-GB" dirty="0" err="1" smtClean="0"/>
-              <a:t>WriteLine</a:t>
-            </a:r>
-            <a:r>
-              <a:rPr lang="en-GB" dirty="0"/>
-              <a:t>("/// &lt;returns&gt;The dot product of the two vectors.&lt;/returns&gt;");</a:t>
-            </a:r>
-          </a:p>
-          <a:p>
-            <a:pPr>
-              <a:buNone/>
-            </a:pPr>
-            <a:r>
-              <a:rPr lang="en-GB" dirty="0" smtClean="0"/>
-              <a:t>if </a:t>
-            </a:r>
-            <a:r>
-              <a:rPr lang="en-GB" dirty="0"/>
-              <a:t>(!</a:t>
-            </a:r>
-            <a:r>
-              <a:rPr lang="en-GB" dirty="0" err="1"/>
-              <a:t>Type.IsCLSCompliant</a:t>
-            </a:r>
-            <a:r>
-              <a:rPr lang="en-GB" dirty="0"/>
-              <a:t>) { </a:t>
-            </a:r>
-            <a:r>
-              <a:rPr lang="en-GB" dirty="0" err="1"/>
-              <a:t>WriteLine</a:t>
-            </a:r>
-            <a:r>
-              <a:rPr lang="en-GB" dirty="0"/>
-              <a:t>("[</a:t>
-            </a:r>
-            <a:r>
-              <a:rPr lang="en-GB" dirty="0" err="1"/>
-              <a:t>CLSCompliant</a:t>
-            </a:r>
-            <a:r>
-              <a:rPr lang="en-GB" dirty="0"/>
-              <a:t>(false)]"); }</a:t>
-            </a:r>
-          </a:p>
-          <a:p>
-            <a:pPr>
-              <a:buNone/>
-            </a:pPr>
-            <a:r>
-              <a:rPr lang="en-GB" dirty="0" err="1" smtClean="0"/>
-              <a:t>WriteLine</a:t>
-            </a:r>
-            <a:r>
-              <a:rPr lang="en-GB" dirty="0"/>
-              <a:t>("public static </a:t>
-            </a:r>
-            <a:r>
-              <a:rPr lang="en-GB" dirty="0" smtClean="0"/>
-              <a:t>float </a:t>
-            </a:r>
-            <a:r>
-              <a:rPr lang="en-GB" dirty="0"/>
-              <a:t>Dot</a:t>
-            </a:r>
-            <a:r>
-              <a:rPr lang="en-GB" dirty="0" smtClean="0"/>
-              <a:t>({0} </a:t>
-            </a:r>
-            <a:r>
-              <a:rPr lang="en-GB" dirty="0"/>
-              <a:t>left, </a:t>
-            </a:r>
-            <a:r>
-              <a:rPr lang="en-GB" dirty="0" smtClean="0"/>
-              <a:t>{0} right)“, </a:t>
-            </a:r>
-            <a:r>
-              <a:rPr lang="en-GB" dirty="0"/>
-              <a:t>Name);</a:t>
-            </a:r>
-          </a:p>
-          <a:p>
-            <a:pPr>
-              <a:buNone/>
-            </a:pPr>
-            <a:r>
-              <a:rPr lang="en-GB" dirty="0" err="1" smtClean="0"/>
-              <a:t>WriteLine</a:t>
-            </a:r>
-            <a:r>
-              <a:rPr lang="en-GB" dirty="0"/>
-              <a:t>("{");</a:t>
-            </a:r>
-          </a:p>
-          <a:p>
-            <a:pPr>
-              <a:buNone/>
-            </a:pPr>
-            <a:r>
-              <a:rPr lang="en-GB" dirty="0" smtClean="0"/>
-              <a:t>Indent</a:t>
-            </a:r>
-            <a:r>
-              <a:rPr lang="en-GB" dirty="0"/>
-              <a:t>();</a:t>
-            </a:r>
-          </a:p>
-          <a:p>
-            <a:pPr>
-              <a:buNone/>
-            </a:pPr>
-            <a:r>
-              <a:rPr lang="en-GB" dirty="0" err="1" smtClean="0"/>
-              <a:t>var</a:t>
-            </a:r>
-            <a:r>
-              <a:rPr lang="en-GB" dirty="0" smtClean="0"/>
-              <a:t> </a:t>
-            </a:r>
-            <a:r>
-              <a:rPr lang="en-GB" dirty="0" err="1"/>
-              <a:t>dotproduct</a:t>
-            </a:r>
-            <a:r>
-              <a:rPr lang="en-GB" dirty="0"/>
-              <a:t> = </a:t>
-            </a:r>
-            <a:r>
-              <a:rPr lang="en-GB" dirty="0" err="1"/>
-              <a:t>string.Join</a:t>
-            </a:r>
-            <a:r>
-              <a:rPr lang="en-GB" dirty="0"/>
-              <a:t>(" + ", </a:t>
-            </a:r>
-            <a:r>
-              <a:rPr lang="en-GB" dirty="0" err="1"/>
-              <a:t>Components.Select</a:t>
-            </a:r>
-            <a:r>
-              <a:rPr lang="en-GB" dirty="0"/>
-              <a:t>(component </a:t>
-            </a:r>
-            <a:r>
-              <a:rPr lang="en-GB" dirty="0" smtClean="0"/>
-              <a:t>=&gt; </a:t>
-            </a:r>
-            <a:r>
-              <a:rPr lang="en-GB" dirty="0" err="1" smtClean="0"/>
-              <a:t>string.Format</a:t>
-            </a:r>
-            <a:r>
-              <a:rPr lang="en-GB" dirty="0"/>
-              <a:t>("left.{0} * right.{0}", component)));</a:t>
-            </a:r>
-          </a:p>
-          <a:p>
-            <a:pPr>
-              <a:buNone/>
-            </a:pPr>
-            <a:r>
-              <a:rPr lang="en-GB" dirty="0" err="1" smtClean="0"/>
-              <a:t>WriteLine</a:t>
-            </a:r>
-            <a:r>
-              <a:rPr lang="en-GB" dirty="0"/>
-              <a:t>("return {0};", </a:t>
-            </a:r>
-            <a:r>
-              <a:rPr lang="en-GB" dirty="0" err="1"/>
-              <a:t>dotproduct</a:t>
-            </a:r>
-            <a:r>
-              <a:rPr lang="en-GB" dirty="0"/>
-              <a:t>);</a:t>
-            </a:r>
-          </a:p>
-          <a:p>
-            <a:pPr>
-              <a:buNone/>
-            </a:pPr>
-            <a:r>
-              <a:rPr lang="en-GB" dirty="0" err="1" smtClean="0"/>
-              <a:t>Dedent</a:t>
-            </a:r>
-            <a:r>
-              <a:rPr lang="en-GB" dirty="0"/>
-              <a:t>();</a:t>
-            </a:r>
-          </a:p>
-          <a:p>
-            <a:pPr>
-              <a:buNone/>
-            </a:pPr>
-            <a:r>
-              <a:rPr lang="en-GB" dirty="0" err="1" smtClean="0"/>
-              <a:t>WriteLine</a:t>
-            </a:r>
-            <a:r>
-              <a:rPr lang="en-GB" dirty="0"/>
-              <a:t>("}");</a:t>
-            </a:r>
+          <a:bodyPr/>
+          <a:lstStyle/>
+          <a:p>
+            <a:r>
+              <a:rPr lang="pt-BR" dirty="0" smtClean="0"/>
+              <a:t>cml::vector&lt;float, fixed&lt;3</a:t>
+            </a:r>
+            <a:r>
+              <a:rPr lang="pt-BR" dirty="0" smtClean="0"/>
+              <a:t>&gt;&gt; </a:t>
+            </a:r>
+            <a:r>
+              <a:rPr lang="pt-BR" dirty="0" smtClean="0"/>
+              <a:t>a(1, 0, 0);</a:t>
+            </a:r>
+            <a:endParaRPr lang="pt-BR" dirty="0" smtClean="0"/>
+          </a:p>
+          <a:p>
+            <a:r>
+              <a:rPr lang="pt-BR" dirty="0" smtClean="0"/>
+              <a:t>c</a:t>
+            </a:r>
+            <a:r>
+              <a:rPr lang="pt-BR" dirty="0" smtClean="0"/>
+              <a:t>ml::vector&lt; </a:t>
+            </a:r>
+            <a:r>
+              <a:rPr lang="pt-BR" dirty="0" smtClean="0"/>
+              <a:t>float</a:t>
+            </a:r>
+            <a:r>
+              <a:rPr lang="pt-BR" dirty="0" smtClean="0"/>
+              <a:t>, fixed&lt;2</a:t>
+            </a:r>
+            <a:r>
+              <a:rPr lang="pt-BR" dirty="0" smtClean="0"/>
+              <a:t>&gt;&gt; b = </a:t>
+            </a:r>
+            <a:r>
+              <a:rPr lang="pt-BR" dirty="0" smtClean="0"/>
+              <a:t>a; // error</a:t>
+            </a:r>
+            <a:endParaRPr lang="pt-BR" dirty="0" smtClean="0"/>
+          </a:p>
+          <a:p>
+            <a:r>
+              <a:rPr lang="pt-BR" dirty="0" smtClean="0"/>
+              <a:t>c</a:t>
+            </a:r>
+            <a:r>
+              <a:rPr lang="pt-BR" dirty="0" smtClean="0"/>
+              <a:t>ml::matrix&lt;float, fixed&lt;2, 2</a:t>
+            </a:r>
+            <a:r>
+              <a:rPr lang="pt-BR" dirty="0" smtClean="0"/>
+              <a:t>&gt;&gt; i </a:t>
+            </a:r>
+            <a:r>
+              <a:rPr lang="pt-BR" dirty="0" smtClean="0"/>
+              <a:t>(1, 2, 3, 4);</a:t>
+            </a:r>
+            <a:endParaRPr lang="pt-BR" dirty="0" smtClean="0"/>
+          </a:p>
+          <a:p>
+            <a:r>
+              <a:rPr lang="pt-BR" dirty="0" smtClean="0"/>
+              <a:t>cml::matrix&lt;float, fixed&lt;3, 3</a:t>
+            </a:r>
+            <a:r>
+              <a:rPr lang="pt-BR" dirty="0" smtClean="0"/>
+              <a:t>&gt;&gt; j = </a:t>
+            </a:r>
+            <a:r>
+              <a:rPr lang="pt-BR" dirty="0" smtClean="0"/>
+              <a:t>i; // error</a:t>
+            </a:r>
+            <a:endParaRPr lang="en-GB" dirty="0"/>
           </a:p>
         </p:txBody>
       </p:sp>
@@ -4485,7 +7105,7 @@
           <a:p>
             <a:r>
               <a:rPr lang="en-GB" dirty="0" smtClean="0"/>
-              <a:t>What we want</a:t>
+              <a:t>Background research</a:t>
             </a:r>
             <a:endParaRPr lang="en-GB" dirty="0"/>
           </a:p>
@@ -4503,265 +7123,28 @@
         </p:nvSpPr>
         <p:spPr/>
         <p:txBody>
-          <a:bodyPr>
-            <a:normAutofit fontScale="62500" lnSpcReduction="20000"/>
-          </a:bodyPr>
-          <a:lstStyle/>
-          <a:p>
-            <a:pPr>
-              <a:buNone/>
-            </a:pPr>
-            <a:r>
-              <a:rPr lang="en-GB" dirty="0"/>
-              <a:t>/// &lt;summary&gt;</a:t>
-            </a:r>
-          </a:p>
-          <a:p>
-            <a:pPr>
-              <a:buNone/>
-            </a:pPr>
-            <a:r>
-              <a:rPr lang="en-GB" dirty="0"/>
-              <a:t>/// Calculates the dot product (inner product) of two vectors.</a:t>
-            </a:r>
-          </a:p>
-          <a:p>
-            <a:pPr>
-              <a:buNone/>
-            </a:pPr>
-            <a:r>
-              <a:rPr lang="en-GB" dirty="0"/>
-              <a:t>/// &lt;/summary&gt;</a:t>
-            </a:r>
-          </a:p>
-          <a:p>
-            <a:pPr>
-              <a:buNone/>
-            </a:pPr>
-            <a:r>
-              <a:rPr lang="en-GB" dirty="0"/>
-              <a:t>/// &lt;</a:t>
-            </a:r>
-            <a:r>
-              <a:rPr lang="en-GB" dirty="0" err="1"/>
-              <a:t>param</a:t>
-            </a:r>
-            <a:r>
-              <a:rPr lang="en-GB" dirty="0"/>
-              <a:t> name="left"&gt;First source vector.&lt;/</a:t>
-            </a:r>
-            <a:r>
-              <a:rPr lang="en-GB" dirty="0" err="1"/>
-              <a:t>param</a:t>
-            </a:r>
-            <a:r>
-              <a:rPr lang="en-GB" dirty="0"/>
-              <a:t>&gt;</a:t>
-            </a:r>
-          </a:p>
-          <a:p>
-            <a:pPr>
-              <a:buNone/>
-            </a:pPr>
-            <a:r>
-              <a:rPr lang="en-GB" dirty="0"/>
-              <a:t>/// &lt;</a:t>
-            </a:r>
-            <a:r>
-              <a:rPr lang="en-GB" dirty="0" err="1"/>
-              <a:t>param</a:t>
-            </a:r>
-            <a:r>
-              <a:rPr lang="en-GB" dirty="0"/>
-              <a:t> name="right"&gt;Second source vector.&lt;/</a:t>
-            </a:r>
-            <a:r>
-              <a:rPr lang="en-GB" dirty="0" err="1"/>
-              <a:t>param</a:t>
-            </a:r>
-            <a:r>
-              <a:rPr lang="en-GB" dirty="0"/>
-              <a:t>&gt;</a:t>
-            </a:r>
-          </a:p>
-          <a:p>
-            <a:pPr>
-              <a:buNone/>
-            </a:pPr>
-            <a:r>
-              <a:rPr lang="en-GB" dirty="0"/>
-              <a:t>/// &lt;returns&gt;The dot product of the two vectors.&lt;/</a:t>
-            </a:r>
-            <a:r>
-              <a:rPr lang="en-GB" dirty="0" smtClean="0"/>
-              <a:t>returns&gt;</a:t>
-            </a:r>
-          </a:p>
-          <a:p>
-            <a:pPr>
-              <a:buNone/>
-            </a:pPr>
-            <a:r>
-              <a:rPr lang="en-GB" dirty="0" smtClean="0"/>
-              <a:t>public </a:t>
-            </a:r>
-            <a:r>
-              <a:rPr lang="en-GB" dirty="0"/>
-              <a:t>static </a:t>
-            </a:r>
-            <a:r>
-              <a:rPr lang="en-GB" dirty="0" smtClean="0"/>
-              <a:t>float Dot&lt;</a:t>
-            </a:r>
-            <a:r>
-              <a:rPr lang="en-GB" dirty="0" err="1" smtClean="0"/>
-              <a:t>int</a:t>
-            </a:r>
-            <a:r>
-              <a:rPr lang="en-GB" dirty="0" smtClean="0"/>
-              <a:t> n&gt;(Vector&lt;n&gt; </a:t>
-            </a:r>
-            <a:r>
-              <a:rPr lang="en-GB" dirty="0"/>
-              <a:t>left, </a:t>
-            </a:r>
-            <a:r>
-              <a:rPr lang="en-GB" dirty="0" smtClean="0"/>
-              <a:t>Vector&lt;n&gt; </a:t>
-            </a:r>
-            <a:r>
-              <a:rPr lang="en-GB" dirty="0"/>
-              <a:t>right)</a:t>
-            </a:r>
-          </a:p>
-          <a:p>
-            <a:pPr>
-              <a:buNone/>
-            </a:pPr>
-            <a:r>
-              <a:rPr lang="en-GB" dirty="0"/>
-              <a:t>{</a:t>
-            </a:r>
-          </a:p>
-          <a:p>
-            <a:pPr lvl="1">
-              <a:buNone/>
-            </a:pPr>
-            <a:r>
-              <a:rPr lang="en-GB" dirty="0" err="1" smtClean="0"/>
-              <a:t>var</a:t>
-            </a:r>
-            <a:r>
-              <a:rPr lang="en-GB" dirty="0" smtClean="0"/>
-              <a:t> result = 0;</a:t>
-            </a:r>
-          </a:p>
-          <a:p>
-            <a:pPr lvl="1">
-              <a:buNone/>
-            </a:pPr>
-            <a:r>
-              <a:rPr lang="en-GB" dirty="0" smtClean="0"/>
-              <a:t>for(</a:t>
-            </a:r>
-            <a:r>
-              <a:rPr lang="en-GB" dirty="0" err="1" smtClean="0"/>
-              <a:t>int</a:t>
-            </a:r>
-            <a:r>
-              <a:rPr lang="en-GB" dirty="0" smtClean="0"/>
-              <a:t> </a:t>
-            </a:r>
-            <a:r>
-              <a:rPr lang="en-GB" dirty="0" err="1" smtClean="0"/>
-              <a:t>i</a:t>
-            </a:r>
-            <a:r>
-              <a:rPr lang="en-GB" dirty="0" smtClean="0"/>
-              <a:t>=0; </a:t>
-            </a:r>
-            <a:r>
-              <a:rPr lang="en-GB" dirty="0" err="1" smtClean="0"/>
-              <a:t>i</a:t>
-            </a:r>
-            <a:r>
-              <a:rPr lang="en-GB" dirty="0" smtClean="0"/>
-              <a:t>&lt;n; ++</a:t>
-            </a:r>
-            <a:r>
-              <a:rPr lang="en-GB" dirty="0" err="1" smtClean="0"/>
-              <a:t>i</a:t>
-            </a:r>
-            <a:r>
-              <a:rPr lang="en-GB" dirty="0" smtClean="0"/>
-              <a:t>)</a:t>
-            </a:r>
-          </a:p>
-          <a:p>
-            <a:pPr lvl="1">
-              <a:buNone/>
-            </a:pPr>
-            <a:r>
-              <a:rPr lang="en-GB" dirty="0" smtClean="0"/>
-              <a:t>{</a:t>
-            </a:r>
-          </a:p>
-          <a:p>
-            <a:pPr lvl="1">
-              <a:buNone/>
-            </a:pPr>
-            <a:r>
-              <a:rPr lang="en-GB" dirty="0"/>
-              <a:t>	</a:t>
-            </a:r>
-            <a:r>
-              <a:rPr lang="en-GB" dirty="0" smtClean="0"/>
-              <a:t>result += left[</a:t>
-            </a:r>
-            <a:r>
-              <a:rPr lang="en-GB" dirty="0" err="1" smtClean="0"/>
-              <a:t>i</a:t>
-            </a:r>
-            <a:r>
-              <a:rPr lang="en-GB" dirty="0" smtClean="0"/>
-              <a:t>] * right[</a:t>
-            </a:r>
-            <a:r>
-              <a:rPr lang="en-GB" dirty="0" err="1" smtClean="0"/>
-              <a:t>i</a:t>
-            </a:r>
-            <a:r>
-              <a:rPr lang="en-GB" dirty="0" smtClean="0"/>
-              <a:t>];</a:t>
-            </a:r>
-          </a:p>
-          <a:p>
-            <a:pPr lvl="1">
-              <a:buNone/>
-            </a:pPr>
-            <a:r>
-              <a:rPr lang="en-GB" dirty="0" smtClean="0"/>
-              <a:t>}</a:t>
-            </a:r>
-          </a:p>
-          <a:p>
-            <a:pPr lvl="1">
-              <a:buNone/>
-            </a:pPr>
-            <a:r>
-              <a:rPr lang="en-GB" dirty="0" smtClean="0"/>
-              <a:t>return result;</a:t>
+          <a:bodyPr/>
+          <a:lstStyle/>
+          <a:p>
+            <a:r>
+              <a:rPr lang="en-GB" dirty="0" smtClean="0"/>
+              <a:t>C++ templates</a:t>
+            </a:r>
+          </a:p>
+          <a:p>
+            <a:r>
+              <a:rPr lang="en-GB" dirty="0" smtClean="0"/>
+              <a:t>F</a:t>
+            </a:r>
+            <a:r>
+              <a:rPr lang="en-GB" dirty="0" smtClean="0"/>
+              <a:t># units of </a:t>
+            </a:r>
+            <a:r>
+              <a:rPr lang="en-GB" dirty="0" smtClean="0"/>
+              <a:t>measure</a:t>
             </a:r>
             <a:endParaRPr lang="en-GB" dirty="0"/>
-          </a:p>
-          <a:p>
-            <a:pPr>
-              <a:buNone/>
-            </a:pPr>
-            <a:r>
-              <a:rPr lang="en-GB" dirty="0"/>
-              <a:t>}</a:t>
-            </a:r>
           </a:p>
         </p:txBody>
       </p:sp>
@@ -4802,12 +7185,18 @@
         </p:nvSpPr>
         <p:spPr/>
         <p:txBody>
-          <a:bodyPr/>
-          <a:lstStyle/>
-          <a:p>
-            <a:r>
-              <a:rPr lang="en-GB" dirty="0" smtClean="0"/>
-              <a:t>Client code</a:t>
+          <a:bodyPr>
+            <a:normAutofit/>
+          </a:bodyPr>
+          <a:lstStyle/>
+          <a:p>
+            <a:r>
+              <a:rPr lang="en-GB" dirty="0" smtClean="0"/>
+              <a:t>F# units of </a:t>
+            </a:r>
+            <a:r>
+              <a:rPr lang="en-GB" dirty="0" smtClean="0"/>
+              <a:t>measure</a:t>
             </a:r>
             <a:endParaRPr lang="en-GB" dirty="0"/>
           </a:p>
@@ -4825,120 +7214,126 @@
         </p:nvSpPr>
         <p:spPr/>
         <p:txBody>
-          <a:bodyPr>
-            <a:normAutofit lnSpcReduction="10000"/>
-          </a:bodyPr>
-          <a:lstStyle/>
-          <a:p>
-            <a:r>
-              <a:rPr lang="en-GB" dirty="0" smtClean="0"/>
-              <a:t>Either way client code looks similar</a:t>
-            </a:r>
-          </a:p>
-          <a:p>
-            <a:pPr>
-              <a:buNone/>
-            </a:pPr>
-            <a:r>
-              <a:rPr lang="en-GB" dirty="0" err="1" smtClean="0"/>
-              <a:t>var</a:t>
-            </a:r>
-            <a:r>
-              <a:rPr lang="en-GB" dirty="0" smtClean="0"/>
-              <a:t> a = new Vector3(0, 1, 2);</a:t>
-            </a:r>
-          </a:p>
-          <a:p>
-            <a:pPr>
-              <a:buNone/>
-            </a:pPr>
-            <a:r>
-              <a:rPr lang="en-GB" dirty="0" err="1" smtClean="0"/>
-              <a:t>var</a:t>
-            </a:r>
-            <a:r>
-              <a:rPr lang="en-GB" dirty="0" smtClean="0"/>
-              <a:t> b = new Vector3(3, 4, 5);</a:t>
-            </a:r>
-          </a:p>
-          <a:p>
-            <a:pPr>
-              <a:buNone/>
-            </a:pPr>
-            <a:r>
-              <a:rPr lang="en-GB" dirty="0" err="1" smtClean="0"/>
-              <a:t>var</a:t>
-            </a:r>
-            <a:r>
-              <a:rPr lang="en-GB" dirty="0" smtClean="0"/>
-              <a:t> dot = </a:t>
-            </a:r>
-            <a:r>
-              <a:rPr lang="en-GB" dirty="0" err="1" smtClean="0"/>
-              <a:t>Vector.Dot</a:t>
-            </a:r>
-            <a:r>
-              <a:rPr lang="en-GB" dirty="0" smtClean="0"/>
-              <a:t>(a, b);</a:t>
-            </a:r>
-          </a:p>
-          <a:p>
-            <a:pPr>
-              <a:buNone/>
-            </a:pPr>
-            <a:endParaRPr lang="en-GB" dirty="0"/>
-          </a:p>
-          <a:p>
-            <a:pPr>
-              <a:buNone/>
-            </a:pPr>
-            <a:r>
-              <a:rPr lang="en-GB" dirty="0" err="1" smtClean="0"/>
-              <a:t>var</a:t>
-            </a:r>
-            <a:r>
-              <a:rPr lang="en-GB" dirty="0" smtClean="0"/>
-              <a:t> a = new Vector&lt;3&gt;(0, 1, 2);</a:t>
-            </a:r>
-          </a:p>
-          <a:p>
-            <a:pPr>
-              <a:buNone/>
-            </a:pPr>
-            <a:r>
-              <a:rPr lang="en-GB" dirty="0" err="1" smtClean="0"/>
-              <a:t>var</a:t>
-            </a:r>
-            <a:r>
-              <a:rPr lang="en-GB" dirty="0" smtClean="0"/>
-              <a:t> b = new Vector&lt;3&gt;(3, 4, 5);</a:t>
-            </a:r>
-          </a:p>
-          <a:p>
-            <a:pPr>
-              <a:buNone/>
-            </a:pPr>
-            <a:r>
-              <a:rPr lang="en-GB" dirty="0" err="1" smtClean="0"/>
-              <a:t>var</a:t>
-            </a:r>
-            <a:r>
-              <a:rPr lang="en-GB" dirty="0" smtClean="0"/>
-              <a:t> dot = </a:t>
-            </a:r>
-            <a:r>
-              <a:rPr lang="en-GB" dirty="0" err="1" smtClean="0"/>
-              <a:t>Vector.Dot</a:t>
-            </a:r>
-            <a:r>
-              <a:rPr lang="en-GB" dirty="0" smtClean="0"/>
-              <a:t>(a, b);</a:t>
-            </a:r>
-          </a:p>
-          <a:p>
-            <a:pPr>
-              <a:buNone/>
-            </a:pPr>
+          <a:bodyPr/>
+          <a:lstStyle/>
+          <a:p>
+            <a:pPr>
+              <a:buNone/>
+            </a:pPr>
+            <a:r>
+              <a:rPr lang="en-GB" dirty="0" smtClean="0"/>
+              <a:t>let </a:t>
+            </a:r>
+            <a:r>
+              <a:rPr lang="en-GB" dirty="0" smtClean="0"/>
+              <a:t>speed = </a:t>
+            </a:r>
+            <a:r>
+              <a:rPr lang="en-GB" dirty="0" smtClean="0"/>
+              <a:t>55.0&lt;meter/second</a:t>
+            </a:r>
+            <a:r>
+              <a:rPr lang="en-GB" dirty="0" smtClean="0"/>
+              <a:t>&gt;</a:t>
+            </a:r>
+          </a:p>
+          <a:p>
+            <a:pPr>
+              <a:buNone/>
+            </a:pPr>
+            <a:r>
+              <a:rPr lang="en-GB" dirty="0" smtClean="0"/>
+              <a:t>let </a:t>
+            </a:r>
+            <a:r>
+              <a:rPr lang="en-GB" dirty="0" smtClean="0"/>
+              <a:t>time = </a:t>
+            </a:r>
+            <a:r>
+              <a:rPr lang="en-GB" dirty="0" smtClean="0"/>
+              <a:t>3.5&lt;second</a:t>
+            </a:r>
+            <a:r>
+              <a:rPr lang="en-GB" dirty="0" smtClean="0"/>
+              <a:t>&gt;</a:t>
+            </a:r>
+          </a:p>
+          <a:p>
+            <a:pPr>
+              <a:buNone/>
+            </a:pPr>
+            <a:r>
+              <a:rPr lang="en-GB" dirty="0" smtClean="0"/>
+              <a:t>let distance </a:t>
+            </a:r>
+            <a:r>
+              <a:rPr lang="en-GB" dirty="0" smtClean="0"/>
+              <a:t>= </a:t>
+            </a:r>
+            <a:r>
+              <a:rPr lang="en-GB" dirty="0" smtClean="0"/>
+              <a:t>speed *  time;</a:t>
+            </a:r>
+            <a:endParaRPr lang="en-GB" dirty="0" smtClean="0"/>
+          </a:p>
+          <a:p>
+            <a:pPr>
+              <a:buNone/>
+            </a:pPr>
+            <a:r>
+              <a:rPr lang="en-GB" dirty="0" smtClean="0"/>
+              <a:t>speed : </a:t>
+            </a:r>
+            <a:r>
+              <a:rPr lang="en-GB" dirty="0" smtClean="0"/>
+              <a:t>float&lt;meter/second</a:t>
+            </a:r>
+            <a:r>
+              <a:rPr lang="en-GB" dirty="0" smtClean="0"/>
+              <a:t>&gt;</a:t>
+            </a:r>
+          </a:p>
+          <a:p>
+            <a:pPr>
+              <a:buNone/>
+            </a:pPr>
+            <a:r>
+              <a:rPr lang="en-GB" dirty="0" smtClean="0"/>
+              <a:t>time : </a:t>
+            </a:r>
+            <a:r>
+              <a:rPr lang="en-GB" dirty="0" smtClean="0"/>
+              <a:t>float&lt;second</a:t>
+            </a:r>
+            <a:r>
+              <a:rPr lang="en-GB" dirty="0" smtClean="0"/>
+              <a:t>&gt;</a:t>
+            </a:r>
+          </a:p>
+          <a:p>
+            <a:pPr>
+              <a:buNone/>
+            </a:pPr>
+            <a:r>
+              <a:rPr lang="en-GB" dirty="0" smtClean="0"/>
+              <a:t>distance</a:t>
+            </a:r>
+            <a:r>
+              <a:rPr lang="en-GB" dirty="0" smtClean="0"/>
+              <a:t> </a:t>
+            </a:r>
+            <a:r>
+              <a:rPr lang="en-GB" dirty="0" smtClean="0"/>
+              <a:t>: </a:t>
+            </a:r>
+            <a:r>
+              <a:rPr lang="en-GB" dirty="0" smtClean="0"/>
+              <a:t>float&lt;meter</a:t>
+            </a:r>
+            <a:r>
+              <a:rPr lang="en-GB" dirty="0" smtClean="0"/>
+              <a:t>&gt;</a:t>
+            </a:r>
             <a:endParaRPr lang="en-GB" dirty="0"/>
           </a:p>
         </p:txBody>
@@ -5008,31 +7403,27 @@
           <a:p>
             <a:r>
               <a:rPr lang="en-GB" dirty="0" smtClean="0"/>
-              <a:t>F# units of measure</a:t>
-            </a:r>
-          </a:p>
-          <a:p>
-            <a:r>
-              <a:rPr lang="en-GB" dirty="0" smtClean="0"/>
-              <a:t>Path dependent types</a:t>
-            </a:r>
-          </a:p>
-          <a:p>
-            <a:r>
-              <a:rPr lang="en-GB" dirty="0" smtClean="0"/>
-              <a:t>Virtual types</a:t>
-            </a:r>
-          </a:p>
-          <a:p>
-            <a:r>
-              <a:rPr lang="en-GB" dirty="0" smtClean="0"/>
-              <a:t>First class types</a:t>
-            </a:r>
-          </a:p>
-          <a:p>
-            <a:r>
-              <a:rPr lang="en-GB" dirty="0" smtClean="0"/>
-              <a:t>Generalized Algebraic Data Types</a:t>
+              <a:t>C++ templates</a:t>
+            </a:r>
+          </a:p>
+          <a:p>
+            <a:r>
+              <a:rPr lang="en-GB" dirty="0" smtClean="0"/>
+              <a:t>F</a:t>
+            </a:r>
+            <a:r>
+              <a:rPr lang="en-GB" dirty="0" smtClean="0"/>
+              <a:t># units of measure</a:t>
+            </a:r>
+          </a:p>
+          <a:p>
+            <a:r>
+              <a:rPr lang="en-GB" dirty="0" smtClean="0"/>
+              <a:t>Path dependent </a:t>
+            </a:r>
+            <a:r>
+              <a:rPr lang="en-GB" dirty="0" smtClean="0"/>
+              <a:t>types</a:t>
             </a:r>
             <a:endParaRPr lang="en-GB" dirty="0"/>
           </a:p>

--- a/draftPresenation.pptx
+++ b/draftPresenation.pptx
@@ -45,6 +45,7 @@
     <p:sldId id="295" r:id="rId39"/>
     <p:sldId id="293" r:id="rId40"/>
     <p:sldId id="296" r:id="rId41"/>
+    <p:sldId id="297" r:id="rId42"/>
   </p:sldIdLst>
   <p:sldSz cx="9145588" cy="6858000"/>
   <p:notesSz cx="6858000" cy="9144000"/>
@@ -13368,6 +13369,1008 @@
 </p:sld>
 </file>
 
+<file path=ppt/slides/slide41.xml><?xml version="1.0" encoding="utf-8"?>
+<p:sld xmlns:a="http://schemas.openxmlformats.org/drawingml/2006/main" xmlns:r="http://schemas.openxmlformats.org/officeDocument/2006/relationships" xmlns:p="http://schemas.openxmlformats.org/presentationml/2006/main">
+  <p:cSld>
+    <p:spTree>
+      <p:nvGrpSpPr>
+        <p:cNvPr id="1" name=""/>
+        <p:cNvGrpSpPr/>
+        <p:nvPr/>
+      </p:nvGrpSpPr>
+      <p:grpSpPr>
+        <a:xfrm>
+          <a:off x="0" y="0"/>
+          <a:ext cx="0" cy="0"/>
+          <a:chOff x="0" y="0"/>
+          <a:chExt cx="0" cy="0"/>
+        </a:xfrm>
+      </p:grpSpPr>
+      <p:sp>
+        <p:nvSpPr>
+          <p:cNvPr id="2" name="Title 1"/>
+          <p:cNvSpPr>
+            <a:spLocks noGrp="1"/>
+          </p:cNvSpPr>
+          <p:nvPr>
+            <p:ph type="title"/>
+          </p:nvPr>
+        </p:nvSpPr>
+        <p:spPr/>
+        <p:txBody>
+          <a:bodyPr/>
+          <a:lstStyle/>
+          <a:p>
+            <a:r>
+              <a:rPr lang="en-GB" dirty="0" smtClean="0"/>
+              <a:t>Variable runtime size</a:t>
+            </a:r>
+            <a:endParaRPr lang="en-GB" dirty="0"/>
+          </a:p>
+        </p:txBody>
+      </p:sp>
+      <p:sp>
+        <p:nvSpPr>
+          <p:cNvPr id="3" name="Content Placeholder 2"/>
+          <p:cNvSpPr>
+            <a:spLocks noGrp="1"/>
+          </p:cNvSpPr>
+          <p:nvPr>
+            <p:ph idx="1"/>
+          </p:nvPr>
+        </p:nvSpPr>
+        <p:spPr>
+          <a:xfrm>
+            <a:off x="0" y="1600201"/>
+            <a:ext cx="9145588" cy="5257799"/>
+          </a:xfrm>
+        </p:spPr>
+        <p:txBody>
+          <a:bodyPr>
+            <a:noAutofit/>
+          </a:bodyPr>
+          <a:lstStyle/>
+          <a:p>
+            <a:pPr>
+              <a:buNone/>
+            </a:pPr>
+            <a:r>
+              <a:rPr lang="en-GB" sz="1400" dirty="0" smtClean="0">
+                <a:solidFill>
+                  <a:srgbClr val="0000FF"/>
+                </a:solidFill>
+                <a:latin typeface="Consolas" pitchFamily="49" charset="0"/>
+                <a:cs typeface="Consolas" pitchFamily="49" charset="0"/>
+              </a:rPr>
+              <a:t>.class sequential </a:t>
+            </a:r>
+            <a:r>
+              <a:rPr lang="en-GB" sz="1400" dirty="0" err="1" smtClean="0">
+                <a:solidFill>
+                  <a:srgbClr val="0000FF"/>
+                </a:solidFill>
+                <a:latin typeface="Consolas" pitchFamily="49" charset="0"/>
+                <a:cs typeface="Consolas" pitchFamily="49" charset="0"/>
+              </a:rPr>
+              <a:t>ansi</a:t>
+            </a:r>
+            <a:r>
+              <a:rPr lang="en-GB" sz="1400" dirty="0" smtClean="0">
+                <a:solidFill>
+                  <a:srgbClr val="0000FF"/>
+                </a:solidFill>
+                <a:latin typeface="Consolas" pitchFamily="49" charset="0"/>
+                <a:cs typeface="Consolas" pitchFamily="49" charset="0"/>
+              </a:rPr>
+              <a:t> sealed nested public </a:t>
+            </a:r>
+            <a:r>
+              <a:rPr lang="en-GB" sz="1400" dirty="0" err="1" smtClean="0">
+                <a:solidFill>
+                  <a:srgbClr val="0000FF"/>
+                </a:solidFill>
+                <a:latin typeface="Consolas" pitchFamily="49" charset="0"/>
+                <a:cs typeface="Consolas" pitchFamily="49" charset="0"/>
+              </a:rPr>
+              <a:t>beforefieldinit</a:t>
+            </a:r>
+            <a:r>
+              <a:rPr lang="en-GB" sz="1400" dirty="0" smtClean="0">
+                <a:latin typeface="Consolas" pitchFamily="49" charset="0"/>
+                <a:cs typeface="Consolas" pitchFamily="49" charset="0"/>
+              </a:rPr>
+              <a:t> </a:t>
+            </a:r>
+            <a:r>
+              <a:rPr lang="en-GB" sz="1400" dirty="0" smtClean="0">
+                <a:solidFill>
+                  <a:srgbClr val="2B91AF"/>
+                </a:solidFill>
+                <a:latin typeface="Consolas" pitchFamily="49" charset="0"/>
+                <a:cs typeface="Consolas" pitchFamily="49" charset="0"/>
+              </a:rPr>
+              <a:t>Vector3</a:t>
+            </a:r>
+          </a:p>
+          <a:p>
+            <a:pPr>
+              <a:buNone/>
+            </a:pPr>
+            <a:r>
+              <a:rPr lang="en-GB" sz="1400" dirty="0" smtClean="0">
+                <a:solidFill>
+                  <a:srgbClr val="0000FF"/>
+                </a:solidFill>
+                <a:latin typeface="Consolas" pitchFamily="49" charset="0"/>
+                <a:cs typeface="Consolas" pitchFamily="49" charset="0"/>
+              </a:rPr>
+              <a:t>	extends</a:t>
+            </a:r>
+            <a:r>
+              <a:rPr lang="en-GB" sz="1400" dirty="0" smtClean="0">
+                <a:latin typeface="Consolas" pitchFamily="49" charset="0"/>
+                <a:cs typeface="Consolas" pitchFamily="49" charset="0"/>
+              </a:rPr>
+              <a:t> </a:t>
+            </a:r>
+            <a:r>
+              <a:rPr lang="en-GB" sz="1400" dirty="0" smtClean="0">
+                <a:latin typeface="Consolas" pitchFamily="49" charset="0"/>
+                <a:cs typeface="Consolas" pitchFamily="49" charset="0"/>
+              </a:rPr>
+              <a:t>[</a:t>
+            </a:r>
+            <a:r>
+              <a:rPr lang="en-GB" sz="1400" dirty="0" err="1" smtClean="0">
+                <a:latin typeface="Consolas" pitchFamily="49" charset="0"/>
+                <a:cs typeface="Consolas" pitchFamily="49" charset="0"/>
+              </a:rPr>
+              <a:t>mscorlib</a:t>
+            </a:r>
+            <a:r>
+              <a:rPr lang="en-GB" sz="1400" dirty="0" smtClean="0">
+                <a:latin typeface="Consolas" pitchFamily="49" charset="0"/>
+                <a:cs typeface="Consolas" pitchFamily="49" charset="0"/>
+              </a:rPr>
+              <a:t>]</a:t>
+            </a:r>
+            <a:r>
+              <a:rPr lang="en-GB" sz="1400" dirty="0" err="1" smtClean="0">
+                <a:solidFill>
+                  <a:srgbClr val="2B91AF"/>
+                </a:solidFill>
+                <a:latin typeface="Consolas" pitchFamily="49" charset="0"/>
+                <a:cs typeface="Consolas" pitchFamily="49" charset="0"/>
+              </a:rPr>
+              <a:t>ValueType</a:t>
+            </a:r>
+            <a:endParaRPr lang="en-GB" sz="1400" dirty="0" smtClean="0">
+              <a:solidFill>
+                <a:srgbClr val="2B91AF"/>
+              </a:solidFill>
+              <a:latin typeface="Consolas" pitchFamily="49" charset="0"/>
+              <a:cs typeface="Consolas" pitchFamily="49" charset="0"/>
+            </a:endParaRPr>
+          </a:p>
+          <a:p>
+            <a:pPr>
+              <a:buNone/>
+            </a:pPr>
+            <a:r>
+              <a:rPr lang="en-GB" sz="1400" dirty="0" smtClean="0">
+                <a:latin typeface="Consolas" pitchFamily="49" charset="0"/>
+                <a:cs typeface="Consolas" pitchFamily="49" charset="0"/>
+              </a:rPr>
+              <a:t>{</a:t>
+            </a:r>
+          </a:p>
+          <a:p>
+            <a:pPr>
+              <a:buNone/>
+            </a:pPr>
+            <a:r>
+              <a:rPr lang="en-GB" sz="1400" dirty="0" smtClean="0">
+                <a:solidFill>
+                  <a:srgbClr val="0000FF"/>
+                </a:solidFill>
+                <a:latin typeface="Consolas" pitchFamily="49" charset="0"/>
+                <a:cs typeface="Consolas" pitchFamily="49" charset="0"/>
+              </a:rPr>
+              <a:t>	.</a:t>
+            </a:r>
+            <a:r>
+              <a:rPr lang="en-GB" sz="1400" dirty="0" smtClean="0">
+                <a:solidFill>
+                  <a:srgbClr val="0000FF"/>
+                </a:solidFill>
+                <a:latin typeface="Consolas" pitchFamily="49" charset="0"/>
+                <a:cs typeface="Consolas" pitchFamily="49" charset="0"/>
+              </a:rPr>
+              <a:t>field public </a:t>
+            </a:r>
+            <a:r>
+              <a:rPr lang="en-GB" sz="1400" dirty="0" err="1" smtClean="0">
+                <a:solidFill>
+                  <a:srgbClr val="0000FF"/>
+                </a:solidFill>
+                <a:latin typeface="Consolas" pitchFamily="49" charset="0"/>
+                <a:cs typeface="Consolas" pitchFamily="49" charset="0"/>
+              </a:rPr>
+              <a:t>valuetype</a:t>
+            </a:r>
+            <a:r>
+              <a:rPr lang="en-GB" sz="1400" dirty="0" smtClean="0">
+                <a:solidFill>
+                  <a:srgbClr val="0000FF"/>
+                </a:solidFill>
+                <a:latin typeface="Consolas" pitchFamily="49" charset="0"/>
+                <a:cs typeface="Consolas" pitchFamily="49" charset="0"/>
+              </a:rPr>
+              <a:t> </a:t>
+            </a:r>
+            <a:r>
+              <a:rPr lang="en-GB" sz="1400" dirty="0" smtClean="0">
+                <a:solidFill>
+                  <a:srgbClr val="2B91AF"/>
+                </a:solidFill>
+                <a:latin typeface="Consolas" pitchFamily="49" charset="0"/>
+                <a:cs typeface="Consolas" pitchFamily="49" charset="0"/>
+              </a:rPr>
+              <a:t>Vector3</a:t>
+            </a:r>
+            <a:r>
+              <a:rPr lang="en-GB" sz="1400" dirty="0" smtClean="0">
+                <a:solidFill>
+                  <a:srgbClr val="2B91AF"/>
+                </a:solidFill>
+                <a:latin typeface="Consolas" pitchFamily="49" charset="0"/>
+                <a:cs typeface="Consolas" pitchFamily="49" charset="0"/>
+              </a:rPr>
+              <a:t>/&lt;Values&gt;e__FixedBuffer0 </a:t>
+            </a:r>
+            <a:r>
+              <a:rPr lang="en-GB" sz="1400" dirty="0" smtClean="0">
+                <a:latin typeface="Consolas" pitchFamily="49" charset="0"/>
+                <a:cs typeface="Consolas" pitchFamily="49" charset="0"/>
+              </a:rPr>
+              <a:t>Values</a:t>
+            </a:r>
+          </a:p>
+          <a:p>
+            <a:pPr>
+              <a:buNone/>
+            </a:pPr>
+            <a:r>
+              <a:rPr lang="en-GB" sz="1400" dirty="0" smtClean="0">
+                <a:latin typeface="Consolas" pitchFamily="49" charset="0"/>
+                <a:cs typeface="Consolas" pitchFamily="49" charset="0"/>
+              </a:rPr>
+              <a:t>	{</a:t>
+            </a:r>
+            <a:endParaRPr lang="en-GB" sz="1400" dirty="0" smtClean="0">
+              <a:latin typeface="Consolas" pitchFamily="49" charset="0"/>
+              <a:cs typeface="Consolas" pitchFamily="49" charset="0"/>
+            </a:endParaRPr>
+          </a:p>
+          <a:p>
+            <a:pPr>
+              <a:buNone/>
+            </a:pPr>
+            <a:r>
+              <a:rPr lang="en-GB" sz="1400" dirty="0" smtClean="0">
+                <a:solidFill>
+                  <a:srgbClr val="0000FF"/>
+                </a:solidFill>
+                <a:latin typeface="Consolas" pitchFamily="49" charset="0"/>
+                <a:cs typeface="Consolas" pitchFamily="49" charset="0"/>
+              </a:rPr>
+              <a:t>		.</a:t>
+            </a:r>
+            <a:r>
+              <a:rPr lang="en-GB" sz="1400" dirty="0" smtClean="0">
+                <a:solidFill>
+                  <a:srgbClr val="0000FF"/>
+                </a:solidFill>
+                <a:latin typeface="Consolas" pitchFamily="49" charset="0"/>
+                <a:cs typeface="Consolas" pitchFamily="49" charset="0"/>
+              </a:rPr>
+              <a:t>custom instance </a:t>
+            </a:r>
+            <a:r>
+              <a:rPr lang="en-GB" sz="1400" dirty="0" smtClean="0">
+                <a:solidFill>
+                  <a:srgbClr val="0000FF"/>
+                </a:solidFill>
+                <a:latin typeface="Consolas" pitchFamily="49" charset="0"/>
+                <a:cs typeface="Consolas" pitchFamily="49" charset="0"/>
+              </a:rPr>
+              <a:t>void</a:t>
+            </a:r>
+          </a:p>
+          <a:p>
+            <a:pPr>
+              <a:buNone/>
+            </a:pPr>
+            <a:r>
+              <a:rPr lang="en-GB" sz="1400" dirty="0" smtClean="0">
+                <a:solidFill>
+                  <a:srgbClr val="0000FF"/>
+                </a:solidFill>
+                <a:latin typeface="Consolas" pitchFamily="49" charset="0"/>
+                <a:cs typeface="Consolas" pitchFamily="49" charset="0"/>
+              </a:rPr>
+              <a:t>	</a:t>
+            </a:r>
+            <a:r>
+              <a:rPr lang="en-GB" sz="1400" dirty="0" smtClean="0">
+                <a:solidFill>
+                  <a:srgbClr val="0000FF"/>
+                </a:solidFill>
+                <a:latin typeface="Consolas" pitchFamily="49" charset="0"/>
+                <a:cs typeface="Consolas" pitchFamily="49" charset="0"/>
+              </a:rPr>
+              <a:t>		</a:t>
+            </a:r>
+            <a:r>
+              <a:rPr lang="en-GB" sz="1400" dirty="0" smtClean="0">
+                <a:latin typeface="Consolas" pitchFamily="49" charset="0"/>
+                <a:cs typeface="Consolas" pitchFamily="49" charset="0"/>
+              </a:rPr>
+              <a:t>[</a:t>
+            </a:r>
+            <a:r>
+              <a:rPr lang="en-GB" sz="1400" dirty="0" err="1" smtClean="0">
+                <a:latin typeface="Consolas" pitchFamily="49" charset="0"/>
+                <a:cs typeface="Consolas" pitchFamily="49" charset="0"/>
+              </a:rPr>
+              <a:t>mscorlib</a:t>
+            </a:r>
+            <a:r>
+              <a:rPr lang="en-GB" sz="1400" dirty="0" smtClean="0">
+                <a:latin typeface="Consolas" pitchFamily="49" charset="0"/>
+                <a:cs typeface="Consolas" pitchFamily="49" charset="0"/>
+              </a:rPr>
+              <a:t>]</a:t>
+            </a:r>
+            <a:r>
+              <a:rPr lang="en-GB" sz="1400" dirty="0" err="1" smtClean="0">
+                <a:solidFill>
+                  <a:srgbClr val="2B91AF"/>
+                </a:solidFill>
+                <a:latin typeface="Consolas" pitchFamily="49" charset="0"/>
+                <a:cs typeface="Consolas" pitchFamily="49" charset="0"/>
+              </a:rPr>
+              <a:t>FixedBufferAttribute</a:t>
+            </a:r>
+            <a:r>
+              <a:rPr lang="en-GB" sz="1400" dirty="0" smtClean="0">
+                <a:latin typeface="Consolas" pitchFamily="49" charset="0"/>
+                <a:cs typeface="Consolas" pitchFamily="49" charset="0"/>
+              </a:rPr>
+              <a:t>::.</a:t>
+            </a:r>
+            <a:r>
+              <a:rPr lang="en-GB" sz="1400" dirty="0" err="1" smtClean="0">
+                <a:latin typeface="Consolas" pitchFamily="49" charset="0"/>
+                <a:cs typeface="Consolas" pitchFamily="49" charset="0"/>
+              </a:rPr>
+              <a:t>ctor</a:t>
+            </a:r>
+            <a:r>
+              <a:rPr lang="en-GB" sz="1400" dirty="0" smtClean="0">
+                <a:latin typeface="Consolas" pitchFamily="49" charset="0"/>
+                <a:cs typeface="Consolas" pitchFamily="49" charset="0"/>
+              </a:rPr>
+              <a:t>(</a:t>
+            </a:r>
+            <a:r>
+              <a:rPr lang="en-GB" sz="1400" dirty="0" smtClean="0">
+                <a:solidFill>
+                  <a:srgbClr val="0000FF"/>
+                </a:solidFill>
+                <a:latin typeface="Consolas" pitchFamily="49" charset="0"/>
+                <a:cs typeface="Consolas" pitchFamily="49" charset="0"/>
+              </a:rPr>
+              <a:t>class</a:t>
+            </a:r>
+            <a:r>
+              <a:rPr lang="en-GB" sz="1400" dirty="0" smtClean="0">
+                <a:latin typeface="Consolas" pitchFamily="49" charset="0"/>
+                <a:cs typeface="Consolas" pitchFamily="49" charset="0"/>
+              </a:rPr>
+              <a:t> [</a:t>
+            </a:r>
+            <a:r>
+              <a:rPr lang="en-GB" sz="1400" dirty="0" err="1" smtClean="0">
+                <a:latin typeface="Consolas" pitchFamily="49" charset="0"/>
+                <a:cs typeface="Consolas" pitchFamily="49" charset="0"/>
+              </a:rPr>
+              <a:t>mscorlib</a:t>
+            </a:r>
+            <a:r>
+              <a:rPr lang="en-GB" sz="1400" dirty="0" smtClean="0">
+                <a:latin typeface="Consolas" pitchFamily="49" charset="0"/>
+                <a:cs typeface="Consolas" pitchFamily="49" charset="0"/>
+              </a:rPr>
+              <a:t>] </a:t>
+            </a:r>
+            <a:r>
+              <a:rPr lang="en-GB" sz="1400" dirty="0" smtClean="0">
+                <a:solidFill>
+                  <a:srgbClr val="2B91AF"/>
+                </a:solidFill>
+                <a:latin typeface="Consolas" pitchFamily="49" charset="0"/>
+                <a:cs typeface="Consolas" pitchFamily="49" charset="0"/>
+              </a:rPr>
+              <a:t>Type</a:t>
+            </a:r>
+            <a:r>
+              <a:rPr lang="en-GB" sz="1400" dirty="0" smtClean="0">
+                <a:latin typeface="Consolas" pitchFamily="49" charset="0"/>
+                <a:cs typeface="Consolas" pitchFamily="49" charset="0"/>
+              </a:rPr>
+              <a:t>, </a:t>
+            </a:r>
+            <a:r>
+              <a:rPr lang="en-GB" sz="1400" dirty="0" smtClean="0">
+                <a:solidFill>
+                  <a:srgbClr val="0000FF"/>
+                </a:solidFill>
+                <a:latin typeface="Consolas" pitchFamily="49" charset="0"/>
+                <a:cs typeface="Consolas" pitchFamily="49" charset="0"/>
+              </a:rPr>
+              <a:t>int32</a:t>
+            </a:r>
+            <a:r>
+              <a:rPr lang="en-GB" sz="1400" dirty="0" smtClean="0">
+                <a:latin typeface="Consolas" pitchFamily="49" charset="0"/>
+                <a:cs typeface="Consolas" pitchFamily="49" charset="0"/>
+              </a:rPr>
+              <a:t>) = </a:t>
+            </a:r>
+          </a:p>
+          <a:p>
+            <a:pPr>
+              <a:buNone/>
+            </a:pPr>
+            <a:r>
+              <a:rPr lang="en-GB" sz="1400" dirty="0" smtClean="0">
+                <a:latin typeface="Consolas" pitchFamily="49" charset="0"/>
+                <a:cs typeface="Consolas" pitchFamily="49" charset="0"/>
+              </a:rPr>
+              <a:t>		</a:t>
+            </a:r>
+            <a:r>
+              <a:rPr lang="en-GB" sz="1400" smtClean="0">
+                <a:latin typeface="Consolas" pitchFamily="49" charset="0"/>
+                <a:cs typeface="Consolas" pitchFamily="49" charset="0"/>
+              </a:rPr>
+              <a:t>		{ </a:t>
+            </a:r>
+            <a:r>
+              <a:rPr lang="en-GB" sz="1400" dirty="0" smtClean="0">
+                <a:solidFill>
+                  <a:srgbClr val="0000FF"/>
+                </a:solidFill>
+                <a:latin typeface="Consolas" pitchFamily="49" charset="0"/>
+                <a:cs typeface="Consolas" pitchFamily="49" charset="0"/>
+              </a:rPr>
+              <a:t>type</a:t>
+            </a:r>
+            <a:r>
+              <a:rPr lang="en-GB" sz="1400" dirty="0" smtClean="0">
+                <a:latin typeface="Consolas" pitchFamily="49" charset="0"/>
+                <a:cs typeface="Consolas" pitchFamily="49" charset="0"/>
+              </a:rPr>
+              <a:t>(</a:t>
+            </a:r>
+            <a:r>
+              <a:rPr lang="en-GB" sz="1400" dirty="0" smtClean="0">
+                <a:solidFill>
+                  <a:srgbClr val="0000FF"/>
+                </a:solidFill>
+                <a:latin typeface="Consolas" pitchFamily="49" charset="0"/>
+                <a:cs typeface="Consolas" pitchFamily="49" charset="0"/>
+              </a:rPr>
+              <a:t>float32</a:t>
+            </a:r>
+            <a:r>
+              <a:rPr lang="en-GB" sz="1400" dirty="0" smtClean="0">
+                <a:latin typeface="Consolas" pitchFamily="49" charset="0"/>
+                <a:cs typeface="Consolas" pitchFamily="49" charset="0"/>
+              </a:rPr>
+              <a:t>) </a:t>
+            </a:r>
+            <a:r>
+              <a:rPr lang="en-GB" sz="1400" dirty="0" smtClean="0">
+                <a:solidFill>
+                  <a:srgbClr val="0000FF"/>
+                </a:solidFill>
+                <a:latin typeface="Consolas" pitchFamily="49" charset="0"/>
+                <a:cs typeface="Consolas" pitchFamily="49" charset="0"/>
+              </a:rPr>
+              <a:t>int32</a:t>
+            </a:r>
+            <a:r>
+              <a:rPr lang="en-GB" sz="1400" dirty="0" smtClean="0">
+                <a:latin typeface="Consolas" pitchFamily="49" charset="0"/>
+                <a:cs typeface="Consolas" pitchFamily="49" charset="0"/>
+              </a:rPr>
+              <a:t>(3) }</a:t>
+            </a:r>
+          </a:p>
+          <a:p>
+            <a:pPr>
+              <a:buNone/>
+            </a:pPr>
+            <a:r>
+              <a:rPr lang="en-GB" sz="1400" dirty="0" smtClean="0">
+                <a:latin typeface="Consolas" pitchFamily="49" charset="0"/>
+                <a:cs typeface="Consolas" pitchFamily="49" charset="0"/>
+              </a:rPr>
+              <a:t>	}</a:t>
+            </a:r>
+            <a:endParaRPr lang="en-GB" sz="1400" dirty="0" smtClean="0">
+              <a:latin typeface="Consolas" pitchFamily="49" charset="0"/>
+              <a:cs typeface="Consolas" pitchFamily="49" charset="0"/>
+            </a:endParaRPr>
+          </a:p>
+          <a:p>
+            <a:pPr>
+              <a:buNone/>
+            </a:pPr>
+            <a:endParaRPr lang="en-GB" sz="1400" dirty="0" smtClean="0">
+              <a:latin typeface="Consolas" pitchFamily="49" charset="0"/>
+              <a:cs typeface="Consolas" pitchFamily="49" charset="0"/>
+            </a:endParaRPr>
+          </a:p>
+          <a:p>
+            <a:pPr>
+              <a:buNone/>
+            </a:pPr>
+            <a:r>
+              <a:rPr lang="en-GB" sz="1400" dirty="0" smtClean="0">
+                <a:solidFill>
+                  <a:srgbClr val="0000FF"/>
+                </a:solidFill>
+                <a:latin typeface="Consolas" pitchFamily="49" charset="0"/>
+                <a:cs typeface="Consolas" pitchFamily="49" charset="0"/>
+              </a:rPr>
+              <a:t>	.</a:t>
+            </a:r>
+            <a:r>
+              <a:rPr lang="en-GB" sz="1400" dirty="0" smtClean="0">
+                <a:solidFill>
+                  <a:srgbClr val="0000FF"/>
+                </a:solidFill>
+                <a:latin typeface="Consolas" pitchFamily="49" charset="0"/>
+                <a:cs typeface="Consolas" pitchFamily="49" charset="0"/>
+              </a:rPr>
+              <a:t>class sequential </a:t>
+            </a:r>
+            <a:r>
+              <a:rPr lang="en-GB" sz="1400" dirty="0" err="1" smtClean="0">
+                <a:solidFill>
+                  <a:srgbClr val="0000FF"/>
+                </a:solidFill>
+                <a:latin typeface="Consolas" pitchFamily="49" charset="0"/>
+                <a:cs typeface="Consolas" pitchFamily="49" charset="0"/>
+              </a:rPr>
+              <a:t>ansi</a:t>
+            </a:r>
+            <a:r>
+              <a:rPr lang="en-GB" sz="1400" dirty="0" smtClean="0">
+                <a:solidFill>
+                  <a:srgbClr val="0000FF"/>
+                </a:solidFill>
+                <a:latin typeface="Consolas" pitchFamily="49" charset="0"/>
+                <a:cs typeface="Consolas" pitchFamily="49" charset="0"/>
+              </a:rPr>
+              <a:t> sealed nested public </a:t>
+            </a:r>
+            <a:r>
+              <a:rPr lang="en-GB" sz="1400" dirty="0" err="1" smtClean="0">
+                <a:solidFill>
+                  <a:srgbClr val="0000FF"/>
+                </a:solidFill>
+                <a:latin typeface="Consolas" pitchFamily="49" charset="0"/>
+                <a:cs typeface="Consolas" pitchFamily="49" charset="0"/>
+              </a:rPr>
+              <a:t>beforefieldinit</a:t>
+            </a:r>
+            <a:r>
+              <a:rPr lang="en-GB" sz="1400" dirty="0" smtClean="0">
+                <a:solidFill>
+                  <a:srgbClr val="0000FF"/>
+                </a:solidFill>
+                <a:latin typeface="Consolas" pitchFamily="49" charset="0"/>
+                <a:cs typeface="Consolas" pitchFamily="49" charset="0"/>
+              </a:rPr>
+              <a:t> </a:t>
+            </a:r>
+            <a:r>
+              <a:rPr lang="en-GB" sz="1400" dirty="0" smtClean="0">
+                <a:solidFill>
+                  <a:srgbClr val="0000FF"/>
+                </a:solidFill>
+                <a:latin typeface="Consolas" pitchFamily="49" charset="0"/>
+                <a:cs typeface="Consolas" pitchFamily="49" charset="0"/>
+              </a:rPr>
+              <a:t>	</a:t>
+            </a:r>
+            <a:r>
+              <a:rPr lang="en-GB" sz="1400" dirty="0" smtClean="0">
+                <a:solidFill>
+                  <a:srgbClr val="2B91AF"/>
+                </a:solidFill>
+                <a:latin typeface="Consolas" pitchFamily="49" charset="0"/>
+                <a:cs typeface="Consolas" pitchFamily="49" charset="0"/>
+              </a:rPr>
+              <a:t>&lt;</a:t>
+            </a:r>
+            <a:r>
+              <a:rPr lang="en-GB" sz="1400" dirty="0" smtClean="0">
+                <a:solidFill>
+                  <a:srgbClr val="2B91AF"/>
+                </a:solidFill>
+                <a:latin typeface="Consolas" pitchFamily="49" charset="0"/>
+                <a:cs typeface="Consolas" pitchFamily="49" charset="0"/>
+              </a:rPr>
+              <a:t>Values&gt;e__FixedBuffer0</a:t>
+            </a:r>
+          </a:p>
+          <a:p>
+            <a:pPr>
+              <a:buNone/>
+            </a:pPr>
+            <a:r>
+              <a:rPr lang="en-GB" sz="1400" dirty="0" smtClean="0">
+                <a:solidFill>
+                  <a:srgbClr val="0000FF"/>
+                </a:solidFill>
+                <a:latin typeface="Consolas" pitchFamily="49" charset="0"/>
+                <a:cs typeface="Consolas" pitchFamily="49" charset="0"/>
+              </a:rPr>
+              <a:t>		extends</a:t>
+            </a:r>
+            <a:r>
+              <a:rPr lang="en-GB" sz="1400" dirty="0" smtClean="0">
+                <a:latin typeface="Consolas" pitchFamily="49" charset="0"/>
+                <a:cs typeface="Consolas" pitchFamily="49" charset="0"/>
+              </a:rPr>
+              <a:t> </a:t>
+            </a:r>
+            <a:r>
+              <a:rPr lang="en-GB" sz="1400" dirty="0" smtClean="0">
+                <a:latin typeface="Consolas" pitchFamily="49" charset="0"/>
+                <a:cs typeface="Consolas" pitchFamily="49" charset="0"/>
+              </a:rPr>
+              <a:t>[</a:t>
+            </a:r>
+            <a:r>
+              <a:rPr lang="en-GB" sz="1400" dirty="0" err="1" smtClean="0">
+                <a:latin typeface="Consolas" pitchFamily="49" charset="0"/>
+                <a:cs typeface="Consolas" pitchFamily="49" charset="0"/>
+              </a:rPr>
+              <a:t>mscorlib</a:t>
+            </a:r>
+            <a:r>
+              <a:rPr lang="en-GB" sz="1400" dirty="0" smtClean="0">
+                <a:latin typeface="Consolas" pitchFamily="49" charset="0"/>
+                <a:cs typeface="Consolas" pitchFamily="49" charset="0"/>
+              </a:rPr>
+              <a:t>]</a:t>
+            </a:r>
+            <a:r>
+              <a:rPr lang="en-GB" sz="1400" dirty="0" err="1" smtClean="0">
+                <a:solidFill>
+                  <a:srgbClr val="2B91AF"/>
+                </a:solidFill>
+                <a:latin typeface="Consolas" pitchFamily="49" charset="0"/>
+                <a:cs typeface="Consolas" pitchFamily="49" charset="0"/>
+              </a:rPr>
+              <a:t>ValueType</a:t>
+            </a:r>
+            <a:endParaRPr lang="en-GB" sz="1400" dirty="0" smtClean="0">
+              <a:solidFill>
+                <a:srgbClr val="2B91AF"/>
+              </a:solidFill>
+              <a:latin typeface="Consolas" pitchFamily="49" charset="0"/>
+              <a:cs typeface="Consolas" pitchFamily="49" charset="0"/>
+            </a:endParaRPr>
+          </a:p>
+          <a:p>
+            <a:pPr>
+              <a:buNone/>
+            </a:pPr>
+            <a:r>
+              <a:rPr lang="en-GB" sz="1400" dirty="0" smtClean="0">
+                <a:latin typeface="Consolas" pitchFamily="49" charset="0"/>
+                <a:cs typeface="Consolas" pitchFamily="49" charset="0"/>
+              </a:rPr>
+              <a:t>	{</a:t>
+            </a:r>
+          </a:p>
+          <a:p>
+            <a:pPr>
+              <a:buNone/>
+            </a:pPr>
+            <a:r>
+              <a:rPr lang="en-GB" sz="1400" dirty="0" smtClean="0">
+                <a:solidFill>
+                  <a:srgbClr val="0000FF"/>
+                </a:solidFill>
+                <a:latin typeface="Consolas" pitchFamily="49" charset="0"/>
+                <a:cs typeface="Consolas" pitchFamily="49" charset="0"/>
+              </a:rPr>
+              <a:t>		.</a:t>
+            </a:r>
+            <a:r>
+              <a:rPr lang="en-GB" sz="1400" dirty="0" smtClean="0">
+                <a:solidFill>
+                  <a:srgbClr val="0000FF"/>
+                </a:solidFill>
+                <a:latin typeface="Consolas" pitchFamily="49" charset="0"/>
+                <a:cs typeface="Consolas" pitchFamily="49" charset="0"/>
+              </a:rPr>
+              <a:t>custom instance </a:t>
+            </a:r>
+            <a:r>
+              <a:rPr lang="en-GB" sz="1400" dirty="0" smtClean="0">
+                <a:solidFill>
+                  <a:srgbClr val="0000FF"/>
+                </a:solidFill>
+                <a:latin typeface="Consolas" pitchFamily="49" charset="0"/>
+                <a:cs typeface="Consolas" pitchFamily="49" charset="0"/>
+              </a:rPr>
+              <a:t>void </a:t>
+            </a:r>
+            <a:r>
+              <a:rPr lang="en-GB" sz="1400" dirty="0" smtClean="0">
+                <a:latin typeface="Consolas" pitchFamily="49" charset="0"/>
+                <a:cs typeface="Consolas" pitchFamily="49" charset="0"/>
+              </a:rPr>
+              <a:t>[</a:t>
+            </a:r>
+            <a:r>
+              <a:rPr lang="en-GB" sz="1400" dirty="0" err="1" smtClean="0">
+                <a:latin typeface="Consolas" pitchFamily="49" charset="0"/>
+                <a:cs typeface="Consolas" pitchFamily="49" charset="0"/>
+              </a:rPr>
+              <a:t>mscorlib</a:t>
+            </a:r>
+            <a:r>
+              <a:rPr lang="en-GB" sz="1400" dirty="0" smtClean="0">
+                <a:latin typeface="Consolas" pitchFamily="49" charset="0"/>
+                <a:cs typeface="Consolas" pitchFamily="49" charset="0"/>
+              </a:rPr>
+              <a:t>]</a:t>
+            </a:r>
+            <a:r>
+              <a:rPr lang="en-GB" sz="1400" dirty="0" err="1" smtClean="0">
+                <a:solidFill>
+                  <a:srgbClr val="2B91AF"/>
+                </a:solidFill>
+                <a:latin typeface="Consolas" pitchFamily="49" charset="0"/>
+                <a:cs typeface="Consolas" pitchFamily="49" charset="0"/>
+              </a:rPr>
+              <a:t>UnsafeValueTypeAttribute</a:t>
+            </a:r>
+            <a:r>
+              <a:rPr lang="en-GB" sz="1400" dirty="0" smtClean="0">
+                <a:latin typeface="Consolas" pitchFamily="49" charset="0"/>
+                <a:cs typeface="Consolas" pitchFamily="49" charset="0"/>
+              </a:rPr>
+              <a:t>::.</a:t>
+            </a:r>
+            <a:r>
+              <a:rPr lang="en-GB" sz="1400" dirty="0" err="1" smtClean="0">
+                <a:latin typeface="Consolas" pitchFamily="49" charset="0"/>
+                <a:cs typeface="Consolas" pitchFamily="49" charset="0"/>
+              </a:rPr>
+              <a:t>ctor</a:t>
+            </a:r>
+            <a:r>
+              <a:rPr lang="en-GB" sz="1400" dirty="0" smtClean="0">
+                <a:latin typeface="Consolas" pitchFamily="49" charset="0"/>
+                <a:cs typeface="Consolas" pitchFamily="49" charset="0"/>
+              </a:rPr>
+              <a:t>()</a:t>
+            </a:r>
+          </a:p>
+          <a:p>
+            <a:pPr>
+              <a:buNone/>
+            </a:pPr>
+            <a:endParaRPr lang="en-GB" sz="1400" dirty="0" smtClean="0">
+              <a:latin typeface="Consolas" pitchFamily="49" charset="0"/>
+              <a:cs typeface="Consolas" pitchFamily="49" charset="0"/>
+            </a:endParaRPr>
+          </a:p>
+          <a:p>
+            <a:pPr>
+              <a:buNone/>
+            </a:pPr>
+            <a:r>
+              <a:rPr lang="en-GB" sz="1400" dirty="0" smtClean="0">
+                <a:solidFill>
+                  <a:srgbClr val="0000FF"/>
+                </a:solidFill>
+                <a:latin typeface="Consolas" pitchFamily="49" charset="0"/>
+                <a:cs typeface="Consolas" pitchFamily="49" charset="0"/>
+              </a:rPr>
+              <a:t>		.</a:t>
+            </a:r>
+            <a:r>
+              <a:rPr lang="en-GB" sz="1400" dirty="0" smtClean="0">
+                <a:solidFill>
+                  <a:srgbClr val="0000FF"/>
+                </a:solidFill>
+                <a:latin typeface="Consolas" pitchFamily="49" charset="0"/>
+                <a:cs typeface="Consolas" pitchFamily="49" charset="0"/>
+              </a:rPr>
+              <a:t>custom instance </a:t>
+            </a:r>
+            <a:r>
+              <a:rPr lang="en-GB" sz="1400" dirty="0" smtClean="0">
+                <a:solidFill>
+                  <a:srgbClr val="0000FF"/>
+                </a:solidFill>
+                <a:latin typeface="Consolas" pitchFamily="49" charset="0"/>
+                <a:cs typeface="Consolas" pitchFamily="49" charset="0"/>
+              </a:rPr>
+              <a:t>void </a:t>
+            </a:r>
+            <a:r>
+              <a:rPr lang="en-GB" sz="1400" dirty="0" smtClean="0">
+                <a:latin typeface="Consolas" pitchFamily="49" charset="0"/>
+                <a:cs typeface="Consolas" pitchFamily="49" charset="0"/>
+              </a:rPr>
+              <a:t>[</a:t>
+            </a:r>
+            <a:r>
+              <a:rPr lang="en-GB" sz="1400" dirty="0" err="1" smtClean="0">
+                <a:latin typeface="Consolas" pitchFamily="49" charset="0"/>
+                <a:cs typeface="Consolas" pitchFamily="49" charset="0"/>
+              </a:rPr>
+              <a:t>mscorlib</a:t>
+            </a:r>
+            <a:r>
+              <a:rPr lang="en-GB" sz="1400" dirty="0" smtClean="0">
+                <a:latin typeface="Consolas" pitchFamily="49" charset="0"/>
+                <a:cs typeface="Consolas" pitchFamily="49" charset="0"/>
+              </a:rPr>
+              <a:t>]</a:t>
+            </a:r>
+            <a:r>
+              <a:rPr lang="en-GB" sz="1400" dirty="0" err="1" smtClean="0">
+                <a:solidFill>
+                  <a:srgbClr val="2B91AF"/>
+                </a:solidFill>
+                <a:latin typeface="Consolas" pitchFamily="49" charset="0"/>
+                <a:cs typeface="Consolas" pitchFamily="49" charset="0"/>
+              </a:rPr>
+              <a:t>CompilerGeneratedAttribute</a:t>
+            </a:r>
+            <a:r>
+              <a:rPr lang="en-GB" sz="1400" dirty="0" smtClean="0">
+                <a:latin typeface="Consolas" pitchFamily="49" charset="0"/>
+                <a:cs typeface="Consolas" pitchFamily="49" charset="0"/>
+              </a:rPr>
+              <a:t>::.</a:t>
+            </a:r>
+            <a:r>
+              <a:rPr lang="en-GB" sz="1400" dirty="0" err="1" smtClean="0">
+                <a:latin typeface="Consolas" pitchFamily="49" charset="0"/>
+                <a:cs typeface="Consolas" pitchFamily="49" charset="0"/>
+              </a:rPr>
+              <a:t>ctor</a:t>
+            </a:r>
+            <a:r>
+              <a:rPr lang="en-GB" sz="1400" dirty="0" smtClean="0">
+                <a:latin typeface="Consolas" pitchFamily="49" charset="0"/>
+                <a:cs typeface="Consolas" pitchFamily="49" charset="0"/>
+              </a:rPr>
+              <a:t>()</a:t>
+            </a:r>
+          </a:p>
+          <a:p>
+            <a:pPr>
+              <a:buNone/>
+            </a:pPr>
+            <a:endParaRPr lang="en-GB" sz="1400" dirty="0" smtClean="0">
+              <a:latin typeface="Consolas" pitchFamily="49" charset="0"/>
+              <a:cs typeface="Consolas" pitchFamily="49" charset="0"/>
+            </a:endParaRPr>
+          </a:p>
+          <a:p>
+            <a:pPr>
+              <a:buNone/>
+            </a:pPr>
+            <a:r>
+              <a:rPr lang="en-GB" sz="1400" dirty="0" smtClean="0">
+                <a:latin typeface="Consolas" pitchFamily="49" charset="0"/>
+                <a:cs typeface="Consolas" pitchFamily="49" charset="0"/>
+              </a:rPr>
+              <a:t>		.</a:t>
+            </a:r>
+            <a:r>
+              <a:rPr lang="en-GB" sz="1400" dirty="0" smtClean="0">
+                <a:solidFill>
+                  <a:srgbClr val="0000FF"/>
+                </a:solidFill>
+                <a:latin typeface="Consolas" pitchFamily="49" charset="0"/>
+                <a:cs typeface="Consolas" pitchFamily="49" charset="0"/>
+              </a:rPr>
+              <a:t>field public float32</a:t>
+            </a:r>
+            <a:r>
+              <a:rPr lang="en-GB" sz="1400" dirty="0" smtClean="0">
+                <a:latin typeface="Consolas" pitchFamily="49" charset="0"/>
+                <a:cs typeface="Consolas" pitchFamily="49" charset="0"/>
+              </a:rPr>
+              <a:t> </a:t>
+            </a:r>
+            <a:r>
+              <a:rPr lang="en-GB" sz="1400" dirty="0" err="1" smtClean="0">
+                <a:solidFill>
+                  <a:srgbClr val="2B91AF"/>
+                </a:solidFill>
+                <a:latin typeface="Consolas" pitchFamily="49" charset="0"/>
+                <a:cs typeface="Consolas" pitchFamily="49" charset="0"/>
+              </a:rPr>
+              <a:t>FixedElementField</a:t>
+            </a:r>
+            <a:endParaRPr lang="en-GB" sz="1400" dirty="0" smtClean="0">
+              <a:solidFill>
+                <a:srgbClr val="2B91AF"/>
+              </a:solidFill>
+              <a:latin typeface="Consolas" pitchFamily="49" charset="0"/>
+              <a:cs typeface="Consolas" pitchFamily="49" charset="0"/>
+            </a:endParaRPr>
+          </a:p>
+          <a:p>
+            <a:pPr>
+              <a:buNone/>
+            </a:pPr>
+            <a:r>
+              <a:rPr lang="en-GB" sz="1400" dirty="0" smtClean="0">
+                <a:latin typeface="Consolas" pitchFamily="49" charset="0"/>
+                <a:cs typeface="Consolas" pitchFamily="49" charset="0"/>
+              </a:rPr>
+              <a:t>	}</a:t>
+            </a:r>
+            <a:endParaRPr lang="en-GB" sz="1400" dirty="0" smtClean="0">
+              <a:latin typeface="Consolas" pitchFamily="49" charset="0"/>
+              <a:cs typeface="Consolas" pitchFamily="49" charset="0"/>
+            </a:endParaRPr>
+          </a:p>
+          <a:p>
+            <a:pPr>
+              <a:buNone/>
+            </a:pPr>
+            <a:r>
+              <a:rPr lang="en-GB" sz="1400" dirty="0" smtClean="0">
+                <a:latin typeface="Consolas" pitchFamily="49" charset="0"/>
+                <a:cs typeface="Consolas" pitchFamily="49" charset="0"/>
+              </a:rPr>
+              <a:t>}</a:t>
+            </a:r>
+            <a:endParaRPr lang="en-GB" sz="1400" dirty="0">
+              <a:latin typeface="Consolas" pitchFamily="49" charset="0"/>
+              <a:cs typeface="Consolas" pitchFamily="49" charset="0"/>
+            </a:endParaRPr>
+          </a:p>
+        </p:txBody>
+      </p:sp>
+    </p:spTree>
+  </p:cSld>
+  <p:clrMapOvr>
+    <a:masterClrMapping/>
+  </p:clrMapOvr>
+</p:sld>
+</file>
+
 <file path=ppt/slides/slide5.xml><?xml version="1.0" encoding="utf-8"?>
 <p:sld xmlns:a="http://schemas.openxmlformats.org/drawingml/2006/main" xmlns:r="http://schemas.openxmlformats.org/officeDocument/2006/relationships" xmlns:p="http://schemas.openxmlformats.org/presentationml/2006/main">
   <p:cSld>
